--- a/Building Secure Solutions in the Cloud.pptx
+++ b/Building Secure Solutions in the Cloud.pptx
@@ -5,10 +5,10 @@
     <p:sldMasterId id="2147483898" r:id="rId4"/>
   </p:sldMasterIdLst>
   <p:notesMasterIdLst>
-    <p:notesMasterId r:id="rId34"/>
+    <p:notesMasterId r:id="rId30"/>
   </p:notesMasterIdLst>
   <p:handoutMasterIdLst>
-    <p:handoutMasterId r:id="rId35"/>
+    <p:handoutMasterId r:id="rId31"/>
   </p:handoutMasterIdLst>
   <p:sldIdLst>
     <p:sldId id="372" r:id="rId5"/>
@@ -25,21 +25,17 @@
     <p:sldId id="314" r:id="rId16"/>
     <p:sldId id="379" r:id="rId17"/>
     <p:sldId id="377" r:id="rId18"/>
-    <p:sldId id="317" r:id="rId19"/>
-    <p:sldId id="283" r:id="rId20"/>
-    <p:sldId id="310" r:id="rId21"/>
-    <p:sldId id="367" r:id="rId22"/>
-    <p:sldId id="378" r:id="rId23"/>
-    <p:sldId id="343" r:id="rId24"/>
-    <p:sldId id="334" r:id="rId25"/>
-    <p:sldId id="327" r:id="rId26"/>
-    <p:sldId id="330" r:id="rId27"/>
-    <p:sldId id="370" r:id="rId28"/>
-    <p:sldId id="374" r:id="rId29"/>
-    <p:sldId id="359" r:id="rId30"/>
-    <p:sldId id="365" r:id="rId31"/>
-    <p:sldId id="366" r:id="rId32"/>
-    <p:sldId id="338" r:id="rId33"/>
+    <p:sldId id="367" r:id="rId19"/>
+    <p:sldId id="381" r:id="rId20"/>
+    <p:sldId id="343" r:id="rId21"/>
+    <p:sldId id="334" r:id="rId22"/>
+    <p:sldId id="380" r:id="rId23"/>
+    <p:sldId id="327" r:id="rId24"/>
+    <p:sldId id="330" r:id="rId25"/>
+    <p:sldId id="370" r:id="rId26"/>
+    <p:sldId id="374" r:id="rId27"/>
+    <p:sldId id="359" r:id="rId28"/>
+    <p:sldId id="365" r:id="rId29"/>
   </p:sldIdLst>
   <p:sldSz cx="12192000" cy="6858000"/>
   <p:notesSz cx="6858000" cy="9144000"/>
@@ -165,25 +161,19 @@
             <p14:sldId id="314"/>
             <p14:sldId id="379"/>
             <p14:sldId id="377"/>
-            <p14:sldId id="317"/>
-          </p14:sldIdLst>
-        </p14:section>
-        <p14:section name="Role Based Access Control" id="{902455F0-C2D1-464B-A5CD-FA9D920EAA95}">
-          <p14:sldIdLst>
-            <p14:sldId id="283"/>
-            <p14:sldId id="310"/>
           </p14:sldIdLst>
         </p14:section>
         <p14:section name="Azure Security Center" id="{888D8700-725F-4E92-B43A-448DD28F67A6}">
           <p14:sldIdLst>
             <p14:sldId id="367"/>
-            <p14:sldId id="378"/>
+            <p14:sldId id="381"/>
           </p14:sldIdLst>
         </p14:section>
         <p14:section name="Privacy and control" id="{1F1BA9F0-B12D-4893-AEDC-A3937B90188B}">
           <p14:sldIdLst>
             <p14:sldId id="343"/>
             <p14:sldId id="334"/>
+            <p14:sldId id="380"/>
             <p14:sldId id="327"/>
             <p14:sldId id="330"/>
           </p14:sldIdLst>
@@ -198,8 +188,6 @@
         <p14:section name="Appendix" id="{3A9247BB-6A37-4D4F-A4B9-E807E8F19222}">
           <p14:sldIdLst>
             <p14:sldId id="365"/>
-            <p14:sldId id="366"/>
-            <p14:sldId id="338"/>
           </p14:sldIdLst>
         </p14:section>
       </p14:sectionLst>
@@ -308,7 +296,7 @@
           <a:p>
             <a:fld id="{08785AD7-566F-4C71-A877-61487786B932}" type="datetimeFigureOut">
               <a:rPr lang="en-US" smtClean="0"/>
-              <a:t>6/17/2016</a:t>
+              <a:t>06/28/2016</a:t>
             </a:fld>
             <a:endParaRPr lang="en-US"/>
           </a:p>
@@ -473,7 +461,7 @@
           <a:p>
             <a:fld id="{3AC152BB-29D3-4366-9432-ADC86E136C03}" type="datetimeFigureOut">
               <a:rPr lang="en-US" smtClean="0"/>
-              <a:t>6/17/2016</a:t>
+              <a:t>06/28/2016</a:t>
             </a:fld>
             <a:endParaRPr lang="en-US"/>
           </a:p>
@@ -3250,79 +3238,35 @@
           <a:bodyPr/>
           <a:lstStyle/>
           <a:p>
-            <a:r>
-              <a:rPr lang="en-US" sz="1400" baseline="0" dirty="0">
-                <a:solidFill>
-                  <a:srgbClr val="44546A"/>
-                </a:solidFill>
-              </a:rPr>
-              <a:t>Demo script: 1_Demo_SQLV12_Transparent Data Encryption.docx</a:t>
-            </a:r>
-          </a:p>
-          <a:p>
-            <a:r>
-              <a:rPr lang="en-US" sz="1400" baseline="0" dirty="0">
-                <a:solidFill>
-                  <a:srgbClr val="44546A"/>
-                </a:solidFill>
-              </a:rPr>
-              <a:t>Details: </a:t>
-            </a:r>
-            <a:r>
-              <a:rPr lang="en-US" sz="1200" b="0" i="0" kern="1200" dirty="0">
-                <a:solidFill>
-                  <a:schemeClr val="tx1"/>
-                </a:solidFill>
-                <a:effectLst/>
-                <a:latin typeface="Segoe UI Light" pitchFamily="34" charset="0"/>
-                <a:ea typeface="+mn-ea"/>
-                <a:cs typeface="+mn-cs"/>
-              </a:rPr>
-              <a:t>Security is a primary concern for anyone who runs their business in the cloud. The latest security features released in V12 include:</a:t>
-            </a:r>
-          </a:p>
-          <a:p>
-            <a:r>
-              <a:rPr lang="en-US" sz="1200" b="0" i="0" u="none" strike="noStrike" kern="1200" dirty="0">
-                <a:solidFill>
-                  <a:schemeClr val="tx1"/>
-                </a:solidFill>
-                <a:effectLst/>
-                <a:latin typeface="Segoe UI Light" pitchFamily="34" charset="0"/>
-                <a:ea typeface="+mn-ea"/>
-                <a:cs typeface="+mn-cs"/>
-                <a:hlinkClick r:id="rId3"/>
-              </a:rPr>
-              <a:t>Row-level security</a:t>
-            </a:r>
-            <a:r>
-              <a:rPr lang="en-US" sz="1200" b="0" i="0" kern="1200" dirty="0">
-                <a:solidFill>
-                  <a:schemeClr val="tx1"/>
-                </a:solidFill>
-                <a:effectLst/>
-                <a:latin typeface="Segoe UI Light" pitchFamily="34" charset="0"/>
-                <a:ea typeface="+mn-ea"/>
-                <a:cs typeface="+mn-cs"/>
-              </a:rPr>
-              <a:t> (RLS)</a:t>
-            </a:r>
-          </a:p>
-          <a:p>
-            <a:r>
-              <a:rPr lang="en-US" sz="1200" b="0" i="0" u="none" strike="noStrike" kern="1200" dirty="0">
-                <a:solidFill>
-                  <a:schemeClr val="tx1"/>
-                </a:solidFill>
-                <a:effectLst/>
-                <a:latin typeface="Segoe UI Light" pitchFamily="34" charset="0"/>
-                <a:ea typeface="+mn-ea"/>
-                <a:cs typeface="+mn-cs"/>
-                <a:hlinkClick r:id="rId4"/>
-              </a:rPr>
-              <a:t>Dynamic Data Masking</a:t>
-            </a:r>
-            <a:endParaRPr lang="en-US" sz="1200" b="0" i="0" kern="1200" dirty="0">
+            <a:pPr defTabSz="966612">
+              <a:lnSpc>
+                <a:spcPct val="115000"/>
+              </a:lnSpc>
+              <a:spcAft>
+                <a:spcPts val="1057"/>
+              </a:spcAft>
+              <a:defRPr/>
+            </a:pPr>
+            <a:r>
+              <a:rPr lang="en-US" b="1" dirty="0"/>
+              <a:t>Azure Security Center </a:t>
+            </a:r>
+            <a:r>
+              <a:rPr lang="en-US" dirty="0"/>
+              <a:t>provides a unified view of your security state, so your team and/or your organization’s security specialists can get the information they need to evaluate risk across the workloads they run in the cloud.  Based on customizable policy, the service can provide recommendations. For example, the policy might be that all web applications should be protected by a web application firewall. If so, the Azure Security Center will automatically detect when web apps you host in Azure don’t have a web application firewall configured, and provide a quick and direct workflow to get a firewall from one of our partners deployed and configured.</a:t>
+            </a:r>
+          </a:p>
+          <a:p>
+            <a:pPr defTabSz="966612">
+              <a:lnSpc>
+                <a:spcPct val="115000"/>
+              </a:lnSpc>
+              <a:spcAft>
+                <a:spcPts val="1057"/>
+              </a:spcAft>
+              <a:defRPr/>
+            </a:pPr>
+            <a:endParaRPr lang="en-US" sz="1200" kern="1200" dirty="0">
               <a:solidFill>
                 <a:schemeClr val="tx1"/>
               </a:solidFill>
@@ -3333,20 +3277,31 @@
             </a:endParaRPr>
           </a:p>
           <a:p>
-            <a:r>
-              <a:rPr lang="en-US" sz="1200" b="0" i="0" u="none" strike="noStrike" kern="1200" dirty="0">
-                <a:solidFill>
-                  <a:schemeClr val="tx1"/>
-                </a:solidFill>
-                <a:effectLst/>
-                <a:latin typeface="Segoe UI Light" pitchFamily="34" charset="0"/>
-                <a:ea typeface="+mn-ea"/>
-                <a:cs typeface="+mn-cs"/>
-                <a:hlinkClick r:id="rId5"/>
-              </a:rPr>
-              <a:t>Contained databases</a:t>
-            </a:r>
-            <a:endParaRPr lang="en-US" sz="1200" b="0" i="0" kern="1200" dirty="0">
+            <a:pPr defTabSz="966612">
+              <a:lnSpc>
+                <a:spcPct val="115000"/>
+              </a:lnSpc>
+              <a:spcAft>
+                <a:spcPts val="1057"/>
+              </a:spcAft>
+              <a:defRPr/>
+            </a:pPr>
+            <a:r>
+              <a:rPr lang="en-US" dirty="0"/>
+              <a:t>Of course, even with the best possible protection in place, attackers will still try to compromise systems. To address this problem and adopt an “assume breach” mindset, the Azure Security Center uses advanced analytics, including machine learning, along with Microsoft’s global threat intelligence network to look for and alert on attacks. Signals are automatically collected from your Azure resources, the network, and integrated security partner solutions and analyzed to identify cyber-attacks that might otherwise go undetected. Should an incident occur, security alerts offer insights into the attack and suggest ways to remediate and recover quickly. Security data and alerts can also be piped to existing Security Information and Events Management (SIEM) systems your organization has already purchased and is using on-premises. </a:t>
+            </a:r>
+          </a:p>
+          <a:p>
+            <a:pPr defTabSz="966612">
+              <a:lnSpc>
+                <a:spcPct val="115000"/>
+              </a:lnSpc>
+              <a:spcAft>
+                <a:spcPts val="1057"/>
+              </a:spcAft>
+              <a:defRPr/>
+            </a:pPr>
+            <a:endParaRPr lang="en-US" sz="1200" kern="1200" dirty="0">
               <a:solidFill>
                 <a:schemeClr val="tx1"/>
               </a:solidFill>
@@ -3357,91 +3312,28 @@
             </a:endParaRPr>
           </a:p>
           <a:p>
-            <a:r>
-              <a:rPr lang="en-US" sz="1200" b="0" i="0" u="none" strike="noStrike" kern="1200" dirty="0">
-                <a:solidFill>
-                  <a:schemeClr val="tx1"/>
-                </a:solidFill>
-                <a:effectLst/>
-                <a:latin typeface="Segoe UI Light" pitchFamily="34" charset="0"/>
-                <a:ea typeface="+mn-ea"/>
-                <a:cs typeface="+mn-cs"/>
-                <a:hlinkClick r:id="rId6"/>
-              </a:rPr>
-              <a:t>Application roles</a:t>
-            </a:r>
-            <a:r>
-              <a:rPr lang="en-US" sz="1200" b="0" i="0" kern="1200" dirty="0">
-                <a:solidFill>
-                  <a:schemeClr val="tx1"/>
-                </a:solidFill>
-                <a:effectLst/>
-                <a:latin typeface="Segoe UI Light" pitchFamily="34" charset="0"/>
-                <a:ea typeface="+mn-ea"/>
-                <a:cs typeface="+mn-cs"/>
-              </a:rPr>
-              <a:t> managed with GRANT, DENY, REVOKE</a:t>
-            </a:r>
-          </a:p>
-          <a:p>
-            <a:r>
-              <a:rPr lang="en-US" sz="1200" b="0" i="0" u="none" strike="noStrike" kern="1200" dirty="0">
-                <a:solidFill>
-                  <a:schemeClr val="tx1"/>
-                </a:solidFill>
-                <a:effectLst/>
-                <a:latin typeface="Segoe UI Light" pitchFamily="34" charset="0"/>
-                <a:ea typeface="+mn-ea"/>
-                <a:cs typeface="+mn-cs"/>
-                <a:hlinkClick r:id="rId7"/>
-              </a:rPr>
-              <a:t>Transparent Data Encryption</a:t>
-            </a:r>
-            <a:r>
-              <a:rPr lang="en-US" sz="1200" b="0" i="0" kern="1200" dirty="0">
-                <a:solidFill>
-                  <a:schemeClr val="tx1"/>
-                </a:solidFill>
-                <a:effectLst/>
-                <a:latin typeface="Segoe UI Light" pitchFamily="34" charset="0"/>
-                <a:ea typeface="+mn-ea"/>
-                <a:cs typeface="+mn-cs"/>
-              </a:rPr>
-              <a:t> (TDE)</a:t>
-            </a:r>
-          </a:p>
-          <a:p>
-            <a:endParaRPr lang="en-US" sz="1400" dirty="0">
+            <a:pPr defTabSz="966612">
+              <a:lnSpc>
+                <a:spcPct val="115000"/>
+              </a:lnSpc>
+              <a:spcAft>
+                <a:spcPts val="1057"/>
+              </a:spcAft>
+              <a:defRPr/>
+            </a:pPr>
+            <a:r>
+              <a:rPr lang="en-US" dirty="0"/>
+              <a:t>No other cloud vendor provides the depth and breadth of these capabilities, and they are going to enable you to build even more secure applications in the cloud.</a:t>
+            </a:r>
+            <a:endParaRPr lang="en-US" sz="1200" kern="1200" dirty="0">
               <a:solidFill>
-                <a:srgbClr val="44546A"/>
+                <a:schemeClr val="tx1"/>
               </a:solidFill>
+              <a:effectLst/>
+              <a:latin typeface="Segoe UI Light" pitchFamily="34" charset="0"/>
+              <a:ea typeface="+mn-ea"/>
+              <a:cs typeface="+mn-cs"/>
             </a:endParaRPr>
-          </a:p>
-          <a:p>
-            <a:r>
-              <a:rPr lang="en-US" sz="1400" dirty="0">
-                <a:solidFill>
-                  <a:srgbClr val="44546A"/>
-                </a:solidFill>
-              </a:rPr>
-              <a:t>Speaker Notes: Demonstrate Transparent Data Encryption (TDE) as part of</a:t>
-            </a:r>
-            <a:r>
-              <a:rPr lang="en-US" sz="1400" baseline="0" dirty="0">
-                <a:solidFill>
-                  <a:srgbClr val="44546A"/>
-                </a:solidFill>
-              </a:rPr>
-              <a:t> this demo</a:t>
-            </a:r>
-            <a:endParaRPr lang="en-US" sz="1400" dirty="0">
-              <a:solidFill>
-                <a:srgbClr val="44546A"/>
-              </a:solidFill>
-            </a:endParaRPr>
-          </a:p>
-          <a:p>
-            <a:endParaRPr lang="en-US" dirty="0"/>
           </a:p>
         </p:txBody>
       </p:sp>
@@ -3471,7 +3363,7 @@
     </p:spTree>
     <p:extLst>
       <p:ext uri="{BB962C8B-B14F-4D97-AF65-F5344CB8AC3E}">
-        <p14:creationId xmlns:p14="http://schemas.microsoft.com/office/powerpoint/2010/main" val="76715764"/>
+        <p14:creationId xmlns:p14="http://schemas.microsoft.com/office/powerpoint/2010/main" val="3317286717"/>
       </p:ext>
     </p:extLst>
   </p:cSld>
@@ -3525,88 +3417,206 @@
           <a:bodyPr/>
           <a:lstStyle/>
           <a:p>
-            <a:pPr>
-              <a:lnSpc>
-                <a:spcPct val="115000"/>
-              </a:lnSpc>
-              <a:spcAft>
-                <a:spcPts val="1057"/>
-              </a:spcAft>
-            </a:pPr>
-            <a:r>
-              <a:rPr lang="en-US" sz="1200" b="1" dirty="0">
-                <a:latin typeface="Segoe UI" panose="020B0502040204020203" pitchFamily="34" charset="0"/>
-                <a:ea typeface="Segoe UI" panose="020B0502040204020203" pitchFamily="34" charset="0"/>
-                <a:cs typeface="Segoe UI" panose="020B0502040204020203" pitchFamily="34" charset="0"/>
+            <a:r>
+              <a:rPr lang="en-US" sz="1400" baseline="0">
+                <a:solidFill>
+                  <a:srgbClr val="44546A"/>
+                </a:solidFill>
               </a:rPr>
-              <a:t>Slide title: </a:t>
-            </a:r>
-            <a:r>
-              <a:rPr lang="en-US" sz="1200" dirty="0">
-                <a:latin typeface="Segoe UI" panose="020B0502040204020203" pitchFamily="34" charset="0"/>
-                <a:ea typeface="Segoe UI" panose="020B0502040204020203" pitchFamily="34" charset="0"/>
-                <a:cs typeface="Segoe UI" panose="020B0502040204020203" pitchFamily="34" charset="0"/>
+              <a:t>Demo </a:t>
+            </a:r>
+            <a:r>
+              <a:rPr lang="en-US" sz="1400" baseline="0" dirty="0">
+                <a:solidFill>
+                  <a:srgbClr val="44546A"/>
+                </a:solidFill>
               </a:rPr>
-              <a:t>Identity and access</a:t>
-            </a:r>
-          </a:p>
-          <a:p>
-            <a:pPr>
-              <a:lnSpc>
-                <a:spcPct val="115000"/>
-              </a:lnSpc>
-              <a:spcAft>
-                <a:spcPts val="1057"/>
-              </a:spcAft>
-            </a:pPr>
-            <a:r>
-              <a:rPr lang="en-US" sz="1200" b="1" dirty="0">
-                <a:latin typeface="Segoe UI" panose="020B0502040204020203" pitchFamily="34" charset="0"/>
-                <a:ea typeface="Segoe UI" panose="020B0502040204020203" pitchFamily="34" charset="0"/>
-                <a:cs typeface="Segoe UI" panose="020B0502040204020203" pitchFamily="34" charset="0"/>
+              <a:t>script: 1_Demo_SQLV12_Transparent Data Encryption.docx</a:t>
+            </a:r>
+          </a:p>
+          <a:p>
+            <a:r>
+              <a:rPr lang="en-US" sz="1400" baseline="0" dirty="0">
+                <a:solidFill>
+                  <a:srgbClr val="44546A"/>
+                </a:solidFill>
               </a:rPr>
-              <a:t>Slide objectives: </a:t>
-            </a:r>
-            <a:r>
-              <a:rPr lang="en-US" sz="1200" dirty="0">
-                <a:latin typeface="Segoe UI" panose="020B0502040204020203" pitchFamily="34" charset="0"/>
-                <a:ea typeface="Segoe UI" panose="020B0502040204020203" pitchFamily="34" charset="0"/>
-                <a:cs typeface="Segoe UI" panose="020B0502040204020203" pitchFamily="34" charset="0"/>
+              <a:t>Details: </a:t>
+            </a:r>
+            <a:r>
+              <a:rPr lang="en-US" sz="1200" b="0" i="0" kern="1200" dirty="0">
+                <a:solidFill>
+                  <a:schemeClr val="tx1"/>
+                </a:solidFill>
+                <a:effectLst/>
+                <a:latin typeface="Segoe UI Light" pitchFamily="34" charset="0"/>
+                <a:ea typeface="+mn-ea"/>
+                <a:cs typeface="+mn-cs"/>
               </a:rPr>
-              <a:t>Provide an overview of Identity and access solution of Azure</a:t>
-            </a:r>
-          </a:p>
-          <a:p>
-            <a:pPr defTabSz="966612">
-              <a:lnSpc>
-                <a:spcPct val="115000"/>
-              </a:lnSpc>
-              <a:spcAft>
-                <a:spcPts val="1057"/>
-              </a:spcAft>
-              <a:defRPr/>
-            </a:pPr>
-            <a:r>
-              <a:rPr lang="en-US" sz="1400" b="1" dirty="0">
-                <a:latin typeface="Segoe UI" panose="020B0502040204020203" pitchFamily="34" charset="0"/>
-                <a:ea typeface="Segoe UI" panose="020B0502040204020203" pitchFamily="34" charset="0"/>
-                <a:cs typeface="Segoe UI" panose="020B0502040204020203" pitchFamily="34" charset="0"/>
+              <a:t>Security is a primary concern for anyone who runs their business in the cloud. The latest security features released in V12 include:</a:t>
+            </a:r>
+          </a:p>
+          <a:p>
+            <a:r>
+              <a:rPr lang="en-US" sz="1200" b="0" i="0" u="none" strike="noStrike" kern="1200" dirty="0">
+                <a:solidFill>
+                  <a:schemeClr val="tx1"/>
+                </a:solidFill>
+                <a:effectLst/>
+                <a:latin typeface="Segoe UI Light" pitchFamily="34" charset="0"/>
+                <a:ea typeface="+mn-ea"/>
+                <a:cs typeface="+mn-cs"/>
+                <a:hlinkClick r:id="rId3"/>
               </a:rPr>
-              <a:t>Slide script: </a:t>
-            </a:r>
+              <a:t>Row-level security</a:t>
+            </a:r>
+            <a:r>
+              <a:rPr lang="en-US" sz="1200" b="0" i="0" kern="1200" dirty="0">
+                <a:solidFill>
+                  <a:schemeClr val="tx1"/>
+                </a:solidFill>
+                <a:effectLst/>
+                <a:latin typeface="Segoe UI Light" pitchFamily="34" charset="0"/>
+                <a:ea typeface="+mn-ea"/>
+                <a:cs typeface="+mn-cs"/>
+              </a:rPr>
+              <a:t> (RLS)</a:t>
+            </a:r>
+          </a:p>
+          <a:p>
+            <a:r>
+              <a:rPr lang="en-US" sz="1200" b="0" i="0" u="none" strike="noStrike" kern="1200" dirty="0">
+                <a:solidFill>
+                  <a:schemeClr val="tx1"/>
+                </a:solidFill>
+                <a:effectLst/>
+                <a:latin typeface="Segoe UI Light" pitchFamily="34" charset="0"/>
+                <a:ea typeface="+mn-ea"/>
+                <a:cs typeface="+mn-cs"/>
+                <a:hlinkClick r:id="rId4"/>
+              </a:rPr>
+              <a:t>Dynamic Data Masking</a:t>
+            </a:r>
+            <a:endParaRPr lang="en-US" sz="1200" b="0" i="0" kern="1200" dirty="0">
+              <a:solidFill>
+                <a:schemeClr val="tx1"/>
+              </a:solidFill>
+              <a:effectLst/>
+              <a:latin typeface="Segoe UI Light" pitchFamily="34" charset="0"/>
+              <a:ea typeface="+mn-ea"/>
+              <a:cs typeface="+mn-cs"/>
+            </a:endParaRPr>
+          </a:p>
+          <a:p>
+            <a:r>
+              <a:rPr lang="en-US" sz="1200" b="0" i="0" u="none" strike="noStrike" kern="1200" dirty="0">
+                <a:solidFill>
+                  <a:schemeClr val="tx1"/>
+                </a:solidFill>
+                <a:effectLst/>
+                <a:latin typeface="Segoe UI Light" pitchFamily="34" charset="0"/>
+                <a:ea typeface="+mn-ea"/>
+                <a:cs typeface="+mn-cs"/>
+                <a:hlinkClick r:id="rId5"/>
+              </a:rPr>
+              <a:t>Contained databases</a:t>
+            </a:r>
+            <a:endParaRPr lang="en-US" sz="1200" b="0" i="0" kern="1200" dirty="0">
+              <a:solidFill>
+                <a:schemeClr val="tx1"/>
+              </a:solidFill>
+              <a:effectLst/>
+              <a:latin typeface="Segoe UI Light" pitchFamily="34" charset="0"/>
+              <a:ea typeface="+mn-ea"/>
+              <a:cs typeface="+mn-cs"/>
+            </a:endParaRPr>
+          </a:p>
+          <a:p>
+            <a:r>
+              <a:rPr lang="en-US" sz="1200" b="0" i="0" u="none" strike="noStrike" kern="1200" dirty="0">
+                <a:solidFill>
+                  <a:schemeClr val="tx1"/>
+                </a:solidFill>
+                <a:effectLst/>
+                <a:latin typeface="Segoe UI Light" pitchFamily="34" charset="0"/>
+                <a:ea typeface="+mn-ea"/>
+                <a:cs typeface="+mn-cs"/>
+                <a:hlinkClick r:id="rId6"/>
+              </a:rPr>
+              <a:t>Application roles</a:t>
+            </a:r>
+            <a:r>
+              <a:rPr lang="en-US" sz="1200" b="0" i="0" kern="1200" dirty="0">
+                <a:solidFill>
+                  <a:schemeClr val="tx1"/>
+                </a:solidFill>
+                <a:effectLst/>
+                <a:latin typeface="Segoe UI Light" pitchFamily="34" charset="0"/>
+                <a:ea typeface="+mn-ea"/>
+                <a:cs typeface="+mn-cs"/>
+              </a:rPr>
+              <a:t> managed with GRANT, DENY, REVOKE</a:t>
+            </a:r>
+          </a:p>
+          <a:p>
+            <a:r>
+              <a:rPr lang="en-US" sz="1200" b="0" i="0" u="none" strike="noStrike" kern="1200" dirty="0">
+                <a:solidFill>
+                  <a:schemeClr val="tx1"/>
+                </a:solidFill>
+                <a:effectLst/>
+                <a:latin typeface="Segoe UI Light" pitchFamily="34" charset="0"/>
+                <a:ea typeface="+mn-ea"/>
+                <a:cs typeface="+mn-cs"/>
+                <a:hlinkClick r:id="rId7"/>
+              </a:rPr>
+              <a:t>Transparent Data Encryption</a:t>
+            </a:r>
+            <a:r>
+              <a:rPr lang="en-US" sz="1200" b="0" i="0" kern="1200" dirty="0">
+                <a:solidFill>
+                  <a:schemeClr val="tx1"/>
+                </a:solidFill>
+                <a:effectLst/>
+                <a:latin typeface="Segoe UI Light" pitchFamily="34" charset="0"/>
+                <a:ea typeface="+mn-ea"/>
+                <a:cs typeface="+mn-cs"/>
+              </a:rPr>
+              <a:t> (TDE)</a:t>
+            </a:r>
+          </a:p>
+          <a:p>
             <a:endParaRPr lang="en-US" sz="1400" dirty="0">
-              <a:latin typeface="Segoe UI" panose="020B0502040204020203" pitchFamily="34" charset="0"/>
-              <a:ea typeface="Segoe UI" panose="020B0502040204020203" pitchFamily="34" charset="0"/>
-              <a:cs typeface="Segoe UI" panose="020B0502040204020203" pitchFamily="34" charset="0"/>
+              <a:solidFill>
+                <a:srgbClr val="44546A"/>
+              </a:solidFill>
             </a:endParaRPr>
           </a:p>
           <a:p>
             <a:r>
-              <a:rPr lang="en-US" dirty="0">
-                <a:effectLst/>
+              <a:rPr lang="en-US" sz="1400" dirty="0">
+                <a:solidFill>
+                  <a:srgbClr val="44546A"/>
+                </a:solidFill>
               </a:rPr>
-              <a:t>Azure enables customers to control access to their environments, data and applications. Microsoft offers comprehensive and federated identity and access management solutions for customers to use across Azure and other services such as Office 365, helping them simplify the management of multiple environments and control user access across applications. </a:t>
-            </a:r>
+              <a:t>Speaker Notes: Demonstrate Transparent Data Encryption (TDE) as part of</a:t>
+            </a:r>
+            <a:r>
+              <a:rPr lang="en-US" sz="1400" baseline="0" dirty="0">
+                <a:solidFill>
+                  <a:srgbClr val="44546A"/>
+                </a:solidFill>
+              </a:rPr>
+              <a:t> this demo</a:t>
+            </a:r>
+            <a:endParaRPr lang="en-US" sz="1400" dirty="0">
+              <a:solidFill>
+                <a:srgbClr val="44546A"/>
+              </a:solidFill>
+            </a:endParaRPr>
+          </a:p>
+          <a:p>
+            <a:endParaRPr lang="en-US" dirty="0"/>
           </a:p>
         </p:txBody>
       </p:sp>
@@ -3636,7 +3646,7 @@
     </p:spTree>
     <p:extLst>
       <p:ext uri="{BB962C8B-B14F-4D97-AF65-F5344CB8AC3E}">
-        <p14:creationId xmlns:p14="http://schemas.microsoft.com/office/powerpoint/2010/main" val="1604421254"/>
+        <p14:creationId xmlns:p14="http://schemas.microsoft.com/office/powerpoint/2010/main" val="44542724"/>
       </p:ext>
     </p:extLst>
   </p:cSld>
@@ -3690,301 +3700,7 @@
           <a:bodyPr/>
           <a:lstStyle/>
           <a:p>
-            <a:pPr>
-              <a:lnSpc>
-                <a:spcPct val="115000"/>
-              </a:lnSpc>
-              <a:spcAft>
-                <a:spcPts val="1057"/>
-              </a:spcAft>
-            </a:pPr>
-            <a:r>
-              <a:rPr lang="en-US" sz="1400" b="1" dirty="0">
-                <a:latin typeface="Segoe UI" panose="020B0502040204020203" pitchFamily="34" charset="0"/>
-                <a:ea typeface="Segoe UI" panose="020B0502040204020203" pitchFamily="34" charset="0"/>
-                <a:cs typeface="Segoe UI" panose="020B0502040204020203" pitchFamily="34" charset="0"/>
-              </a:rPr>
-              <a:t>Slide title: </a:t>
-            </a:r>
-            <a:r>
-              <a:rPr lang="en-US" sz="1400" dirty="0">
-                <a:latin typeface="Segoe UI" panose="020B0502040204020203" pitchFamily="34" charset="0"/>
-                <a:ea typeface="Segoe UI" panose="020B0502040204020203" pitchFamily="34" charset="0"/>
-                <a:cs typeface="Segoe UI" panose="020B0502040204020203" pitchFamily="34" charset="0"/>
-              </a:rPr>
-              <a:t>Identity &amp; access</a:t>
-            </a:r>
-          </a:p>
-          <a:p>
-            <a:pPr>
-              <a:lnSpc>
-                <a:spcPct val="115000"/>
-              </a:lnSpc>
-              <a:spcAft>
-                <a:spcPts val="1057"/>
-              </a:spcAft>
-            </a:pPr>
-            <a:r>
-              <a:rPr lang="en-US" sz="1400" b="1" dirty="0">
-                <a:latin typeface="Segoe UI" panose="020B0502040204020203" pitchFamily="34" charset="0"/>
-                <a:ea typeface="Segoe UI" panose="020B0502040204020203" pitchFamily="34" charset="0"/>
-                <a:cs typeface="Segoe UI" panose="020B0502040204020203" pitchFamily="34" charset="0"/>
-              </a:rPr>
-              <a:t>Slide objectives: </a:t>
-            </a:r>
-            <a:r>
-              <a:rPr lang="en-US" sz="1400" dirty="0">
-                <a:latin typeface="Segoe UI" panose="020B0502040204020203" pitchFamily="34" charset="0"/>
-                <a:ea typeface="Segoe UI" panose="020B0502040204020203" pitchFamily="34" charset="0"/>
-                <a:cs typeface="Segoe UI" panose="020B0502040204020203" pitchFamily="34" charset="0"/>
-              </a:rPr>
-              <a:t>Provide an overview of Azure identity &amp; access control.</a:t>
-            </a:r>
-          </a:p>
-          <a:p>
-            <a:pPr defTabSz="966612">
-              <a:lnSpc>
-                <a:spcPct val="115000"/>
-              </a:lnSpc>
-              <a:spcAft>
-                <a:spcPts val="1057"/>
-              </a:spcAft>
-              <a:defRPr/>
-            </a:pPr>
-            <a:endParaRPr lang="en-US" sz="1400" b="1" dirty="0">
-              <a:latin typeface="Segoe UI" panose="020B0502040204020203" pitchFamily="34" charset="0"/>
-              <a:ea typeface="Segoe UI" panose="020B0502040204020203" pitchFamily="34" charset="0"/>
-              <a:cs typeface="Segoe UI" panose="020B0502040204020203" pitchFamily="34" charset="0"/>
-            </a:endParaRPr>
-          </a:p>
-          <a:p>
-            <a:pPr defTabSz="966612">
-              <a:lnSpc>
-                <a:spcPct val="115000"/>
-              </a:lnSpc>
-              <a:spcAft>
-                <a:spcPts val="1057"/>
-              </a:spcAft>
-              <a:defRPr/>
-            </a:pPr>
-            <a:r>
-              <a:rPr lang="en-US" sz="1400" b="1" dirty="0">
-                <a:latin typeface="Segoe UI" panose="020B0502040204020203" pitchFamily="34" charset="0"/>
-                <a:ea typeface="Segoe UI" panose="020B0502040204020203" pitchFamily="34" charset="0"/>
-                <a:cs typeface="Segoe UI" panose="020B0502040204020203" pitchFamily="34" charset="0"/>
-              </a:rPr>
-              <a:t>Slide script: </a:t>
-            </a:r>
-            <a:endParaRPr lang="en-US" sz="1400" dirty="0">
-              <a:latin typeface="Segoe UI" panose="020B0502040204020203" pitchFamily="34" charset="0"/>
-              <a:ea typeface="Segoe UI" panose="020B0502040204020203" pitchFamily="34" charset="0"/>
-              <a:cs typeface="Segoe UI" panose="020B0502040204020203" pitchFamily="34" charset="0"/>
-            </a:endParaRPr>
-          </a:p>
-          <a:p>
-            <a:r>
-              <a:rPr lang="en-US" dirty="0">
-                <a:effectLst/>
-              </a:rPr>
-              <a:t>Azure enables customers to control access to their environments, data and applications. Microsoft offers comprehensive and federated identity and access management solutions for customers to use across Azure and other services such as Office 365, helping them simplify the management of multiple environments and control user access across applications. </a:t>
-            </a:r>
-          </a:p>
-          <a:p>
-            <a:pPr marL="285750" indent="-285750">
-              <a:buFont typeface="Arial" panose="020B0604020202020204" pitchFamily="34" charset="0"/>
-              <a:buChar char="•"/>
-            </a:pPr>
-            <a:r>
-              <a:rPr lang="en-US" sz="1400" b="1" dirty="0"/>
-              <a:t>Enterprise cloud directory.</a:t>
-            </a:r>
-            <a:r>
-              <a:rPr lang="en-US" sz="1400" dirty="0"/>
-              <a:t> </a:t>
-            </a:r>
-            <a:r>
-              <a:rPr lang="en-US" sz="1200" kern="1200" dirty="0">
-                <a:solidFill>
-                  <a:schemeClr val="tx1"/>
-                </a:solidFill>
-                <a:effectLst/>
-                <a:latin typeface="Segoe UI Light" pitchFamily="34" charset="0"/>
-                <a:ea typeface="+mn-ea"/>
-                <a:cs typeface="+mn-cs"/>
-              </a:rPr>
-              <a:t>Azure Active Directory (AD) is a comprehensive identity and access management solution in the cloud. It combines core directory services, advanced identity governance, security, and application access management. Azure Active Directory makes it easy for developers to build policy-based identity management into their applications. Azure Active Directory Premium includes additional features to meet the advanced identity and access needs of enterprise organizations. Azure Active Directory enables a single identity management capability across on-premises, cloud, and mobile solutions.</a:t>
-            </a:r>
-          </a:p>
-          <a:p>
-            <a:pPr marL="285750" marR="0" indent="-285750" algn="l" defTabSz="914400" rtl="0" eaLnBrk="1" fontAlgn="auto" latinLnBrk="0" hangingPunct="1">
-              <a:lnSpc>
-                <a:spcPct val="100000"/>
-              </a:lnSpc>
-              <a:spcBef>
-                <a:spcPts val="0"/>
-              </a:spcBef>
-              <a:spcAft>
-                <a:spcPts val="0"/>
-              </a:spcAft>
-              <a:buClrTx/>
-              <a:buSzTx/>
-              <a:buFont typeface="Arial" panose="020B0604020202020204" pitchFamily="34" charset="0"/>
-              <a:buChar char="•"/>
-              <a:tabLst/>
-              <a:defRPr/>
-            </a:pPr>
-            <a:r>
-              <a:rPr lang="en-US" sz="1200" b="1" kern="1200" dirty="0">
-                <a:solidFill>
-                  <a:schemeClr val="tx1"/>
-                </a:solidFill>
-                <a:effectLst/>
-                <a:latin typeface="Segoe UI Light" pitchFamily="34" charset="0"/>
-                <a:ea typeface="+mn-ea"/>
-                <a:cs typeface="+mn-cs"/>
-              </a:rPr>
-              <a:t>Multi-Factor Authentication. </a:t>
-            </a:r>
-            <a:r>
-              <a:rPr lang="en-US" sz="1200" kern="1200" dirty="0">
-                <a:solidFill>
-                  <a:schemeClr val="tx1"/>
-                </a:solidFill>
-                <a:effectLst/>
-                <a:latin typeface="Segoe UI Light" pitchFamily="34" charset="0"/>
-                <a:ea typeface="+mn-ea"/>
-                <a:cs typeface="+mn-cs"/>
-              </a:rPr>
-              <a:t>Microsoft Azure provides Multi-Factor Authentication (MFA). This helps safeguard access to data and applications and enables regulatory compliance while meeting user demand for a simple sign-in process for both on-premises and cloud applications. It delivers strong authentication via a range of easy verification options—phone call, text message, or mobile app notification—allowing users to choose the method they prefer. </a:t>
-            </a:r>
-          </a:p>
-          <a:p>
-            <a:pPr marL="285750" marR="0" indent="-285750" algn="l" defTabSz="914400" rtl="0" eaLnBrk="1" fontAlgn="auto" latinLnBrk="0" hangingPunct="1">
-              <a:lnSpc>
-                <a:spcPct val="100000"/>
-              </a:lnSpc>
-              <a:spcBef>
-                <a:spcPts val="0"/>
-              </a:spcBef>
-              <a:spcAft>
-                <a:spcPts val="0"/>
-              </a:spcAft>
-              <a:buClrTx/>
-              <a:buSzTx/>
-              <a:buFont typeface="Arial" panose="020B0604020202020204" pitchFamily="34" charset="0"/>
-              <a:buChar char="•"/>
-              <a:tabLst/>
-              <a:defRPr/>
-            </a:pPr>
-            <a:r>
-              <a:rPr lang="en-US" sz="1400" b="1" dirty="0"/>
-              <a:t>Access monitoring and logging.</a:t>
-            </a:r>
-            <a:r>
-              <a:rPr lang="en-US" sz="1400" dirty="0"/>
-              <a:t> </a:t>
-            </a:r>
-            <a:r>
-              <a:rPr lang="en-US" sz="1200" kern="1200" dirty="0">
-                <a:solidFill>
-                  <a:schemeClr val="tx1"/>
-                </a:solidFill>
-                <a:effectLst/>
-                <a:latin typeface="Segoe UI Light" pitchFamily="34" charset="0"/>
-                <a:ea typeface="+mn-ea"/>
-                <a:cs typeface="+mn-cs"/>
-              </a:rPr>
-              <a:t>Security reports are used to monitor access patterns and to proactively identify and mitigate potential threats. Microsoft administrative operations, including system access, are logged to provide an audit trail if unauthorized or accidental changes are made. Customers can turn on additional access monitoring functionality in Azure and use third-party monitoring tools to detect additional threats. Customers can request reports from Microsoft that provide information about user access to their environments.</a:t>
-            </a:r>
-          </a:p>
-          <a:p>
-            <a:pPr marL="285750" marR="0" indent="-285750" algn="l" defTabSz="914400" rtl="0" eaLnBrk="1" fontAlgn="auto" latinLnBrk="0" hangingPunct="1">
-              <a:lnSpc>
-                <a:spcPct val="100000"/>
-              </a:lnSpc>
-              <a:spcBef>
-                <a:spcPts val="0"/>
-              </a:spcBef>
-              <a:spcAft>
-                <a:spcPts val="0"/>
-              </a:spcAft>
-              <a:buClrTx/>
-              <a:buSzTx/>
-              <a:buFont typeface="Arial" panose="020B0604020202020204" pitchFamily="34" charset="0"/>
-              <a:buChar char="•"/>
-              <a:tabLst/>
-              <a:defRPr/>
-            </a:pPr>
-            <a:r>
-              <a:rPr lang="en-US" sz="1200" b="1" kern="1200" dirty="0">
-                <a:solidFill>
-                  <a:schemeClr val="tx1"/>
-                </a:solidFill>
-                <a:effectLst/>
-                <a:latin typeface="Segoe UI Light" pitchFamily="34" charset="0"/>
-                <a:ea typeface="+mn-ea"/>
-                <a:cs typeface="+mn-cs"/>
-              </a:rPr>
-              <a:t>Single sign-on. </a:t>
-            </a:r>
-            <a:r>
-              <a:rPr lang="en-US" sz="1200" kern="1200" dirty="0">
-                <a:solidFill>
-                  <a:schemeClr val="tx1"/>
-                </a:solidFill>
-                <a:effectLst/>
-                <a:latin typeface="Segoe UI Light" pitchFamily="34" charset="0"/>
-                <a:ea typeface="+mn-ea"/>
-                <a:cs typeface="+mn-cs"/>
-              </a:rPr>
-              <a:t>End users want a secure and convenient way to access their data and applications. Azure AD, along with a variety of supported third-party apps, streamlines the authentication process for users with corporate credentials by providing a single sign-on option across multiple applications and services. </a:t>
-            </a:r>
-          </a:p>
-          <a:p>
-            <a:pPr marL="285750" marR="0" indent="-285750" algn="l" defTabSz="914400" rtl="0" eaLnBrk="1" fontAlgn="auto" latinLnBrk="0" hangingPunct="1">
-              <a:lnSpc>
-                <a:spcPct val="100000"/>
-              </a:lnSpc>
-              <a:spcBef>
-                <a:spcPts val="0"/>
-              </a:spcBef>
-              <a:spcAft>
-                <a:spcPts val="0"/>
-              </a:spcAft>
-              <a:buClrTx/>
-              <a:buSzTx/>
-              <a:buFont typeface="Arial" panose="020B0604020202020204" pitchFamily="34" charset="0"/>
-              <a:buChar char="•"/>
-              <a:tabLst/>
-              <a:defRPr/>
-            </a:pPr>
-            <a:r>
-              <a:rPr lang="en-US" sz="1200" b="1" kern="1200" dirty="0">
-                <a:solidFill>
-                  <a:schemeClr val="tx1"/>
-                </a:solidFill>
-                <a:effectLst/>
-                <a:latin typeface="Segoe UI Light" pitchFamily="34" charset="0"/>
-                <a:ea typeface="+mn-ea"/>
-                <a:cs typeface="+mn-cs"/>
-              </a:rPr>
-              <a:t>Integration with customer applications. </a:t>
-            </a:r>
-            <a:r>
-              <a:rPr lang="en-US" sz="1200" kern="1200" dirty="0">
-                <a:solidFill>
-                  <a:schemeClr val="tx1"/>
-                </a:solidFill>
-                <a:effectLst/>
-                <a:latin typeface="Segoe UI Light" pitchFamily="34" charset="0"/>
-                <a:ea typeface="+mn-ea"/>
-                <a:cs typeface="+mn-cs"/>
-              </a:rPr>
-              <a:t>Application developers can integrate their applications with Azure AD to provide single sign-on functionality for their users. This enables enterprise applications to be hosted in the cloud and to easily authenticate users with corporate credentials. It also enables Software-as-a-Service (SaaS) providers to make authentication easier for users in Azure AD organizations when authenticating to their services. </a:t>
-            </a:r>
-          </a:p>
-          <a:p>
-            <a:endParaRPr lang="en-US" dirty="0"/>
+            <a:endParaRPr lang="en-US"/>
           </a:p>
         </p:txBody>
       </p:sp>
@@ -4014,7 +3730,7 @@
     </p:spTree>
     <p:extLst>
       <p:ext uri="{BB962C8B-B14F-4D97-AF65-F5344CB8AC3E}">
-        <p14:creationId xmlns:p14="http://schemas.microsoft.com/office/powerpoint/2010/main" val="4292295305"/>
+        <p14:creationId xmlns:p14="http://schemas.microsoft.com/office/powerpoint/2010/main" val="3447175514"/>
       </p:ext>
     </p:extLst>
   </p:cSld>
@@ -4068,102 +3784,92 @@
           <a:bodyPr/>
           <a:lstStyle/>
           <a:p>
-            <a:pPr defTabSz="966612">
+            <a:pPr>
               <a:lnSpc>
                 <a:spcPct val="115000"/>
               </a:lnSpc>
               <a:spcAft>
                 <a:spcPts val="1057"/>
               </a:spcAft>
-              <a:defRPr/>
             </a:pPr>
             <a:r>
-              <a:rPr lang="en-US" b="1" dirty="0"/>
-              <a:t>Azure Security Center </a:t>
-            </a:r>
-            <a:r>
-              <a:rPr lang="en-US" dirty="0"/>
-              <a:t>provides a unified view of your security state, so your team and/or your organization’s security specialists can get the information they need to evaluate risk across the workloads they run in the cloud.  Based on customizable policy, the service can provide recommendations. For example, the policy might be that all web applications should be protected by a web application firewall. If so, the Azure Security Center will automatically detect when web apps you host in Azure don’t have a web application firewall configured, and provide a quick and direct workflow to get a firewall from one of our partners deployed and configured.</a:t>
-            </a:r>
-          </a:p>
-          <a:p>
-            <a:pPr defTabSz="966612">
+              <a:rPr lang="en-US" sz="1200" b="0" dirty="0">
+                <a:latin typeface="Segoe UI" panose="020B0502040204020203" pitchFamily="34" charset="0"/>
+                <a:ea typeface="Segoe UI" panose="020B0502040204020203" pitchFamily="34" charset="0"/>
+                <a:cs typeface="Segoe UI" panose="020B0502040204020203" pitchFamily="34" charset="0"/>
+              </a:rPr>
+              <a:t>Slide title: Compliance</a:t>
+            </a:r>
+          </a:p>
+          <a:p>
+            <a:pPr>
               <a:lnSpc>
                 <a:spcPct val="115000"/>
               </a:lnSpc>
               <a:spcAft>
                 <a:spcPts val="1057"/>
               </a:spcAft>
-              <a:defRPr/>
             </a:pPr>
-            <a:endParaRPr lang="en-US" sz="1200" kern="1200" dirty="0">
-              <a:solidFill>
-                <a:schemeClr val="tx1"/>
-              </a:solidFill>
-              <a:effectLst/>
-              <a:latin typeface="Segoe UI Light" pitchFamily="34" charset="0"/>
-              <a:ea typeface="+mn-ea"/>
-              <a:cs typeface="+mn-cs"/>
-            </a:endParaRPr>
-          </a:p>
-          <a:p>
-            <a:pPr defTabSz="966612">
+            <a:r>
+              <a:rPr lang="en-US" sz="1200" b="0" dirty="0">
+                <a:latin typeface="Segoe UI" panose="020B0502040204020203" pitchFamily="34" charset="0"/>
+                <a:ea typeface="Segoe UI" panose="020B0502040204020203" pitchFamily="34" charset="0"/>
+                <a:cs typeface="Segoe UI" panose="020B0502040204020203" pitchFamily="34" charset="0"/>
+              </a:rPr>
+              <a:t>Slide objectives: Introduce the following section on compliance.</a:t>
+            </a:r>
+          </a:p>
+          <a:p>
+            <a:pPr>
               <a:lnSpc>
                 <a:spcPct val="115000"/>
               </a:lnSpc>
               <a:spcAft>
                 <a:spcPts val="1057"/>
               </a:spcAft>
-              <a:defRPr/>
             </a:pPr>
-            <a:r>
-              <a:rPr lang="en-US" dirty="0"/>
-              <a:t>Of course, even with the best possible protection in place, attackers will still try to compromise systems. To address this problem and adopt an “assume breach” mindset, the Azure Security Center uses advanced analytics, including machine learning, along with Microsoft’s global threat intelligence network to look for and alert on attacks. Signals are automatically collected from your Azure resources, the network, and integrated security partner solutions and analyzed to identify cyber-attacks that might otherwise go undetected. Should an incident occur, security alerts offer insights into the attack and suggest ways to remediate and recover quickly. Security data and alerts can also be piped to existing Security Information and Events Management (SIEM) systems your organization has already purchased and is using on-premises. </a:t>
-            </a:r>
-          </a:p>
-          <a:p>
-            <a:pPr defTabSz="966612">
+            <a:endParaRPr lang="en-US" sz="1200" b="0" dirty="0">
+              <a:latin typeface="Segoe UI" panose="020B0502040204020203" pitchFamily="34" charset="0"/>
+              <a:ea typeface="Segoe UI" panose="020B0502040204020203" pitchFamily="34" charset="0"/>
+              <a:cs typeface="Segoe UI" panose="020B0502040204020203" pitchFamily="34" charset="0"/>
+            </a:endParaRPr>
+          </a:p>
+          <a:p>
+            <a:pPr>
               <a:lnSpc>
                 <a:spcPct val="115000"/>
               </a:lnSpc>
               <a:spcAft>
                 <a:spcPts val="1057"/>
               </a:spcAft>
-              <a:defRPr/>
             </a:pPr>
-            <a:endParaRPr lang="en-US" sz="1200" kern="1200" dirty="0">
-              <a:solidFill>
-                <a:schemeClr val="tx1"/>
-              </a:solidFill>
-              <a:effectLst/>
-              <a:latin typeface="Segoe UI Light" pitchFamily="34" charset="0"/>
-              <a:ea typeface="+mn-ea"/>
-              <a:cs typeface="+mn-cs"/>
-            </a:endParaRPr>
-          </a:p>
-          <a:p>
-            <a:pPr defTabSz="966612">
+            <a:r>
+              <a:rPr lang="en-US" sz="1200" b="0" dirty="0">
+                <a:latin typeface="Segoe UI" panose="020B0502040204020203" pitchFamily="34" charset="0"/>
+                <a:ea typeface="Segoe UI" panose="020B0502040204020203" pitchFamily="34" charset="0"/>
+                <a:cs typeface="Segoe UI" panose="020B0502040204020203" pitchFamily="34" charset="0"/>
+              </a:rPr>
+              <a:t>By providing customers with compliant, independently verified cloud services, Microsoft makes it easier for customers to achieve compliance for the infrastructure and applications they run in Azure. Microsoft provides Azure customers with detailed information about our security and compliance programs, including audit reports and compliance packages, to help customers assess our services against their own legal and regulatory requirements.</a:t>
+            </a:r>
+          </a:p>
+          <a:p>
+            <a:pPr>
               <a:lnSpc>
                 <a:spcPct val="115000"/>
               </a:lnSpc>
               <a:spcAft>
                 <a:spcPts val="1057"/>
               </a:spcAft>
-              <a:defRPr/>
             </a:pPr>
             <a:r>
-              <a:rPr lang="en-US" dirty="0"/>
-              <a:t>No other cloud vendor provides the depth and breadth of these capabilities, and they are going to enable you to build even more secure applications in the cloud.</a:t>
-            </a:r>
-            <a:endParaRPr lang="en-US" sz="1200" kern="1200" dirty="0">
-              <a:solidFill>
-                <a:schemeClr val="tx1"/>
-              </a:solidFill>
-              <a:effectLst/>
-              <a:latin typeface="Segoe UI Light" pitchFamily="34" charset="0"/>
-              <a:ea typeface="+mn-ea"/>
-              <a:cs typeface="+mn-cs"/>
-            </a:endParaRPr>
+              <a:rPr lang="en-US" sz="1200" b="0" dirty="0">
+                <a:latin typeface="Segoe UI" panose="020B0502040204020203" pitchFamily="34" charset="0"/>
+                <a:ea typeface="Segoe UI" panose="020B0502040204020203" pitchFamily="34" charset="0"/>
+                <a:cs typeface="Segoe UI" panose="020B0502040204020203" pitchFamily="34" charset="0"/>
+              </a:rPr>
+              <a:t>In addition, Microsoft has developed an extensible compliance framework that enables it to design and build services using a single set of controls to speed up and simplify compliance across a diverse set of regulations and rapidly adapt to changes in the regulatory landscape.</a:t>
+            </a:r>
+            <a:endParaRPr lang="en-US" b="0" dirty="0"/>
           </a:p>
         </p:txBody>
       </p:sp>
@@ -4193,7 +3899,7 @@
     </p:spTree>
     <p:extLst>
       <p:ext uri="{BB962C8B-B14F-4D97-AF65-F5344CB8AC3E}">
-        <p14:creationId xmlns:p14="http://schemas.microsoft.com/office/powerpoint/2010/main" val="3317286717"/>
+        <p14:creationId xmlns:p14="http://schemas.microsoft.com/office/powerpoint/2010/main" val="3153913143"/>
       </p:ext>
     </p:extLst>
   </p:cSld>
@@ -4247,64 +3953,31 @@
           <a:bodyPr/>
           <a:lstStyle/>
           <a:p>
-            <a:r>
-              <a:rPr lang="en-US" sz="1600" dirty="0">
+            <a:pPr marL="0" marR="0" indent="0" algn="l" defTabSz="914400" rtl="0" eaLnBrk="1" fontAlgn="auto" latinLnBrk="0" hangingPunct="1">
+              <a:lnSpc>
+                <a:spcPct val="100000"/>
+              </a:lnSpc>
+              <a:spcBef>
+                <a:spcPts val="0"/>
+              </a:spcBef>
+              <a:spcAft>
+                <a:spcPts val="0"/>
+              </a:spcAft>
+              <a:buClrTx/>
+              <a:buSzTx/>
+              <a:buFontTx/>
+              <a:buNone/>
+              <a:tabLst/>
+              <a:defRPr/>
+            </a:pPr>
+            <a:r>
+              <a:rPr lang="en-US" sz="1200" baseline="0" dirty="0">
                 <a:solidFill>
                   <a:srgbClr val="44546A"/>
                 </a:solidFill>
               </a:rPr>
-              <a:t>Slid</a:t>
-            </a:r>
-            <a:r>
-              <a:rPr lang="en-US" sz="1600" baseline="0" dirty="0">
-                <a:solidFill>
-                  <a:srgbClr val="44546A"/>
-                </a:solidFill>
-              </a:rPr>
-              <a:t>e Title : </a:t>
-            </a:r>
-            <a:r>
-              <a:rPr lang="en-US" sz="1600" dirty="0"/>
-              <a:t>Azure Security Center</a:t>
-            </a:r>
-            <a:endParaRPr lang="en-US" sz="1600" baseline="0" dirty="0">
-              <a:solidFill>
-                <a:srgbClr val="44546A"/>
-              </a:solidFill>
-            </a:endParaRPr>
-          </a:p>
-          <a:p>
-            <a:r>
-              <a:rPr lang="en-US" sz="1600" baseline="0" dirty="0">
-                <a:solidFill>
-                  <a:srgbClr val="44546A"/>
-                </a:solidFill>
-              </a:rPr>
-              <a:t>Demo script: </a:t>
-            </a:r>
-            <a:r>
-              <a:rPr lang="en-US" sz="1600" b="1" baseline="0" dirty="0">
-                <a:solidFill>
-                  <a:srgbClr val="44546A"/>
-                </a:solidFill>
-              </a:rPr>
-              <a:t>TBD</a:t>
-            </a:r>
-          </a:p>
-          <a:p>
-            <a:r>
-              <a:rPr lang="en-US" sz="1600" baseline="0" dirty="0">
-                <a:solidFill>
-                  <a:srgbClr val="44546A"/>
-                </a:solidFill>
-              </a:rPr>
-              <a:t>Details: TBD</a:t>
-            </a:r>
-            <a:endParaRPr lang="en-US" sz="1600" dirty="0">
-              <a:solidFill>
-                <a:srgbClr val="44546A"/>
-              </a:solidFill>
-            </a:endParaRPr>
+              <a:t>Demo script: Demo Trust Center</a:t>
+            </a:r>
           </a:p>
         </p:txBody>
       </p:sp>
@@ -4334,7 +4007,7 @@
     </p:spTree>
     <p:extLst>
       <p:ext uri="{BB962C8B-B14F-4D97-AF65-F5344CB8AC3E}">
-        <p14:creationId xmlns:p14="http://schemas.microsoft.com/office/powerpoint/2010/main" val="1612055724"/>
+        <p14:creationId xmlns:p14="http://schemas.microsoft.com/office/powerpoint/2010/main" val="1539654600"/>
       </p:ext>
     </p:extLst>
   </p:cSld>
@@ -4388,7 +4061,319 @@
           <a:bodyPr/>
           <a:lstStyle/>
           <a:p>
-            <a:endParaRPr lang="en-US"/>
+            <a:pPr>
+              <a:lnSpc>
+                <a:spcPct val="115000"/>
+              </a:lnSpc>
+              <a:spcAft>
+                <a:spcPts val="1057"/>
+              </a:spcAft>
+            </a:pPr>
+            <a:r>
+              <a:rPr lang="en-US" sz="1200" b="1" dirty="0">
+                <a:latin typeface="Segoe UI" panose="020B0502040204020203" pitchFamily="34" charset="0"/>
+                <a:ea typeface="Segoe UI" panose="020B0502040204020203" pitchFamily="34" charset="0"/>
+                <a:cs typeface="Segoe UI" panose="020B0502040204020203" pitchFamily="34" charset="0"/>
+              </a:rPr>
+              <a:t>Slide title: </a:t>
+            </a:r>
+            <a:r>
+              <a:rPr lang="en-US" sz="1200" dirty="0">
+                <a:latin typeface="Segoe UI" panose="020B0502040204020203" pitchFamily="34" charset="0"/>
+                <a:ea typeface="Segoe UI" panose="020B0502040204020203" pitchFamily="34" charset="0"/>
+                <a:cs typeface="Segoe UI" panose="020B0502040204020203" pitchFamily="34" charset="0"/>
+              </a:rPr>
+              <a:t>Privacy</a:t>
+            </a:r>
+          </a:p>
+          <a:p>
+            <a:pPr defTabSz="966612">
+              <a:lnSpc>
+                <a:spcPct val="115000"/>
+              </a:lnSpc>
+              <a:spcAft>
+                <a:spcPts val="1057"/>
+              </a:spcAft>
+              <a:defRPr/>
+            </a:pPr>
+            <a:r>
+              <a:rPr lang="en-US" sz="1200" b="1" dirty="0">
+                <a:latin typeface="Segoe UI" panose="020B0502040204020203" pitchFamily="34" charset="0"/>
+                <a:ea typeface="Segoe UI" panose="020B0502040204020203" pitchFamily="34" charset="0"/>
+                <a:cs typeface="Segoe UI" panose="020B0502040204020203" pitchFamily="34" charset="0"/>
+              </a:rPr>
+              <a:t>Slide objectives: </a:t>
+            </a:r>
+            <a:r>
+              <a:rPr lang="en-US" sz="1200" dirty="0">
+                <a:latin typeface="Segoe UI" panose="020B0502040204020203" pitchFamily="34" charset="0"/>
+                <a:ea typeface="Segoe UI" panose="020B0502040204020203" pitchFamily="34" charset="0"/>
+                <a:cs typeface="Segoe UI" panose="020B0502040204020203" pitchFamily="34" charset="0"/>
+              </a:rPr>
+              <a:t>Provide an overview of privacy features of Microsoft</a:t>
+            </a:r>
+            <a:r>
+              <a:rPr lang="en-US" sz="1200" baseline="0" dirty="0">
+                <a:latin typeface="Segoe UI" panose="020B0502040204020203" pitchFamily="34" charset="0"/>
+                <a:ea typeface="Segoe UI" panose="020B0502040204020203" pitchFamily="34" charset="0"/>
+                <a:cs typeface="Segoe UI" panose="020B0502040204020203" pitchFamily="34" charset="0"/>
+              </a:rPr>
+              <a:t> </a:t>
+            </a:r>
+            <a:r>
+              <a:rPr lang="en-US" sz="1200" dirty="0">
+                <a:latin typeface="Segoe UI" panose="020B0502040204020203" pitchFamily="34" charset="0"/>
+                <a:ea typeface="Segoe UI" panose="020B0502040204020203" pitchFamily="34" charset="0"/>
+                <a:cs typeface="Segoe UI" panose="020B0502040204020203" pitchFamily="34" charset="0"/>
+              </a:rPr>
+              <a:t>Azure.</a:t>
+            </a:r>
+          </a:p>
+          <a:p>
+            <a:pPr defTabSz="966612">
+              <a:lnSpc>
+                <a:spcPct val="115000"/>
+              </a:lnSpc>
+              <a:spcAft>
+                <a:spcPts val="1057"/>
+              </a:spcAft>
+              <a:defRPr/>
+            </a:pPr>
+            <a:endParaRPr lang="en-US" sz="1200" b="1" dirty="0">
+              <a:latin typeface="Segoe UI" panose="020B0502040204020203" pitchFamily="34" charset="0"/>
+              <a:ea typeface="Segoe UI" panose="020B0502040204020203" pitchFamily="34" charset="0"/>
+              <a:cs typeface="Segoe UI" panose="020B0502040204020203" pitchFamily="34" charset="0"/>
+            </a:endParaRPr>
+          </a:p>
+          <a:p>
+            <a:pPr defTabSz="966612">
+              <a:lnSpc>
+                <a:spcPct val="115000"/>
+              </a:lnSpc>
+              <a:spcAft>
+                <a:spcPts val="1057"/>
+              </a:spcAft>
+              <a:defRPr/>
+            </a:pPr>
+            <a:r>
+              <a:rPr lang="en-US" sz="1200" b="1" dirty="0">
+                <a:latin typeface="Segoe UI" panose="020B0502040204020203" pitchFamily="34" charset="0"/>
+                <a:ea typeface="Segoe UI" panose="020B0502040204020203" pitchFamily="34" charset="0"/>
+                <a:cs typeface="Segoe UI" panose="020B0502040204020203" pitchFamily="34" charset="0"/>
+              </a:rPr>
+              <a:t>Slide script: </a:t>
+            </a:r>
+            <a:endParaRPr lang="en-US" dirty="0">
+              <a:effectLst/>
+              <a:latin typeface="Segoe UI" panose="020B0502040204020203" pitchFamily="34" charset="0"/>
+              <a:ea typeface="Segoe UI" panose="020B0502040204020203" pitchFamily="34" charset="0"/>
+              <a:cs typeface="Segoe UI" panose="020B0502040204020203" pitchFamily="34" charset="0"/>
+            </a:endParaRPr>
+          </a:p>
+          <a:p>
+            <a:pPr marL="285750" indent="-285750">
+              <a:buFont typeface="Arial" panose="020B0604020202020204" pitchFamily="34" charset="0"/>
+              <a:buChar char="•"/>
+            </a:pPr>
+            <a:r>
+              <a:rPr lang="en-US" sz="1200" b="1" dirty="0"/>
+              <a:t>ISO/IEC 27018 certification</a:t>
+            </a:r>
+            <a:r>
+              <a:rPr lang="en-US" sz="1200" dirty="0"/>
+              <a:t>. </a:t>
+            </a:r>
+            <a:r>
+              <a:rPr lang="en-US" sz="1100" kern="1200" dirty="0">
+                <a:solidFill>
+                  <a:schemeClr val="tx1"/>
+                </a:solidFill>
+                <a:effectLst/>
+                <a:latin typeface="Segoe UI" panose="020B0502040204020203" pitchFamily="34" charset="0"/>
+                <a:ea typeface="+mn-ea"/>
+                <a:cs typeface="+mn-cs"/>
+              </a:rPr>
+              <a:t>Microsoft Azure services have incorporated the controls that embody ISO/IEC 27018, including a prohibition on the use of customer data for advertising and marketing purposes without the customer’s express consent. Microsoft will not use customer data for purposes unrelated to providing the cloud service. </a:t>
+            </a:r>
+            <a:endParaRPr lang="en-US" sz="1200" dirty="0">
+              <a:latin typeface="Segoe UI" panose="020B0502040204020203" pitchFamily="34" charset="0"/>
+            </a:endParaRPr>
+          </a:p>
+          <a:p>
+            <a:pPr marL="285750" indent="-285750">
+              <a:buFont typeface="Arial" panose="020B0604020202020204" pitchFamily="34" charset="0"/>
+              <a:buChar char="•"/>
+            </a:pPr>
+            <a:r>
+              <a:rPr lang="en-US" sz="1200" b="1" dirty="0"/>
+              <a:t>Restricted data access and use.</a:t>
+            </a:r>
+            <a:r>
+              <a:rPr lang="en-US" sz="1200" dirty="0"/>
+              <a:t> Access to customer data by Microsoft personnel is restricted. Customer Data is only accessed when necessary to support the customer’s use of Windows Azure. This may include troubleshooting aimed at preventing, detecting or repairing problems affecting the operation of Windows Azure and the improvement of features that involve the detection of, and protection against, emerging and evolving threats to the user (such as malware or spam). When granted, access is carefully controlled and logged. Strong authentication, including the use of multi-factor authentication, helps limit access to authorized personnel only. Access is revoked as soon as it is no longer needed. Azure does NOT share Customer Data with its advertiser-supported services, nor is customer data mined for advertising.</a:t>
+            </a:r>
+          </a:p>
+          <a:p>
+            <a:pPr marL="285750" indent="-285750">
+              <a:buFont typeface="Arial" panose="020B0604020202020204" pitchFamily="34" charset="0"/>
+              <a:buChar char="•"/>
+            </a:pPr>
+            <a:r>
+              <a:rPr lang="en-US" sz="1100" b="1" kern="1200" dirty="0">
+                <a:solidFill>
+                  <a:schemeClr val="tx1"/>
+                </a:solidFill>
+                <a:effectLst/>
+                <a:latin typeface="Segoe UI" panose="020B0502040204020203" pitchFamily="34" charset="0"/>
+                <a:ea typeface="+mn-ea"/>
+                <a:cs typeface="+mn-cs"/>
+              </a:rPr>
+              <a:t>Notification of lawful requests for information. </a:t>
+            </a:r>
+            <a:r>
+              <a:rPr lang="en-US" sz="1100" kern="1200" dirty="0">
+                <a:solidFill>
+                  <a:schemeClr val="tx1"/>
+                </a:solidFill>
+                <a:effectLst/>
+                <a:latin typeface="Segoe UI" panose="020B0502040204020203" pitchFamily="34" charset="0"/>
+                <a:ea typeface="+mn-ea"/>
+                <a:cs typeface="+mn-cs"/>
+              </a:rPr>
+              <a:t>Microsoft does not disclose customer data to law enforcement unless required by law, and will notify customers when compelled to disclose. The Law Enforcement Request Report discloses details of requests every 6 months.</a:t>
+            </a:r>
+          </a:p>
+          <a:p>
+            <a:pPr marL="285750" indent="-285750">
+              <a:buFont typeface="Arial" panose="020B0604020202020204" pitchFamily="34" charset="0"/>
+              <a:buChar char="•"/>
+            </a:pPr>
+            <a:r>
+              <a:rPr lang="en-US" sz="1100" b="1" kern="1200" dirty="0">
+                <a:solidFill>
+                  <a:schemeClr val="tx1"/>
+                </a:solidFill>
+                <a:effectLst/>
+                <a:latin typeface="Segoe UI" panose="020B0502040204020203" pitchFamily="34" charset="0"/>
+                <a:ea typeface="+mn-ea"/>
+                <a:cs typeface="+mn-cs"/>
+              </a:rPr>
+              <a:t>Transparency and simplicity of data use policies. </a:t>
+            </a:r>
+            <a:r>
+              <a:rPr lang="en-US" sz="1100" kern="1200" dirty="0">
+                <a:solidFill>
+                  <a:schemeClr val="tx1"/>
+                </a:solidFill>
+                <a:effectLst/>
+                <a:latin typeface="Segoe UI" panose="020B0502040204020203" pitchFamily="34" charset="0"/>
+                <a:ea typeface="+mn-ea"/>
+                <a:cs typeface="+mn-cs"/>
+              </a:rPr>
+              <a:t>Microsoft keeps customers informed about the processes to protect data privacy and security, including practices and policies. Microsoft also provides the summaries of independent audits of services, which help customers pursue their own compliance.</a:t>
+            </a:r>
+          </a:p>
+          <a:p>
+            <a:pPr marL="0" marR="0" indent="0" algn="l" defTabSz="914400" rtl="0" eaLnBrk="1" fontAlgn="auto" latinLnBrk="0" hangingPunct="1">
+              <a:lnSpc>
+                <a:spcPct val="100000"/>
+              </a:lnSpc>
+              <a:spcBef>
+                <a:spcPts val="0"/>
+              </a:spcBef>
+              <a:spcAft>
+                <a:spcPts val="0"/>
+              </a:spcAft>
+              <a:buClrTx/>
+              <a:buSzTx/>
+              <a:buFontTx/>
+              <a:buNone/>
+              <a:tabLst/>
+              <a:defRPr/>
+            </a:pPr>
+            <a:endParaRPr lang="en-US" sz="1100" kern="1200" dirty="0">
+              <a:solidFill>
+                <a:schemeClr val="tx1"/>
+              </a:solidFill>
+              <a:effectLst/>
+              <a:latin typeface="Segoe UI" panose="020B0502040204020203" pitchFamily="34" charset="0"/>
+              <a:ea typeface="+mn-ea"/>
+              <a:cs typeface="+mn-cs"/>
+            </a:endParaRPr>
+          </a:p>
+          <a:p>
+            <a:r>
+              <a:rPr lang="en-US" sz="700" kern="1200" dirty="0">
+                <a:solidFill>
+                  <a:schemeClr val="tx1"/>
+                </a:solidFill>
+                <a:effectLst/>
+                <a:latin typeface="Segoe UI Light" pitchFamily="34" charset="0"/>
+                <a:ea typeface="+mn-ea"/>
+                <a:cs typeface="+mn-cs"/>
+              </a:rPr>
+              <a:t>We back our protections with strong contractual commitments to safeguard customer data by abiding by the EU Model Clauses (which governs the processing of personal information), and other international standards. Microsoft uses customer data stored in Azure only to improve service. Azure does not share data with its advertising-supported services or mine customer data for advertising. </a:t>
+            </a:r>
+          </a:p>
+          <a:p>
+            <a:pPr defTabSz="966612">
+              <a:lnSpc>
+                <a:spcPct val="115000"/>
+              </a:lnSpc>
+              <a:spcAft>
+                <a:spcPts val="1057"/>
+              </a:spcAft>
+              <a:defRPr/>
+            </a:pPr>
+            <a:endParaRPr lang="en-US" sz="1100" dirty="0">
+              <a:effectLst/>
+              <a:latin typeface="Segoe UI" panose="020B0502040204020203" pitchFamily="34" charset="0"/>
+              <a:ea typeface="Segoe UI" panose="020B0502040204020203" pitchFamily="34" charset="0"/>
+              <a:cs typeface="Segoe UI" panose="020B0502040204020203" pitchFamily="34" charset="0"/>
+            </a:endParaRPr>
+          </a:p>
+          <a:p>
+            <a:pPr marL="285750" indent="-285750">
+              <a:buFont typeface="Arial" panose="020B0604020202020204" pitchFamily="34" charset="0"/>
+              <a:buChar char="•"/>
+            </a:pPr>
+            <a:r>
+              <a:rPr lang="en-US" sz="1100" b="1" dirty="0"/>
+              <a:t>Contractual commitments.</a:t>
+            </a:r>
+            <a:r>
+              <a:rPr lang="en-US" sz="1100" dirty="0"/>
+              <a:t> Microsoft is unique among major cloud service providers in providing cloud-service-specific privacy statements and making strong contractual commitments to safeguard customer data and protect privacy. Microsoft makes the standard contractual clauses created by the European Union (known as the “EU Model Clauses”) available to enterprise customers to provide additional contractual guarantees concerning transfers of personal data. </a:t>
+            </a:r>
+          </a:p>
+          <a:p>
+            <a:pPr marL="285750" indent="-285750">
+              <a:buFont typeface="Arial" panose="020B0604020202020204" pitchFamily="34" charset="0"/>
+              <a:buChar char="•"/>
+            </a:pPr>
+            <a:endParaRPr lang="en-US" sz="1100" dirty="0"/>
+          </a:p>
+          <a:p>
+            <a:pPr marL="285750" indent="-285750">
+              <a:buFont typeface="Arial" panose="020B0604020202020204" pitchFamily="34" charset="0"/>
+              <a:buChar char="•"/>
+            </a:pPr>
+            <a:r>
+              <a:rPr lang="en-US" sz="1100" dirty="0"/>
+              <a:t>With regards to</a:t>
+            </a:r>
+            <a:r>
+              <a:rPr lang="en-US" sz="1100" baseline="0" dirty="0"/>
+              <a:t> recent changes in EU-US Safe Harbor agreements, refer to the EU Model Clause which is a contractual commitment with same safeguards, and the ongoing work in progress of cloud providers working with EU legislatives and US Government to provide compliance with affected parties. The link provides some further information.</a:t>
+            </a:r>
+            <a:endParaRPr lang="en-US" sz="1100" dirty="0"/>
+          </a:p>
+          <a:p>
+            <a:pPr marL="0" indent="0">
+              <a:buFont typeface="Arial" panose="020B0604020202020204" pitchFamily="34" charset="0"/>
+              <a:buNone/>
+            </a:pPr>
+            <a:endParaRPr lang="en-US" sz="1100" dirty="0"/>
           </a:p>
         </p:txBody>
       </p:sp>
@@ -4418,7 +4403,7 @@
     </p:spTree>
     <p:extLst>
       <p:ext uri="{BB962C8B-B14F-4D97-AF65-F5344CB8AC3E}">
-        <p14:creationId xmlns:p14="http://schemas.microsoft.com/office/powerpoint/2010/main" val="3447175514"/>
+        <p14:creationId xmlns:p14="http://schemas.microsoft.com/office/powerpoint/2010/main" val="4271872049"/>
       </p:ext>
     </p:extLst>
   </p:cSld>
@@ -4894,7 +4879,7 @@
           <a:p>
             <a:fld id="{38EEC551-8CDA-4EB6-89BB-2A86C9F091C8}" type="datetime8">
               <a:rPr lang="en-US" smtClean="0"/>
-              <a:t>6/17/2016 9:36 AM</a:t>
+              <a:t>06/28/2016 23:06</a:t>
             </a:fld>
             <a:endParaRPr lang="en-US" dirty="0"/>
           </a:p>
@@ -4990,83 +4975,421 @@
               </a:spcAft>
             </a:pPr>
             <a:r>
-              <a:rPr lang="en-US" sz="1200" b="0" dirty="0">
+              <a:rPr lang="en-US" sz="2400" b="1" dirty="0">
                 <a:latin typeface="Segoe UI" panose="020B0502040204020203" pitchFamily="34" charset="0"/>
                 <a:ea typeface="Segoe UI" panose="020B0502040204020203" pitchFamily="34" charset="0"/>
                 <a:cs typeface="Segoe UI" panose="020B0502040204020203" pitchFamily="34" charset="0"/>
               </a:rPr>
-              <a:t>Slide title: Compliance</a:t>
-            </a:r>
-          </a:p>
-          <a:p>
-            <a:pPr>
+              <a:t>Slide title: </a:t>
+            </a:r>
+            <a:r>
+              <a:rPr lang="en-US" sz="2400" b="0" dirty="0">
+                <a:latin typeface="Segoe UI" panose="020B0502040204020203" pitchFamily="34" charset="0"/>
+                <a:ea typeface="Segoe UI" panose="020B0502040204020203" pitchFamily="34" charset="0"/>
+                <a:cs typeface="Segoe UI" panose="020B0502040204020203" pitchFamily="34" charset="0"/>
+              </a:rPr>
+              <a:t>Azure</a:t>
+            </a:r>
+            <a:r>
+              <a:rPr lang="en-US" sz="2400" b="1" dirty="0">
+                <a:latin typeface="Segoe UI" panose="020B0502040204020203" pitchFamily="34" charset="0"/>
+                <a:ea typeface="Segoe UI" panose="020B0502040204020203" pitchFamily="34" charset="0"/>
+                <a:cs typeface="Segoe UI" panose="020B0502040204020203" pitchFamily="34" charset="0"/>
+              </a:rPr>
+              <a:t> </a:t>
+            </a:r>
+            <a:r>
+              <a:rPr lang="en-US" sz="2400" dirty="0">
+                <a:latin typeface="Segoe UI" panose="020B0502040204020203" pitchFamily="34" charset="0"/>
+                <a:ea typeface="Segoe UI" panose="020B0502040204020203" pitchFamily="34" charset="0"/>
+                <a:cs typeface="Segoe UI" panose="020B0502040204020203" pitchFamily="34" charset="0"/>
+              </a:rPr>
+              <a:t>Transparency</a:t>
+            </a:r>
+          </a:p>
+          <a:p>
+            <a:pPr defTabSz="966612">
               <a:lnSpc>
                 <a:spcPct val="115000"/>
               </a:lnSpc>
               <a:spcAft>
                 <a:spcPts val="1057"/>
               </a:spcAft>
+              <a:defRPr/>
             </a:pPr>
             <a:r>
-              <a:rPr lang="en-US" sz="1200" b="0" dirty="0">
+              <a:rPr lang="en-US" sz="2400" b="1" dirty="0">
                 <a:latin typeface="Segoe UI" panose="020B0502040204020203" pitchFamily="34" charset="0"/>
                 <a:ea typeface="Segoe UI" panose="020B0502040204020203" pitchFamily="34" charset="0"/>
                 <a:cs typeface="Segoe UI" panose="020B0502040204020203" pitchFamily="34" charset="0"/>
               </a:rPr>
-              <a:t>Slide objectives: Introduce the following section on compliance.</a:t>
-            </a:r>
-          </a:p>
-          <a:p>
-            <a:pPr>
+              <a:t>Slide objectives: </a:t>
+            </a:r>
+            <a:r>
+              <a:rPr lang="en-US" sz="2400" dirty="0">
+                <a:latin typeface="Segoe UI" panose="020B0502040204020203" pitchFamily="34" charset="0"/>
+                <a:ea typeface="Segoe UI" panose="020B0502040204020203" pitchFamily="34" charset="0"/>
+                <a:cs typeface="Segoe UI" panose="020B0502040204020203" pitchFamily="34" charset="0"/>
+              </a:rPr>
+              <a:t>Introduce the following section on compliance.</a:t>
+            </a:r>
+          </a:p>
+          <a:p>
+            <a:pPr marL="0" marR="0" indent="0" algn="l" defTabSz="966612" rtl="0" eaLnBrk="1" fontAlgn="auto" latinLnBrk="0" hangingPunct="1">
+              <a:lnSpc>
+                <a:spcPct val="115000"/>
+              </a:lnSpc>
+              <a:spcBef>
+                <a:spcPts val="0"/>
+              </a:spcBef>
+              <a:spcAft>
+                <a:spcPts val="1057"/>
+              </a:spcAft>
+              <a:buClrTx/>
+              <a:buSzTx/>
+              <a:buFontTx/>
+              <a:buNone/>
+              <a:tabLst/>
+              <a:defRPr/>
+            </a:pPr>
+            <a:r>
+              <a:rPr lang="en-US" sz="2400" dirty="0">
+                <a:gradFill>
+                  <a:gsLst>
+                    <a:gs pos="2917">
+                      <a:schemeClr val="tx1"/>
+                    </a:gs>
+                    <a:gs pos="30000">
+                      <a:schemeClr val="tx1"/>
+                    </a:gs>
+                  </a:gsLst>
+                  <a:lin ang="5400000" scaled="0"/>
+                </a:gradFill>
+              </a:rPr>
+              <a:t>Azure helps enable customer control over Customer Data by providing transparency into where it is stored, who can access it, and how Microsoft helps secure it, with accessible tools and straightforward language</a:t>
+            </a:r>
+          </a:p>
+          <a:p>
+            <a:pPr defTabSz="966612">
               <a:lnSpc>
                 <a:spcPct val="115000"/>
               </a:lnSpc>
               <a:spcAft>
                 <a:spcPts val="1057"/>
               </a:spcAft>
+              <a:defRPr/>
             </a:pPr>
-            <a:endParaRPr lang="en-US" sz="1200" b="0" dirty="0">
+            <a:endParaRPr lang="en-US" sz="2400" b="1" dirty="0">
               <a:latin typeface="Segoe UI" panose="020B0502040204020203" pitchFamily="34" charset="0"/>
               <a:ea typeface="Segoe UI" panose="020B0502040204020203" pitchFamily="34" charset="0"/>
               <a:cs typeface="Segoe UI" panose="020B0502040204020203" pitchFamily="34" charset="0"/>
             </a:endParaRPr>
           </a:p>
           <a:p>
-            <a:pPr>
+            <a:pPr marL="0" marR="0" indent="0" algn="l" defTabSz="966612" rtl="0" eaLnBrk="1" fontAlgn="auto" latinLnBrk="0" hangingPunct="1">
+              <a:lnSpc>
+                <a:spcPct val="115000"/>
+              </a:lnSpc>
+              <a:spcBef>
+                <a:spcPts val="0"/>
+              </a:spcBef>
+              <a:spcAft>
+                <a:spcPts val="1057"/>
+              </a:spcAft>
+              <a:buClrTx/>
+              <a:buSzTx/>
+              <a:buFontTx/>
+              <a:buNone/>
+              <a:tabLst/>
+              <a:defRPr/>
+            </a:pPr>
+            <a:r>
+              <a:rPr lang="en-US" sz="1200" b="1" dirty="0">
+                <a:latin typeface="Segoe UI" panose="020B0502040204020203" pitchFamily="34" charset="0"/>
+              </a:rPr>
+              <a:t>Slide script:</a:t>
+            </a:r>
+          </a:p>
+          <a:p>
+            <a:pPr marL="0" marR="0" indent="0" algn="l" defTabSz="966612" rtl="0" eaLnBrk="1" fontAlgn="auto" latinLnBrk="0" hangingPunct="1">
+              <a:lnSpc>
+                <a:spcPct val="115000"/>
+              </a:lnSpc>
+              <a:spcBef>
+                <a:spcPts val="0"/>
+              </a:spcBef>
+              <a:spcAft>
+                <a:spcPts val="1057"/>
+              </a:spcAft>
+              <a:buClrTx/>
+              <a:buSzTx/>
+              <a:buFontTx/>
+              <a:buNone/>
+              <a:tabLst/>
+              <a:defRPr/>
+            </a:pPr>
+            <a:r>
+              <a:rPr lang="en-US" sz="1200" kern="1200" dirty="0">
+                <a:solidFill>
+                  <a:schemeClr val="tx1"/>
+                </a:solidFill>
+                <a:effectLst/>
+                <a:latin typeface="Segoe UI Light" pitchFamily="34" charset="0"/>
+                <a:ea typeface="+mn-ea"/>
+                <a:cs typeface="+mn-cs"/>
+              </a:rPr>
+              <a:t>Microsoft Azure is built on the premise that for customers to control their own Customer Data in the cloud, they require visibility into that data. They must know where it is stored. They must also know, through clearly stated and readily available policies and procedures, how we help secure Customer Data, who can access it, and under what circumstances. And don’t take our word for it: Customers can review the third-party audits and certifications that confirm that we meet the standards we set.</a:t>
+            </a:r>
+            <a:endParaRPr lang="en-US" sz="2400" b="1" kern="1200" dirty="0">
+              <a:solidFill>
+                <a:schemeClr val="tx1"/>
+              </a:solidFill>
+              <a:effectLst/>
+              <a:latin typeface="Segoe UI" panose="020B0502040204020203" pitchFamily="34" charset="0"/>
+              <a:ea typeface="+mn-ea"/>
+              <a:cs typeface="Times New Roman" panose="02020603050405020304" pitchFamily="18" charset="0"/>
+            </a:endParaRPr>
+          </a:p>
+          <a:p>
+            <a:pPr marL="0" marR="0" indent="0" algn="l" defTabSz="966612" rtl="0" eaLnBrk="1" fontAlgn="auto" latinLnBrk="0" hangingPunct="1">
+              <a:lnSpc>
+                <a:spcPct val="115000"/>
+              </a:lnSpc>
+              <a:spcBef>
+                <a:spcPts val="0"/>
+              </a:spcBef>
+              <a:spcAft>
+                <a:spcPts val="1057"/>
+              </a:spcAft>
+              <a:buClrTx/>
+              <a:buSzTx/>
+              <a:buFontTx/>
+              <a:buNone/>
+              <a:tabLst/>
+              <a:defRPr/>
+            </a:pPr>
+            <a:endParaRPr lang="en-US" sz="1200" kern="1200" dirty="0">
+              <a:solidFill>
+                <a:schemeClr val="tx1"/>
+              </a:solidFill>
+              <a:effectLst/>
+              <a:latin typeface="Segoe UI Light" pitchFamily="34" charset="0"/>
+              <a:ea typeface="+mn-ea"/>
+              <a:cs typeface="+mn-cs"/>
+            </a:endParaRPr>
+          </a:p>
+          <a:p>
+            <a:pPr defTabSz="966612">
               <a:lnSpc>
                 <a:spcPct val="115000"/>
               </a:lnSpc>
               <a:spcAft>
                 <a:spcPts val="1057"/>
               </a:spcAft>
+              <a:defRPr/>
             </a:pPr>
             <a:r>
-              <a:rPr lang="en-US" sz="1200" b="0" dirty="0">
-                <a:latin typeface="Segoe UI" panose="020B0502040204020203" pitchFamily="34" charset="0"/>
-                <a:ea typeface="Segoe UI" panose="020B0502040204020203" pitchFamily="34" charset="0"/>
-                <a:cs typeface="Segoe UI" panose="020B0502040204020203" pitchFamily="34" charset="0"/>
+              <a:rPr lang="en-US" sz="1200" kern="1200" dirty="0">
+                <a:solidFill>
+                  <a:schemeClr val="tx1"/>
+                </a:solidFill>
+                <a:effectLst/>
+                <a:latin typeface="Segoe UI Light" pitchFamily="34" charset="0"/>
+                <a:ea typeface="+mn-ea"/>
+                <a:cs typeface="+mn-cs"/>
               </a:rPr>
-              <a:t>By providing customers with compliant, independently verified cloud services, Microsoft makes it easier for customers to achieve compliance for the infrastructure and applications they run in Azure. Microsoft provides Azure customers with detailed information about our security and compliance programs, including audit reports and compliance packages, to help customers assess our services against their own legal and regulatory requirements.</a:t>
-            </a:r>
-          </a:p>
-          <a:p>
-            <a:pPr>
+              <a:t>Microsoft seeks to give Azure customers control over where their customer data is stored in an ever-expanding network of datacenters around the globe, balanced with the need to store backups at multiple locations in case of a disaster. </a:t>
+            </a:r>
+          </a:p>
+          <a:p>
+            <a:pPr defTabSz="966612">
               <a:lnSpc>
                 <a:spcPct val="115000"/>
               </a:lnSpc>
               <a:spcAft>
                 <a:spcPts val="1057"/>
               </a:spcAft>
+              <a:defRPr/>
             </a:pPr>
-            <a:r>
-              <a:rPr lang="en-US" sz="1200" b="0" dirty="0">
-                <a:latin typeface="Segoe UI" panose="020B0502040204020203" pitchFamily="34" charset="0"/>
-                <a:ea typeface="Segoe UI" panose="020B0502040204020203" pitchFamily="34" charset="0"/>
-                <a:cs typeface="Segoe UI" panose="020B0502040204020203" pitchFamily="34" charset="0"/>
+            <a:endParaRPr lang="en-US" sz="1200" b="1" kern="1200" dirty="0">
+              <a:solidFill>
+                <a:schemeClr val="tx1"/>
+              </a:solidFill>
+              <a:effectLst/>
+              <a:latin typeface="Segoe UI Light" pitchFamily="34" charset="0"/>
+              <a:ea typeface="+mn-ea"/>
+              <a:cs typeface="+mn-cs"/>
+            </a:endParaRPr>
+          </a:p>
+          <a:p>
+            <a:pPr defTabSz="966612">
+              <a:lnSpc>
+                <a:spcPct val="115000"/>
+              </a:lnSpc>
+              <a:spcAft>
+                <a:spcPts val="1057"/>
+              </a:spcAft>
+              <a:defRPr/>
+            </a:pPr>
+            <a:r>
+              <a:rPr lang="en-US" sz="1200" kern="1200" dirty="0">
+                <a:solidFill>
+                  <a:schemeClr val="tx1"/>
+                </a:solidFill>
+                <a:effectLst/>
+                <a:latin typeface="Segoe UI Light" pitchFamily="34" charset="0"/>
+                <a:ea typeface="+mn-ea"/>
+                <a:cs typeface="+mn-cs"/>
               </a:rPr>
-              <a:t>In addition, Microsoft has developed an extensible compliance framework that enables it to design and build services using a single set of controls to speed up and simplify compliance across a diverse set of regulations and rapidly adapt to changes in the regulatory landscape.</a:t>
-            </a:r>
-            <a:endParaRPr lang="en-US" b="0" dirty="0"/>
+              <a:t>Microsoft does not use Azure customer data for advertising—we do not share it with our advertiser-supported services or mine it for marketing. This policy is backed by our enterprise cloud service agreements and reaffirmed by Microsoft’s adoption of the first international code of practice for cloud privacy, ISO/IEC 27018.</a:t>
+            </a:r>
+          </a:p>
+          <a:p>
+            <a:pPr defTabSz="966612">
+              <a:lnSpc>
+                <a:spcPct val="115000"/>
+              </a:lnSpc>
+              <a:spcAft>
+                <a:spcPts val="1057"/>
+              </a:spcAft>
+              <a:defRPr/>
+            </a:pPr>
+            <a:endParaRPr lang="en-US" sz="1200" b="1" kern="1200" dirty="0">
+              <a:solidFill>
+                <a:schemeClr val="tx1"/>
+              </a:solidFill>
+              <a:effectLst/>
+              <a:latin typeface="Segoe UI Light" pitchFamily="34" charset="0"/>
+              <a:ea typeface="+mn-ea"/>
+              <a:cs typeface="+mn-cs"/>
+            </a:endParaRPr>
+          </a:p>
+          <a:p>
+            <a:pPr defTabSz="966612">
+              <a:lnSpc>
+                <a:spcPct val="115000"/>
+              </a:lnSpc>
+              <a:spcAft>
+                <a:spcPts val="1057"/>
+              </a:spcAft>
+              <a:defRPr/>
+            </a:pPr>
+            <a:r>
+              <a:rPr lang="en-US" sz="1200" kern="1200" dirty="0">
+                <a:solidFill>
+                  <a:schemeClr val="tx1"/>
+                </a:solidFill>
+                <a:effectLst/>
+                <a:latin typeface="Segoe UI Light" pitchFamily="34" charset="0"/>
+                <a:ea typeface="+mn-ea"/>
+                <a:cs typeface="+mn-cs"/>
+              </a:rPr>
+              <a:t>We will use customer data only for purposes compatible with providing you the services. In addition to day-to-day operations, Microsoft customer support and operations personnel may access customer data to provide customer support, troubleshoot the service, improve features (such as protection against malware), or comply with legal requirements.</a:t>
+            </a:r>
+          </a:p>
+          <a:p>
+            <a:pPr defTabSz="966612">
+              <a:lnSpc>
+                <a:spcPct val="115000"/>
+              </a:lnSpc>
+              <a:spcAft>
+                <a:spcPts val="1057"/>
+              </a:spcAft>
+              <a:defRPr/>
+            </a:pPr>
+            <a:endParaRPr lang="en-US" sz="1200" b="1" kern="1200" dirty="0">
+              <a:solidFill>
+                <a:schemeClr val="tx1"/>
+              </a:solidFill>
+              <a:effectLst/>
+              <a:latin typeface="Segoe UI Light" pitchFamily="34" charset="0"/>
+              <a:ea typeface="+mn-ea"/>
+              <a:cs typeface="+mn-cs"/>
+            </a:endParaRPr>
+          </a:p>
+          <a:p>
+            <a:pPr defTabSz="966612">
+              <a:lnSpc>
+                <a:spcPct val="115000"/>
+              </a:lnSpc>
+              <a:spcAft>
+                <a:spcPts val="1057"/>
+              </a:spcAft>
+              <a:defRPr/>
+            </a:pPr>
+            <a:r>
+              <a:rPr lang="en-US" sz="1200" kern="1200" dirty="0">
+                <a:solidFill>
+                  <a:schemeClr val="tx1"/>
+                </a:solidFill>
+                <a:effectLst/>
+                <a:latin typeface="Segoe UI Light" pitchFamily="34" charset="0"/>
+                <a:ea typeface="+mn-ea"/>
+                <a:cs typeface="+mn-cs"/>
+              </a:rPr>
+              <a:t>Customers may delete Customer Data or leave the service at any time.</a:t>
+            </a:r>
+            <a:r>
+              <a:rPr lang="en-US" sz="1200" b="1" kern="1200" dirty="0">
+                <a:solidFill>
+                  <a:schemeClr val="tx1"/>
+                </a:solidFill>
+                <a:effectLst/>
+                <a:latin typeface="Segoe UI Light" pitchFamily="34" charset="0"/>
+                <a:ea typeface="+mn-ea"/>
+                <a:cs typeface="+mn-cs"/>
+              </a:rPr>
+              <a:t> </a:t>
+            </a:r>
+            <a:r>
+              <a:rPr lang="en-US" sz="1200" kern="1200" dirty="0">
+                <a:solidFill>
+                  <a:schemeClr val="tx1"/>
+                </a:solidFill>
+                <a:effectLst/>
+                <a:latin typeface="Segoe UI Light" pitchFamily="34" charset="0"/>
+                <a:ea typeface="+mn-ea"/>
+                <a:cs typeface="+mn-cs"/>
+              </a:rPr>
+              <a:t>In either case, Microsoft follows stringent standards in removing Customer Data from all systems under its control.</a:t>
+            </a:r>
+            <a:endParaRPr lang="en-US" sz="1200" b="1" kern="1200" dirty="0">
+              <a:solidFill>
+                <a:schemeClr val="tx1"/>
+              </a:solidFill>
+              <a:effectLst/>
+              <a:latin typeface="Segoe UI Light" pitchFamily="34" charset="0"/>
+              <a:ea typeface="+mn-ea"/>
+              <a:cs typeface="+mn-cs"/>
+            </a:endParaRPr>
+          </a:p>
+          <a:p>
+            <a:pPr marL="0" marR="0" indent="0" algn="l" defTabSz="966612" rtl="0" eaLnBrk="1" fontAlgn="auto" latinLnBrk="0" hangingPunct="1">
+              <a:lnSpc>
+                <a:spcPct val="115000"/>
+              </a:lnSpc>
+              <a:spcBef>
+                <a:spcPts val="0"/>
+              </a:spcBef>
+              <a:spcAft>
+                <a:spcPts val="1057"/>
+              </a:spcAft>
+              <a:buClrTx/>
+              <a:buSzTx/>
+              <a:buFontTx/>
+              <a:buNone/>
+              <a:tabLst/>
+              <a:defRPr/>
+            </a:pPr>
+            <a:endParaRPr lang="en-US" sz="1200" kern="1200" dirty="0">
+              <a:solidFill>
+                <a:schemeClr val="tx1"/>
+              </a:solidFill>
+              <a:effectLst/>
+              <a:latin typeface="Segoe UI Light" pitchFamily="34" charset="0"/>
+              <a:ea typeface="+mn-ea"/>
+              <a:cs typeface="+mn-cs"/>
+            </a:endParaRPr>
           </a:p>
         </p:txBody>
       </p:sp>
@@ -5096,7 +5419,7 @@
     </p:spTree>
     <p:extLst>
       <p:ext uri="{BB962C8B-B14F-4D97-AF65-F5344CB8AC3E}">
-        <p14:creationId xmlns:p14="http://schemas.microsoft.com/office/powerpoint/2010/main" val="3153913143"/>
+        <p14:creationId xmlns:p14="http://schemas.microsoft.com/office/powerpoint/2010/main" val="2809106145"/>
       </p:ext>
     </p:extLst>
   </p:cSld>
@@ -5150,228 +5473,15 @@
           <a:bodyPr/>
           <a:lstStyle/>
           <a:p>
-            <a:pPr>
+            <a:pPr marL="0" marR="0" indent="0" algn="l" defTabSz="932742" rtl="0" eaLnBrk="1" fontAlgn="auto" latinLnBrk="0" hangingPunct="1">
               <a:lnSpc>
-                <a:spcPct val="115000"/>
-              </a:lnSpc>
-              <a:spcAft>
-                <a:spcPts val="1057"/>
-              </a:spcAft>
-            </a:pPr>
-            <a:r>
-              <a:rPr lang="en-US" sz="1200" b="1" dirty="0">
-                <a:latin typeface="Segoe UI" panose="020B0502040204020203" pitchFamily="34" charset="0"/>
-                <a:ea typeface="Segoe UI" panose="020B0502040204020203" pitchFamily="34" charset="0"/>
-                <a:cs typeface="Segoe UI" panose="020B0502040204020203" pitchFamily="34" charset="0"/>
-              </a:rPr>
-              <a:t>Slide title: </a:t>
-            </a:r>
-            <a:r>
-              <a:rPr lang="en-US" sz="1200" dirty="0">
-                <a:latin typeface="Segoe UI" panose="020B0502040204020203" pitchFamily="34" charset="0"/>
-                <a:ea typeface="Segoe UI" panose="020B0502040204020203" pitchFamily="34" charset="0"/>
-                <a:cs typeface="Segoe UI" panose="020B0502040204020203" pitchFamily="34" charset="0"/>
-              </a:rPr>
-              <a:t>Privacy</a:t>
-            </a:r>
-          </a:p>
-          <a:p>
-            <a:pPr defTabSz="966612">
-              <a:lnSpc>
-                <a:spcPct val="115000"/>
-              </a:lnSpc>
-              <a:spcAft>
-                <a:spcPts val="1057"/>
-              </a:spcAft>
-              <a:defRPr/>
-            </a:pPr>
-            <a:r>
-              <a:rPr lang="en-US" sz="1200" b="1" dirty="0">
-                <a:latin typeface="Segoe UI" panose="020B0502040204020203" pitchFamily="34" charset="0"/>
-                <a:ea typeface="Segoe UI" panose="020B0502040204020203" pitchFamily="34" charset="0"/>
-                <a:cs typeface="Segoe UI" panose="020B0502040204020203" pitchFamily="34" charset="0"/>
-              </a:rPr>
-              <a:t>Slide objectives: </a:t>
-            </a:r>
-            <a:r>
-              <a:rPr lang="en-US" sz="1200" dirty="0">
-                <a:latin typeface="Segoe UI" panose="020B0502040204020203" pitchFamily="34" charset="0"/>
-                <a:ea typeface="Segoe UI" panose="020B0502040204020203" pitchFamily="34" charset="0"/>
-                <a:cs typeface="Segoe UI" panose="020B0502040204020203" pitchFamily="34" charset="0"/>
-              </a:rPr>
-              <a:t>Provide an overview of privacy features of Microsoft</a:t>
-            </a:r>
-            <a:r>
-              <a:rPr lang="en-US" sz="1200" baseline="0" dirty="0">
-                <a:latin typeface="Segoe UI" panose="020B0502040204020203" pitchFamily="34" charset="0"/>
-                <a:ea typeface="Segoe UI" panose="020B0502040204020203" pitchFamily="34" charset="0"/>
-                <a:cs typeface="Segoe UI" panose="020B0502040204020203" pitchFamily="34" charset="0"/>
-              </a:rPr>
-              <a:t> </a:t>
-            </a:r>
-            <a:r>
-              <a:rPr lang="en-US" sz="1200" dirty="0">
-                <a:latin typeface="Segoe UI" panose="020B0502040204020203" pitchFamily="34" charset="0"/>
-                <a:ea typeface="Segoe UI" panose="020B0502040204020203" pitchFamily="34" charset="0"/>
-                <a:cs typeface="Segoe UI" panose="020B0502040204020203" pitchFamily="34" charset="0"/>
-              </a:rPr>
-              <a:t>Azure.</a:t>
-            </a:r>
-          </a:p>
-          <a:p>
-            <a:pPr defTabSz="966612">
-              <a:lnSpc>
-                <a:spcPct val="115000"/>
-              </a:lnSpc>
-              <a:spcAft>
-                <a:spcPts val="1057"/>
-              </a:spcAft>
-              <a:defRPr/>
-            </a:pPr>
-            <a:endParaRPr lang="en-US" sz="1200" b="1" dirty="0">
-              <a:latin typeface="Segoe UI" panose="020B0502040204020203" pitchFamily="34" charset="0"/>
-              <a:ea typeface="Segoe UI" panose="020B0502040204020203" pitchFamily="34" charset="0"/>
-              <a:cs typeface="Segoe UI" panose="020B0502040204020203" pitchFamily="34" charset="0"/>
-            </a:endParaRPr>
-          </a:p>
-          <a:p>
-            <a:pPr defTabSz="966612">
-              <a:lnSpc>
-                <a:spcPct val="115000"/>
-              </a:lnSpc>
-              <a:spcAft>
-                <a:spcPts val="1057"/>
-              </a:spcAft>
-              <a:defRPr/>
-            </a:pPr>
-            <a:r>
-              <a:rPr lang="en-US" sz="1200" b="1" dirty="0">
-                <a:latin typeface="Segoe UI" panose="020B0502040204020203" pitchFamily="34" charset="0"/>
-                <a:ea typeface="Segoe UI" panose="020B0502040204020203" pitchFamily="34" charset="0"/>
-                <a:cs typeface="Segoe UI" panose="020B0502040204020203" pitchFamily="34" charset="0"/>
-              </a:rPr>
-              <a:t>Slide script: </a:t>
-            </a:r>
-            <a:endParaRPr lang="en-US" dirty="0">
-              <a:effectLst/>
-              <a:latin typeface="Segoe UI" panose="020B0502040204020203" pitchFamily="34" charset="0"/>
-              <a:ea typeface="Segoe UI" panose="020B0502040204020203" pitchFamily="34" charset="0"/>
-              <a:cs typeface="Segoe UI" panose="020B0502040204020203" pitchFamily="34" charset="0"/>
-            </a:endParaRPr>
-          </a:p>
-          <a:p>
-            <a:pPr marL="285750" indent="-285750">
-              <a:buFont typeface="Arial" panose="020B0604020202020204" pitchFamily="34" charset="0"/>
-              <a:buChar char="•"/>
-            </a:pPr>
-            <a:r>
-              <a:rPr lang="en-US" sz="1200" b="1" dirty="0"/>
-              <a:t>ISO/IEC 27018 certification</a:t>
-            </a:r>
-            <a:r>
-              <a:rPr lang="en-US" sz="1200" dirty="0"/>
-              <a:t>. </a:t>
-            </a:r>
-            <a:r>
-              <a:rPr lang="en-US" sz="1100" kern="1200" dirty="0">
-                <a:solidFill>
-                  <a:schemeClr val="tx1"/>
-                </a:solidFill>
-                <a:effectLst/>
-                <a:latin typeface="Segoe UI" panose="020B0502040204020203" pitchFamily="34" charset="0"/>
-                <a:ea typeface="+mn-ea"/>
-                <a:cs typeface="+mn-cs"/>
-              </a:rPr>
-              <a:t>Microsoft Azure services have incorporated the controls that embody ISO/IEC 27018, including a prohibition on the use of customer data for advertising and marketing purposes without the customer’s express consent. Microsoft will not use customer data for purposes unrelated to providing the cloud service. </a:t>
-            </a:r>
-            <a:endParaRPr lang="en-US" sz="1200" dirty="0">
-              <a:latin typeface="Segoe UI" panose="020B0502040204020203" pitchFamily="34" charset="0"/>
-            </a:endParaRPr>
-          </a:p>
-          <a:p>
-            <a:pPr marL="285750" indent="-285750">
-              <a:buFont typeface="Arial" panose="020B0604020202020204" pitchFamily="34" charset="0"/>
-              <a:buChar char="•"/>
-            </a:pPr>
-            <a:r>
-              <a:rPr lang="en-US" sz="1200" b="1" dirty="0"/>
-              <a:t>Restricted data access and use.</a:t>
-            </a:r>
-            <a:r>
-              <a:rPr lang="en-US" sz="1200" dirty="0"/>
-              <a:t> Access to customer data by Microsoft personnel is restricted. Customer Data is only accessed when necessary to support the customer’s use of Windows Azure. This may include troubleshooting aimed at preventing, detecting or repairing problems affecting the operation of Windows Azure and the improvement of features that involve the detection of, and protection against, emerging and evolving threats to the user (such as malware or spam). When granted, access is carefully controlled and logged. Strong authentication, including the use of multi-factor authentication, helps limit access to authorized personnel only. Access is revoked as soon as it is no longer needed. Azure does NOT share Customer Data with its advertiser-supported services, nor is customer data mined for advertising.</a:t>
-            </a:r>
-          </a:p>
-          <a:p>
-            <a:pPr marL="285750" indent="-285750">
-              <a:buFont typeface="Arial" panose="020B0604020202020204" pitchFamily="34" charset="0"/>
-              <a:buChar char="•"/>
-            </a:pPr>
-            <a:r>
-              <a:rPr lang="en-US" sz="1100" b="1" kern="1200" dirty="0">
-                <a:solidFill>
-                  <a:schemeClr val="tx1"/>
-                </a:solidFill>
-                <a:effectLst/>
-                <a:latin typeface="Segoe UI" panose="020B0502040204020203" pitchFamily="34" charset="0"/>
-                <a:ea typeface="+mn-ea"/>
-                <a:cs typeface="+mn-cs"/>
-              </a:rPr>
-              <a:t>Notification of lawful requests for information. </a:t>
-            </a:r>
-            <a:r>
-              <a:rPr lang="en-US" sz="1100" kern="1200" dirty="0">
-                <a:solidFill>
-                  <a:schemeClr val="tx1"/>
-                </a:solidFill>
-                <a:effectLst/>
-                <a:latin typeface="Segoe UI" panose="020B0502040204020203" pitchFamily="34" charset="0"/>
-                <a:ea typeface="+mn-ea"/>
-                <a:cs typeface="+mn-cs"/>
-              </a:rPr>
-              <a:t>Microsoft does not disclose customer data to law enforcement unless required by law, and will notify customers when compelled to disclose. The Law Enforcement Request Report discloses details of requests every 6 months.</a:t>
-            </a:r>
-          </a:p>
-          <a:p>
-            <a:pPr marL="285750" indent="-285750">
-              <a:buFont typeface="Arial" panose="020B0604020202020204" pitchFamily="34" charset="0"/>
-              <a:buChar char="•"/>
-            </a:pPr>
-            <a:r>
-              <a:rPr lang="en-US" sz="1100" b="1" kern="1200" dirty="0">
-                <a:solidFill>
-                  <a:schemeClr val="tx1"/>
-                </a:solidFill>
-                <a:effectLst/>
-                <a:latin typeface="Segoe UI" panose="020B0502040204020203" pitchFamily="34" charset="0"/>
-                <a:ea typeface="+mn-ea"/>
-                <a:cs typeface="+mn-cs"/>
-              </a:rPr>
-              <a:t>Transparency and simplicity of data use policies. </a:t>
-            </a:r>
-            <a:r>
-              <a:rPr lang="en-US" sz="1100" kern="1200" dirty="0">
-                <a:solidFill>
-                  <a:schemeClr val="tx1"/>
-                </a:solidFill>
-                <a:effectLst/>
-                <a:latin typeface="Segoe UI" panose="020B0502040204020203" pitchFamily="34" charset="0"/>
-                <a:ea typeface="+mn-ea"/>
-                <a:cs typeface="+mn-cs"/>
-              </a:rPr>
-              <a:t>Microsoft keeps customers informed about the processes to protect data privacy and security, including practices and policies. Microsoft also provides the summaries of independent audits of services, which help customers pursue their own compliance.</a:t>
-            </a:r>
-          </a:p>
-          <a:p>
-            <a:pPr marL="0" marR="0" indent="0" algn="l" defTabSz="914400" rtl="0" eaLnBrk="1" fontAlgn="auto" latinLnBrk="0" hangingPunct="1">
-              <a:lnSpc>
-                <a:spcPct val="100000"/>
+                <a:spcPct val="90000"/>
               </a:lnSpc>
               <a:spcBef>
                 <a:spcPts val="0"/>
               </a:spcBef>
               <a:spcAft>
-                <a:spcPts val="0"/>
+                <a:spcPts val="340"/>
               </a:spcAft>
               <a:buClrTx/>
               <a:buSzTx/>
@@ -5380,100 +5490,26 @@
               <a:tabLst/>
               <a:defRPr/>
             </a:pPr>
-            <a:endParaRPr lang="en-US" sz="1100" kern="1200" dirty="0">
+            <a:endParaRPr lang="en-US" sz="1200" b="1" kern="1200" dirty="0">
               <a:solidFill>
                 <a:schemeClr val="tx1"/>
               </a:solidFill>
               <a:effectLst/>
-              <a:latin typeface="Segoe UI" panose="020B0502040204020203" pitchFamily="34" charset="0"/>
+              <a:latin typeface="+mn-lt"/>
               <a:ea typeface="+mn-ea"/>
               <a:cs typeface="+mn-cs"/>
             </a:endParaRPr>
-          </a:p>
-          <a:p>
-            <a:r>
-              <a:rPr lang="en-US" sz="700" kern="1200" dirty="0">
-                <a:solidFill>
-                  <a:schemeClr val="tx1"/>
-                </a:solidFill>
-                <a:effectLst/>
-                <a:latin typeface="Segoe UI Light" pitchFamily="34" charset="0"/>
-                <a:ea typeface="+mn-ea"/>
-                <a:cs typeface="+mn-cs"/>
-              </a:rPr>
-              <a:t>We back our protections with strong contractual commitments to safeguard customer data by abiding by the EU Model Clauses (which governs the processing of personal information), and other international standards. Microsoft uses customer data stored in Azure only to improve service. Azure does not share data with its advertising-supported services or mine customer data for advertising. </a:t>
-            </a:r>
-          </a:p>
-          <a:p>
-            <a:pPr defTabSz="966612">
-              <a:lnSpc>
-                <a:spcPct val="115000"/>
-              </a:lnSpc>
-              <a:spcAft>
-                <a:spcPts val="1057"/>
-              </a:spcAft>
-              <a:defRPr/>
-            </a:pPr>
-            <a:endParaRPr lang="en-US" sz="1100" dirty="0">
-              <a:effectLst/>
-              <a:latin typeface="Segoe UI" panose="020B0502040204020203" pitchFamily="34" charset="0"/>
-              <a:ea typeface="Segoe UI" panose="020B0502040204020203" pitchFamily="34" charset="0"/>
-              <a:cs typeface="Segoe UI" panose="020B0502040204020203" pitchFamily="34" charset="0"/>
-            </a:endParaRPr>
-          </a:p>
-          <a:p>
-            <a:pPr marL="285750" indent="-285750">
-              <a:buFont typeface="Arial" panose="020B0604020202020204" pitchFamily="34" charset="0"/>
-              <a:buChar char="•"/>
-            </a:pPr>
-            <a:r>
-              <a:rPr lang="en-US" sz="1100" b="1" dirty="0"/>
-              <a:t>Contractual commitments.</a:t>
-            </a:r>
-            <a:r>
-              <a:rPr lang="en-US" sz="1100" dirty="0"/>
-              <a:t> Microsoft is unique among major cloud service providers in providing cloud-service-specific privacy statements and making strong contractual commitments to safeguard customer data and protect privacy. Microsoft makes the standard contractual clauses created by the European Union (known as the “EU Model Clauses”) available to enterprise customers to provide additional contractual guarantees concerning transfers of personal data. </a:t>
-            </a:r>
-          </a:p>
-          <a:p>
-            <a:pPr marL="285750" indent="-285750">
-              <a:buFont typeface="Arial" panose="020B0604020202020204" pitchFamily="34" charset="0"/>
-              <a:buChar char="•"/>
-            </a:pPr>
-            <a:endParaRPr lang="en-US" sz="1100" dirty="0"/>
-          </a:p>
-          <a:p>
-            <a:pPr marL="285750" indent="-285750">
-              <a:buFont typeface="Arial" panose="020B0604020202020204" pitchFamily="34" charset="0"/>
-              <a:buChar char="•"/>
-            </a:pPr>
-            <a:r>
-              <a:rPr lang="en-US" sz="1100" dirty="0"/>
-              <a:t>With regards to</a:t>
-            </a:r>
-            <a:r>
-              <a:rPr lang="en-US" sz="1100" baseline="0" dirty="0"/>
-              <a:t> recent changes in EU-US Safe Harbor agreements, refer to the EU Model Clause which is a contractual commitment with same safeguards, and the ongoing work in progress of cloud providers working with EU legislatives and US Government to provide compliance with affected parties. The link provides some further information.</a:t>
-            </a:r>
-            <a:endParaRPr lang="en-US" sz="1100" dirty="0"/>
-          </a:p>
-          <a:p>
-            <a:pPr marL="0" indent="0">
-              <a:buFont typeface="Arial" panose="020B0604020202020204" pitchFamily="34" charset="0"/>
-              <a:buNone/>
-            </a:pPr>
-            <a:endParaRPr lang="en-US" sz="1100" dirty="0"/>
           </a:p>
         </p:txBody>
       </p:sp>
       <p:sp>
         <p:nvSpPr>
-          <p:cNvPr id="4" name="Slide Number Placeholder 3"/>
+          <p:cNvPr id="4" name="Header Placeholder 3"/>
           <p:cNvSpPr>
             <a:spLocks noGrp="1"/>
           </p:cNvSpPr>
           <p:nvPr>
-            <p:ph type="sldNum" sz="quarter" idx="10"/>
+            <p:ph type="hdr" sz="quarter" idx="10"/>
           </p:nvPr>
         </p:nvSpPr>
         <p:spPr/>
@@ -5481,18 +5517,119 @@
           <a:bodyPr/>
           <a:lstStyle/>
           <a:p>
-            <a:fld id="{40B1AD7A-8DF3-4DCE-960D-1DF5B9856ADB}" type="slidenum">
+            <a:r>
+              <a:rPr lang="en-US"/>
+              <a:t>Microsoft Ignite 2015</a:t>
+            </a:r>
+            <a:endParaRPr lang="en-US" dirty="0"/>
+          </a:p>
+        </p:txBody>
+      </p:sp>
+      <p:sp>
+        <p:nvSpPr>
+          <p:cNvPr id="5" name="Footer Placeholder 4"/>
+          <p:cNvSpPr>
+            <a:spLocks noGrp="1"/>
+          </p:cNvSpPr>
+          <p:nvPr>
+            <p:ph type="ftr" sz="quarter" idx="11"/>
+          </p:nvPr>
+        </p:nvSpPr>
+        <p:spPr/>
+        <p:txBody>
+          <a:bodyPr/>
+          <a:lstStyle/>
+          <a:p>
+            <a:pPr defTabSz="914099" eaLnBrk="0" hangingPunct="0"/>
+            <a:r>
+              <a:rPr lang="en-US" sz="400">
+                <a:gradFill>
+                  <a:gsLst>
+                    <a:gs pos="0">
+                      <a:prstClr val="black"/>
+                    </a:gs>
+                    <a:gs pos="100000">
+                      <a:prstClr val="black"/>
+                    </a:gs>
+                  </a:gsLst>
+                  <a:lin ang="5400000" scaled="0"/>
+                </a:gradFill>
+                <a:latin typeface="Segoe UI" pitchFamily="34" charset="0"/>
+                <a:ea typeface="Segoe UI" pitchFamily="34" charset="0"/>
+                <a:cs typeface="Segoe UI" pitchFamily="34" charset="0"/>
+              </a:rPr>
+              <a:t>© 2015 Microsoft Corporation. All rights reserved. MICROSOFT MAKES NO WARRANTIES, EXPRESS, IMPLIED OR STATUTORY, AS TO THE INFORMATION IN THIS PRESENTATION.</a:t>
+            </a:r>
+            <a:endParaRPr lang="en-US" sz="400" dirty="0">
+              <a:gradFill>
+                <a:gsLst>
+                  <a:gs pos="0">
+                    <a:prstClr val="black"/>
+                  </a:gs>
+                  <a:gs pos="100000">
+                    <a:prstClr val="black"/>
+                  </a:gs>
+                </a:gsLst>
+                <a:lin ang="5400000" scaled="0"/>
+              </a:gradFill>
+              <a:latin typeface="Segoe UI" pitchFamily="34" charset="0"/>
+              <a:ea typeface="Segoe UI" pitchFamily="34" charset="0"/>
+              <a:cs typeface="Segoe UI" pitchFamily="34" charset="0"/>
+            </a:endParaRPr>
+          </a:p>
+        </p:txBody>
+      </p:sp>
+      <p:sp>
+        <p:nvSpPr>
+          <p:cNvPr id="6" name="Date Placeholder 5"/>
+          <p:cNvSpPr>
+            <a:spLocks noGrp="1"/>
+          </p:cNvSpPr>
+          <p:nvPr>
+            <p:ph type="dt" idx="12"/>
+          </p:nvPr>
+        </p:nvSpPr>
+        <p:spPr/>
+        <p:txBody>
+          <a:bodyPr/>
+          <a:lstStyle/>
+          <a:p>
+            <a:fld id="{38EEC551-8CDA-4EB6-89BB-2A86C9F091C8}" type="datetime8">
               <a:rPr lang="en-US" smtClean="0"/>
+              <a:t>06/28/2016 23:06</a:t>
+            </a:fld>
+            <a:endParaRPr lang="en-US" dirty="0"/>
+          </a:p>
+        </p:txBody>
+      </p:sp>
+      <p:sp>
+        <p:nvSpPr>
+          <p:cNvPr id="7" name="Slide Number Placeholder 6"/>
+          <p:cNvSpPr>
+            <a:spLocks noGrp="1"/>
+          </p:cNvSpPr>
+          <p:nvPr>
+            <p:ph type="sldNum" sz="quarter" idx="13"/>
+          </p:nvPr>
+        </p:nvSpPr>
+        <p:spPr/>
+        <p:txBody>
+          <a:bodyPr/>
+          <a:lstStyle/>
+          <a:p>
+            <a:fld id="{B4008EB6-D09E-4580-8CD6-DDB14511944F}" type="slidenum">
+              <a:rPr lang="en-US" smtClean="0"/>
+              <a:pPr/>
               <a:t>22</a:t>
             </a:fld>
-            <a:endParaRPr lang="en-US"/>
+            <a:endParaRPr lang="en-US" dirty="0"/>
           </a:p>
         </p:txBody>
       </p:sp>
     </p:spTree>
     <p:extLst>
       <p:ext uri="{BB962C8B-B14F-4D97-AF65-F5344CB8AC3E}">
-        <p14:creationId xmlns:p14="http://schemas.microsoft.com/office/powerpoint/2010/main" val="4271872049"/>
+        <p14:creationId xmlns:p14="http://schemas.microsoft.com/office/powerpoint/2010/main" val="53666256"/>
       </p:ext>
     </p:extLst>
   </p:cSld>
@@ -5546,430 +5683,7 @@
           <a:bodyPr/>
           <a:lstStyle/>
           <a:p>
-            <a:pPr>
-              <a:lnSpc>
-                <a:spcPct val="115000"/>
-              </a:lnSpc>
-              <a:spcAft>
-                <a:spcPts val="1057"/>
-              </a:spcAft>
-            </a:pPr>
-            <a:r>
-              <a:rPr lang="en-US" sz="2400" b="1" dirty="0">
-                <a:latin typeface="Segoe UI" panose="020B0502040204020203" pitchFamily="34" charset="0"/>
-                <a:ea typeface="Segoe UI" panose="020B0502040204020203" pitchFamily="34" charset="0"/>
-                <a:cs typeface="Segoe UI" panose="020B0502040204020203" pitchFamily="34" charset="0"/>
-              </a:rPr>
-              <a:t>Slide title: </a:t>
-            </a:r>
-            <a:r>
-              <a:rPr lang="en-US" sz="2400" b="0" dirty="0">
-                <a:latin typeface="Segoe UI" panose="020B0502040204020203" pitchFamily="34" charset="0"/>
-                <a:ea typeface="Segoe UI" panose="020B0502040204020203" pitchFamily="34" charset="0"/>
-                <a:cs typeface="Segoe UI" panose="020B0502040204020203" pitchFamily="34" charset="0"/>
-              </a:rPr>
-              <a:t>Azure</a:t>
-            </a:r>
-            <a:r>
-              <a:rPr lang="en-US" sz="2400" b="1" dirty="0">
-                <a:latin typeface="Segoe UI" panose="020B0502040204020203" pitchFamily="34" charset="0"/>
-                <a:ea typeface="Segoe UI" panose="020B0502040204020203" pitchFamily="34" charset="0"/>
-                <a:cs typeface="Segoe UI" panose="020B0502040204020203" pitchFamily="34" charset="0"/>
-              </a:rPr>
-              <a:t> </a:t>
-            </a:r>
-            <a:r>
-              <a:rPr lang="en-US" sz="2400" dirty="0">
-                <a:latin typeface="Segoe UI" panose="020B0502040204020203" pitchFamily="34" charset="0"/>
-                <a:ea typeface="Segoe UI" panose="020B0502040204020203" pitchFamily="34" charset="0"/>
-                <a:cs typeface="Segoe UI" panose="020B0502040204020203" pitchFamily="34" charset="0"/>
-              </a:rPr>
-              <a:t>Transparency</a:t>
-            </a:r>
-          </a:p>
-          <a:p>
-            <a:pPr defTabSz="966612">
-              <a:lnSpc>
-                <a:spcPct val="115000"/>
-              </a:lnSpc>
-              <a:spcAft>
-                <a:spcPts val="1057"/>
-              </a:spcAft>
-              <a:defRPr/>
-            </a:pPr>
-            <a:r>
-              <a:rPr lang="en-US" sz="2400" b="1" dirty="0">
-                <a:latin typeface="Segoe UI" panose="020B0502040204020203" pitchFamily="34" charset="0"/>
-                <a:ea typeface="Segoe UI" panose="020B0502040204020203" pitchFamily="34" charset="0"/>
-                <a:cs typeface="Segoe UI" panose="020B0502040204020203" pitchFamily="34" charset="0"/>
-              </a:rPr>
-              <a:t>Slide objectives: </a:t>
-            </a:r>
-            <a:r>
-              <a:rPr lang="en-US" sz="2400" dirty="0">
-                <a:latin typeface="Segoe UI" panose="020B0502040204020203" pitchFamily="34" charset="0"/>
-                <a:ea typeface="Segoe UI" panose="020B0502040204020203" pitchFamily="34" charset="0"/>
-                <a:cs typeface="Segoe UI" panose="020B0502040204020203" pitchFamily="34" charset="0"/>
-              </a:rPr>
-              <a:t>Introduce the following section on compliance.</a:t>
-            </a:r>
-          </a:p>
-          <a:p>
-            <a:pPr marL="0" marR="0" indent="0" algn="l" defTabSz="966612" rtl="0" eaLnBrk="1" fontAlgn="auto" latinLnBrk="0" hangingPunct="1">
-              <a:lnSpc>
-                <a:spcPct val="115000"/>
-              </a:lnSpc>
-              <a:spcBef>
-                <a:spcPts val="0"/>
-              </a:spcBef>
-              <a:spcAft>
-                <a:spcPts val="1057"/>
-              </a:spcAft>
-              <a:buClrTx/>
-              <a:buSzTx/>
-              <a:buFontTx/>
-              <a:buNone/>
-              <a:tabLst/>
-              <a:defRPr/>
-            </a:pPr>
-            <a:r>
-              <a:rPr lang="en-US" sz="2400" dirty="0">
-                <a:gradFill>
-                  <a:gsLst>
-                    <a:gs pos="2917">
-                      <a:schemeClr val="tx1"/>
-                    </a:gs>
-                    <a:gs pos="30000">
-                      <a:schemeClr val="tx1"/>
-                    </a:gs>
-                  </a:gsLst>
-                  <a:lin ang="5400000" scaled="0"/>
-                </a:gradFill>
-              </a:rPr>
-              <a:t>Azure helps enable customer control over Customer Data by providing transparency into where it is stored, who can access it, and how Microsoft helps secure it, with accessible tools and straightforward language</a:t>
-            </a:r>
-          </a:p>
-          <a:p>
-            <a:pPr defTabSz="966612">
-              <a:lnSpc>
-                <a:spcPct val="115000"/>
-              </a:lnSpc>
-              <a:spcAft>
-                <a:spcPts val="1057"/>
-              </a:spcAft>
-              <a:defRPr/>
-            </a:pPr>
-            <a:endParaRPr lang="en-US" sz="2400" b="1" dirty="0">
-              <a:latin typeface="Segoe UI" panose="020B0502040204020203" pitchFamily="34" charset="0"/>
-              <a:ea typeface="Segoe UI" panose="020B0502040204020203" pitchFamily="34" charset="0"/>
-              <a:cs typeface="Segoe UI" panose="020B0502040204020203" pitchFamily="34" charset="0"/>
-            </a:endParaRPr>
-          </a:p>
-          <a:p>
-            <a:pPr marL="0" marR="0" indent="0" algn="l" defTabSz="966612" rtl="0" eaLnBrk="1" fontAlgn="auto" latinLnBrk="0" hangingPunct="1">
-              <a:lnSpc>
-                <a:spcPct val="115000"/>
-              </a:lnSpc>
-              <a:spcBef>
-                <a:spcPts val="0"/>
-              </a:spcBef>
-              <a:spcAft>
-                <a:spcPts val="1057"/>
-              </a:spcAft>
-              <a:buClrTx/>
-              <a:buSzTx/>
-              <a:buFontTx/>
-              <a:buNone/>
-              <a:tabLst/>
-              <a:defRPr/>
-            </a:pPr>
-            <a:r>
-              <a:rPr lang="en-US" sz="1200" b="1" dirty="0">
-                <a:latin typeface="Segoe UI" panose="020B0502040204020203" pitchFamily="34" charset="0"/>
-              </a:rPr>
-              <a:t>Slide script:</a:t>
-            </a:r>
-          </a:p>
-          <a:p>
-            <a:pPr marL="0" marR="0" indent="0" algn="l" defTabSz="966612" rtl="0" eaLnBrk="1" fontAlgn="auto" latinLnBrk="0" hangingPunct="1">
-              <a:lnSpc>
-                <a:spcPct val="115000"/>
-              </a:lnSpc>
-              <a:spcBef>
-                <a:spcPts val="0"/>
-              </a:spcBef>
-              <a:spcAft>
-                <a:spcPts val="1057"/>
-              </a:spcAft>
-              <a:buClrTx/>
-              <a:buSzTx/>
-              <a:buFontTx/>
-              <a:buNone/>
-              <a:tabLst/>
-              <a:defRPr/>
-            </a:pPr>
-            <a:r>
-              <a:rPr lang="en-US" sz="1200" kern="1200" dirty="0">
-                <a:solidFill>
-                  <a:schemeClr val="tx1"/>
-                </a:solidFill>
-                <a:effectLst/>
-                <a:latin typeface="Segoe UI Light" pitchFamily="34" charset="0"/>
-                <a:ea typeface="+mn-ea"/>
-                <a:cs typeface="+mn-cs"/>
-              </a:rPr>
-              <a:t>Microsoft Azure is built on the premise that for customers to control their own Customer Data in the cloud, they require visibility into that data. They must know where it is stored. They must also know, through clearly stated and readily available policies and procedures, how we help secure Customer Data, who can access it, and under what circumstances. And don’t take our word for it: Customers can review the third-party audits and certifications that confirm that we meet the standards we set.</a:t>
-            </a:r>
-            <a:endParaRPr lang="en-US" sz="2400" b="1" kern="1200" dirty="0">
-              <a:solidFill>
-                <a:schemeClr val="tx1"/>
-              </a:solidFill>
-              <a:effectLst/>
-              <a:latin typeface="Segoe UI" panose="020B0502040204020203" pitchFamily="34" charset="0"/>
-              <a:ea typeface="+mn-ea"/>
-              <a:cs typeface="Times New Roman" panose="02020603050405020304" pitchFamily="18" charset="0"/>
-            </a:endParaRPr>
-          </a:p>
-          <a:p>
-            <a:pPr marL="0" marR="0" indent="0" algn="l" defTabSz="966612" rtl="0" eaLnBrk="1" fontAlgn="auto" latinLnBrk="0" hangingPunct="1">
-              <a:lnSpc>
-                <a:spcPct val="115000"/>
-              </a:lnSpc>
-              <a:spcBef>
-                <a:spcPts val="0"/>
-              </a:spcBef>
-              <a:spcAft>
-                <a:spcPts val="1057"/>
-              </a:spcAft>
-              <a:buClrTx/>
-              <a:buSzTx/>
-              <a:buFontTx/>
-              <a:buNone/>
-              <a:tabLst/>
-              <a:defRPr/>
-            </a:pPr>
-            <a:endParaRPr lang="en-US" sz="1200" kern="1200" dirty="0">
-              <a:solidFill>
-                <a:schemeClr val="tx1"/>
-              </a:solidFill>
-              <a:effectLst/>
-              <a:latin typeface="Segoe UI Light" pitchFamily="34" charset="0"/>
-              <a:ea typeface="+mn-ea"/>
-              <a:cs typeface="+mn-cs"/>
-            </a:endParaRPr>
-          </a:p>
-          <a:p>
-            <a:pPr defTabSz="966612">
-              <a:lnSpc>
-                <a:spcPct val="115000"/>
-              </a:lnSpc>
-              <a:spcAft>
-                <a:spcPts val="1057"/>
-              </a:spcAft>
-              <a:defRPr/>
-            </a:pPr>
-            <a:r>
-              <a:rPr lang="en-US" sz="1200" kern="1200" dirty="0">
-                <a:solidFill>
-                  <a:schemeClr val="tx1"/>
-                </a:solidFill>
-                <a:effectLst/>
-                <a:latin typeface="Segoe UI Light" pitchFamily="34" charset="0"/>
-                <a:ea typeface="+mn-ea"/>
-                <a:cs typeface="+mn-cs"/>
-              </a:rPr>
-              <a:t>Microsoft seeks to give Azure customers control over where their customer data is stored in an ever-expanding network of datacenters around the globe, balanced with the need to store backups at multiple locations in case of a disaster. </a:t>
-            </a:r>
-          </a:p>
-          <a:p>
-            <a:pPr defTabSz="966612">
-              <a:lnSpc>
-                <a:spcPct val="115000"/>
-              </a:lnSpc>
-              <a:spcAft>
-                <a:spcPts val="1057"/>
-              </a:spcAft>
-              <a:defRPr/>
-            </a:pPr>
-            <a:endParaRPr lang="en-US" sz="1200" b="1" kern="1200" dirty="0">
-              <a:solidFill>
-                <a:schemeClr val="tx1"/>
-              </a:solidFill>
-              <a:effectLst/>
-              <a:latin typeface="Segoe UI Light" pitchFamily="34" charset="0"/>
-              <a:ea typeface="+mn-ea"/>
-              <a:cs typeface="+mn-cs"/>
-            </a:endParaRPr>
-          </a:p>
-          <a:p>
-            <a:pPr defTabSz="966612">
-              <a:lnSpc>
-                <a:spcPct val="115000"/>
-              </a:lnSpc>
-              <a:spcAft>
-                <a:spcPts val="1057"/>
-              </a:spcAft>
-              <a:defRPr/>
-            </a:pPr>
-            <a:r>
-              <a:rPr lang="en-US" sz="1200" kern="1200" dirty="0">
-                <a:solidFill>
-                  <a:schemeClr val="tx1"/>
-                </a:solidFill>
-                <a:effectLst/>
-                <a:latin typeface="Segoe UI Light" pitchFamily="34" charset="0"/>
-                <a:ea typeface="+mn-ea"/>
-                <a:cs typeface="+mn-cs"/>
-              </a:rPr>
-              <a:t>Microsoft does not use Azure customer data for advertising—we do not share it with our advertiser-supported services or mine it for marketing. This policy is backed by our enterprise cloud service agreements and reaffirmed by Microsoft’s adoption of the first international code of practice for cloud privacy, ISO/IEC 27018.</a:t>
-            </a:r>
-          </a:p>
-          <a:p>
-            <a:pPr defTabSz="966612">
-              <a:lnSpc>
-                <a:spcPct val="115000"/>
-              </a:lnSpc>
-              <a:spcAft>
-                <a:spcPts val="1057"/>
-              </a:spcAft>
-              <a:defRPr/>
-            </a:pPr>
-            <a:endParaRPr lang="en-US" sz="1200" b="1" kern="1200" dirty="0">
-              <a:solidFill>
-                <a:schemeClr val="tx1"/>
-              </a:solidFill>
-              <a:effectLst/>
-              <a:latin typeface="Segoe UI Light" pitchFamily="34" charset="0"/>
-              <a:ea typeface="+mn-ea"/>
-              <a:cs typeface="+mn-cs"/>
-            </a:endParaRPr>
-          </a:p>
-          <a:p>
-            <a:pPr defTabSz="966612">
-              <a:lnSpc>
-                <a:spcPct val="115000"/>
-              </a:lnSpc>
-              <a:spcAft>
-                <a:spcPts val="1057"/>
-              </a:spcAft>
-              <a:defRPr/>
-            </a:pPr>
-            <a:r>
-              <a:rPr lang="en-US" sz="1200" kern="1200" dirty="0">
-                <a:solidFill>
-                  <a:schemeClr val="tx1"/>
-                </a:solidFill>
-                <a:effectLst/>
-                <a:latin typeface="Segoe UI Light" pitchFamily="34" charset="0"/>
-                <a:ea typeface="+mn-ea"/>
-                <a:cs typeface="+mn-cs"/>
-              </a:rPr>
-              <a:t>We will use customer data only for purposes compatible with providing you the services. In addition to day-to-day operations, Microsoft customer support and operations personnel may access customer data to provide customer support, troubleshoot the service, improve features (such as protection against malware), or comply with legal requirements.</a:t>
-            </a:r>
-          </a:p>
-          <a:p>
-            <a:pPr defTabSz="966612">
-              <a:lnSpc>
-                <a:spcPct val="115000"/>
-              </a:lnSpc>
-              <a:spcAft>
-                <a:spcPts val="1057"/>
-              </a:spcAft>
-              <a:defRPr/>
-            </a:pPr>
-            <a:endParaRPr lang="en-US" sz="1200" b="1" kern="1200" dirty="0">
-              <a:solidFill>
-                <a:schemeClr val="tx1"/>
-              </a:solidFill>
-              <a:effectLst/>
-              <a:latin typeface="Segoe UI Light" pitchFamily="34" charset="0"/>
-              <a:ea typeface="+mn-ea"/>
-              <a:cs typeface="+mn-cs"/>
-            </a:endParaRPr>
-          </a:p>
-          <a:p>
-            <a:pPr defTabSz="966612">
-              <a:lnSpc>
-                <a:spcPct val="115000"/>
-              </a:lnSpc>
-              <a:spcAft>
-                <a:spcPts val="1057"/>
-              </a:spcAft>
-              <a:defRPr/>
-            </a:pPr>
-            <a:r>
-              <a:rPr lang="en-US" sz="1200" kern="1200" dirty="0">
-                <a:solidFill>
-                  <a:schemeClr val="tx1"/>
-                </a:solidFill>
-                <a:effectLst/>
-                <a:latin typeface="Segoe UI Light" pitchFamily="34" charset="0"/>
-                <a:ea typeface="+mn-ea"/>
-                <a:cs typeface="+mn-cs"/>
-              </a:rPr>
-              <a:t>Customers may delete Customer Data or leave the service at any time.</a:t>
-            </a:r>
-            <a:r>
-              <a:rPr lang="en-US" sz="1200" b="1" kern="1200" dirty="0">
-                <a:solidFill>
-                  <a:schemeClr val="tx1"/>
-                </a:solidFill>
-                <a:effectLst/>
-                <a:latin typeface="Segoe UI Light" pitchFamily="34" charset="0"/>
-                <a:ea typeface="+mn-ea"/>
-                <a:cs typeface="+mn-cs"/>
-              </a:rPr>
-              <a:t> </a:t>
-            </a:r>
-            <a:r>
-              <a:rPr lang="en-US" sz="1200" kern="1200" dirty="0">
-                <a:solidFill>
-                  <a:schemeClr val="tx1"/>
-                </a:solidFill>
-                <a:effectLst/>
-                <a:latin typeface="Segoe UI Light" pitchFamily="34" charset="0"/>
-                <a:ea typeface="+mn-ea"/>
-                <a:cs typeface="+mn-cs"/>
-              </a:rPr>
-              <a:t>In either case, Microsoft follows stringent standards in removing Customer Data from all systems under its control.</a:t>
-            </a:r>
-            <a:endParaRPr lang="en-US" sz="1200" b="1" kern="1200" dirty="0">
-              <a:solidFill>
-                <a:schemeClr val="tx1"/>
-              </a:solidFill>
-              <a:effectLst/>
-              <a:latin typeface="Segoe UI Light" pitchFamily="34" charset="0"/>
-              <a:ea typeface="+mn-ea"/>
-              <a:cs typeface="+mn-cs"/>
-            </a:endParaRPr>
-          </a:p>
-          <a:p>
-            <a:pPr marL="0" marR="0" indent="0" algn="l" defTabSz="966612" rtl="0" eaLnBrk="1" fontAlgn="auto" latinLnBrk="0" hangingPunct="1">
-              <a:lnSpc>
-                <a:spcPct val="115000"/>
-              </a:lnSpc>
-              <a:spcBef>
-                <a:spcPts val="0"/>
-              </a:spcBef>
-              <a:spcAft>
-                <a:spcPts val="1057"/>
-              </a:spcAft>
-              <a:buClrTx/>
-              <a:buSzTx/>
-              <a:buFontTx/>
-              <a:buNone/>
-              <a:tabLst/>
-              <a:defRPr/>
-            </a:pPr>
-            <a:endParaRPr lang="en-US" sz="1200" kern="1200" dirty="0">
-              <a:solidFill>
-                <a:schemeClr val="tx1"/>
-              </a:solidFill>
-              <a:effectLst/>
-              <a:latin typeface="Segoe UI Light" pitchFamily="34" charset="0"/>
-              <a:ea typeface="+mn-ea"/>
-              <a:cs typeface="+mn-cs"/>
-            </a:endParaRPr>
+            <a:endParaRPr lang="en-US"/>
           </a:p>
         </p:txBody>
       </p:sp>
@@ -5990,7 +5704,7 @@
           <a:p>
             <a:fld id="{40B1AD7A-8DF3-4DCE-960D-1DF5B9856ADB}" type="slidenum">
               <a:rPr lang="en-US" smtClean="0"/>
-              <a:t>23</a:t>
+              <a:t>24</a:t>
             </a:fld>
             <a:endParaRPr lang="en-US"/>
           </a:p>
@@ -5999,7 +5713,7 @@
     </p:spTree>
     <p:extLst>
       <p:ext uri="{BB962C8B-B14F-4D97-AF65-F5344CB8AC3E}">
-        <p14:creationId xmlns:p14="http://schemas.microsoft.com/office/powerpoint/2010/main" val="2809106145"/>
+        <p14:creationId xmlns:p14="http://schemas.microsoft.com/office/powerpoint/2010/main" val="127879306"/>
       </p:ext>
     </p:extLst>
   </p:cSld>
@@ -6053,300 +5767,6 @@
           <a:bodyPr/>
           <a:lstStyle/>
           <a:p>
-            <a:pPr marL="0" marR="0" indent="0" algn="l" defTabSz="932742" rtl="0" eaLnBrk="1" fontAlgn="auto" latinLnBrk="0" hangingPunct="1">
-              <a:lnSpc>
-                <a:spcPct val="90000"/>
-              </a:lnSpc>
-              <a:spcBef>
-                <a:spcPts val="0"/>
-              </a:spcBef>
-              <a:spcAft>
-                <a:spcPts val="340"/>
-              </a:spcAft>
-              <a:buClrTx/>
-              <a:buSzTx/>
-              <a:buFontTx/>
-              <a:buNone/>
-              <a:tabLst/>
-              <a:defRPr/>
-            </a:pPr>
-            <a:endParaRPr lang="en-US" sz="1200" b="1" kern="1200" dirty="0">
-              <a:solidFill>
-                <a:schemeClr val="tx1"/>
-              </a:solidFill>
-              <a:effectLst/>
-              <a:latin typeface="+mn-lt"/>
-              <a:ea typeface="+mn-ea"/>
-              <a:cs typeface="+mn-cs"/>
-            </a:endParaRPr>
-          </a:p>
-        </p:txBody>
-      </p:sp>
-      <p:sp>
-        <p:nvSpPr>
-          <p:cNvPr id="4" name="Header Placeholder 3"/>
-          <p:cNvSpPr>
-            <a:spLocks noGrp="1"/>
-          </p:cNvSpPr>
-          <p:nvPr>
-            <p:ph type="hdr" sz="quarter" idx="10"/>
-          </p:nvPr>
-        </p:nvSpPr>
-        <p:spPr/>
-        <p:txBody>
-          <a:bodyPr/>
-          <a:lstStyle/>
-          <a:p>
-            <a:r>
-              <a:rPr lang="en-US"/>
-              <a:t>Microsoft Ignite 2015</a:t>
-            </a:r>
-            <a:endParaRPr lang="en-US" dirty="0"/>
-          </a:p>
-        </p:txBody>
-      </p:sp>
-      <p:sp>
-        <p:nvSpPr>
-          <p:cNvPr id="5" name="Footer Placeholder 4"/>
-          <p:cNvSpPr>
-            <a:spLocks noGrp="1"/>
-          </p:cNvSpPr>
-          <p:nvPr>
-            <p:ph type="ftr" sz="quarter" idx="11"/>
-          </p:nvPr>
-        </p:nvSpPr>
-        <p:spPr/>
-        <p:txBody>
-          <a:bodyPr/>
-          <a:lstStyle/>
-          <a:p>
-            <a:pPr defTabSz="914099" eaLnBrk="0" hangingPunct="0"/>
-            <a:r>
-              <a:rPr lang="en-US" sz="400">
-                <a:gradFill>
-                  <a:gsLst>
-                    <a:gs pos="0">
-                      <a:prstClr val="black"/>
-                    </a:gs>
-                    <a:gs pos="100000">
-                      <a:prstClr val="black"/>
-                    </a:gs>
-                  </a:gsLst>
-                  <a:lin ang="5400000" scaled="0"/>
-                </a:gradFill>
-                <a:latin typeface="Segoe UI" pitchFamily="34" charset="0"/>
-                <a:ea typeface="Segoe UI" pitchFamily="34" charset="0"/>
-                <a:cs typeface="Segoe UI" pitchFamily="34" charset="0"/>
-              </a:rPr>
-              <a:t>© 2015 Microsoft Corporation. All rights reserved. MICROSOFT MAKES NO WARRANTIES, EXPRESS, IMPLIED OR STATUTORY, AS TO THE INFORMATION IN THIS PRESENTATION.</a:t>
-            </a:r>
-            <a:endParaRPr lang="en-US" sz="400" dirty="0">
-              <a:gradFill>
-                <a:gsLst>
-                  <a:gs pos="0">
-                    <a:prstClr val="black"/>
-                  </a:gs>
-                  <a:gs pos="100000">
-                    <a:prstClr val="black"/>
-                  </a:gs>
-                </a:gsLst>
-                <a:lin ang="5400000" scaled="0"/>
-              </a:gradFill>
-              <a:latin typeface="Segoe UI" pitchFamily="34" charset="0"/>
-              <a:ea typeface="Segoe UI" pitchFamily="34" charset="0"/>
-              <a:cs typeface="Segoe UI" pitchFamily="34" charset="0"/>
-            </a:endParaRPr>
-          </a:p>
-        </p:txBody>
-      </p:sp>
-      <p:sp>
-        <p:nvSpPr>
-          <p:cNvPr id="6" name="Date Placeholder 5"/>
-          <p:cNvSpPr>
-            <a:spLocks noGrp="1"/>
-          </p:cNvSpPr>
-          <p:nvPr>
-            <p:ph type="dt" idx="12"/>
-          </p:nvPr>
-        </p:nvSpPr>
-        <p:spPr/>
-        <p:txBody>
-          <a:bodyPr/>
-          <a:lstStyle/>
-          <a:p>
-            <a:fld id="{38EEC551-8CDA-4EB6-89BB-2A86C9F091C8}" type="datetime8">
-              <a:rPr lang="en-US" smtClean="0"/>
-              <a:t>6/17/2016 9:36 AM</a:t>
-            </a:fld>
-            <a:endParaRPr lang="en-US" dirty="0"/>
-          </a:p>
-        </p:txBody>
-      </p:sp>
-      <p:sp>
-        <p:nvSpPr>
-          <p:cNvPr id="7" name="Slide Number Placeholder 6"/>
-          <p:cNvSpPr>
-            <a:spLocks noGrp="1"/>
-          </p:cNvSpPr>
-          <p:nvPr>
-            <p:ph type="sldNum" sz="quarter" idx="13"/>
-          </p:nvPr>
-        </p:nvSpPr>
-        <p:spPr/>
-        <p:txBody>
-          <a:bodyPr/>
-          <a:lstStyle/>
-          <a:p>
-            <a:fld id="{B4008EB6-D09E-4580-8CD6-DDB14511944F}" type="slidenum">
-              <a:rPr lang="en-US" smtClean="0"/>
-              <a:pPr/>
-              <a:t>24</a:t>
-            </a:fld>
-            <a:endParaRPr lang="en-US" dirty="0"/>
-          </a:p>
-        </p:txBody>
-      </p:sp>
-    </p:spTree>
-    <p:extLst>
-      <p:ext uri="{BB962C8B-B14F-4D97-AF65-F5344CB8AC3E}">
-        <p14:creationId xmlns:p14="http://schemas.microsoft.com/office/powerpoint/2010/main" val="53666256"/>
-      </p:ext>
-    </p:extLst>
-  </p:cSld>
-  <p:clrMapOvr>
-    <a:masterClrMapping/>
-  </p:clrMapOvr>
-</p:notes>
-</file>
-
-<file path=ppt/notesSlides/notesSlide24.xml><?xml version="1.0" encoding="utf-8"?>
-<p:notes xmlns:a="http://schemas.openxmlformats.org/drawingml/2006/main" xmlns:r="http://schemas.openxmlformats.org/officeDocument/2006/relationships" xmlns:p="http://schemas.openxmlformats.org/presentationml/2006/main">
-  <p:cSld>
-    <p:spTree>
-      <p:nvGrpSpPr>
-        <p:cNvPr id="1" name=""/>
-        <p:cNvGrpSpPr/>
-        <p:nvPr/>
-      </p:nvGrpSpPr>
-      <p:grpSpPr>
-        <a:xfrm>
-          <a:off x="0" y="0"/>
-          <a:ext cx="0" cy="0"/>
-          <a:chOff x="0" y="0"/>
-          <a:chExt cx="0" cy="0"/>
-        </a:xfrm>
-      </p:grpSpPr>
-      <p:sp>
-        <p:nvSpPr>
-          <p:cNvPr id="2" name="Slide Image Placeholder 1"/>
-          <p:cNvSpPr>
-            <a:spLocks noGrp="1" noRot="1" noChangeAspect="1"/>
-          </p:cNvSpPr>
-          <p:nvPr>
-            <p:ph type="sldImg"/>
-          </p:nvPr>
-        </p:nvSpPr>
-        <p:spPr/>
-      </p:sp>
-      <p:sp>
-        <p:nvSpPr>
-          <p:cNvPr id="3" name="Notes Placeholder 2"/>
-          <p:cNvSpPr>
-            <a:spLocks noGrp="1"/>
-          </p:cNvSpPr>
-          <p:nvPr>
-            <p:ph type="body" idx="1"/>
-          </p:nvPr>
-        </p:nvSpPr>
-        <p:spPr/>
-        <p:txBody>
-          <a:bodyPr/>
-          <a:lstStyle/>
-          <a:p>
-            <a:endParaRPr lang="en-US"/>
-          </a:p>
-        </p:txBody>
-      </p:sp>
-      <p:sp>
-        <p:nvSpPr>
-          <p:cNvPr id="4" name="Slide Number Placeholder 3"/>
-          <p:cNvSpPr>
-            <a:spLocks noGrp="1"/>
-          </p:cNvSpPr>
-          <p:nvPr>
-            <p:ph type="sldNum" sz="quarter" idx="10"/>
-          </p:nvPr>
-        </p:nvSpPr>
-        <p:spPr/>
-        <p:txBody>
-          <a:bodyPr/>
-          <a:lstStyle/>
-          <a:p>
-            <a:fld id="{40B1AD7A-8DF3-4DCE-960D-1DF5B9856ADB}" type="slidenum">
-              <a:rPr lang="en-US" smtClean="0"/>
-              <a:t>26</a:t>
-            </a:fld>
-            <a:endParaRPr lang="en-US"/>
-          </a:p>
-        </p:txBody>
-      </p:sp>
-    </p:spTree>
-    <p:extLst>
-      <p:ext uri="{BB962C8B-B14F-4D97-AF65-F5344CB8AC3E}">
-        <p14:creationId xmlns:p14="http://schemas.microsoft.com/office/powerpoint/2010/main" val="127879306"/>
-      </p:ext>
-    </p:extLst>
-  </p:cSld>
-  <p:clrMapOvr>
-    <a:masterClrMapping/>
-  </p:clrMapOvr>
-</p:notes>
-</file>
-
-<file path=ppt/notesSlides/notesSlide25.xml><?xml version="1.0" encoding="utf-8"?>
-<p:notes xmlns:a="http://schemas.openxmlformats.org/drawingml/2006/main" xmlns:r="http://schemas.openxmlformats.org/officeDocument/2006/relationships" xmlns:p="http://schemas.openxmlformats.org/presentationml/2006/main">
-  <p:cSld>
-    <p:spTree>
-      <p:nvGrpSpPr>
-        <p:cNvPr id="1" name=""/>
-        <p:cNvGrpSpPr/>
-        <p:nvPr/>
-      </p:nvGrpSpPr>
-      <p:grpSpPr>
-        <a:xfrm>
-          <a:off x="0" y="0"/>
-          <a:ext cx="0" cy="0"/>
-          <a:chOff x="0" y="0"/>
-          <a:chExt cx="0" cy="0"/>
-        </a:xfrm>
-      </p:grpSpPr>
-      <p:sp>
-        <p:nvSpPr>
-          <p:cNvPr id="2" name="Slide Image Placeholder 1"/>
-          <p:cNvSpPr>
-            <a:spLocks noGrp="1" noRot="1" noChangeAspect="1"/>
-          </p:cNvSpPr>
-          <p:nvPr>
-            <p:ph type="sldImg"/>
-          </p:nvPr>
-        </p:nvSpPr>
-        <p:spPr/>
-      </p:sp>
-      <p:sp>
-        <p:nvSpPr>
-          <p:cNvPr id="3" name="Notes Placeholder 2"/>
-          <p:cNvSpPr>
-            <a:spLocks noGrp="1"/>
-          </p:cNvSpPr>
-          <p:nvPr>
-            <p:ph type="body" idx="1"/>
-          </p:nvPr>
-        </p:nvSpPr>
-        <p:spPr/>
-        <p:txBody>
-          <a:bodyPr/>
-          <a:lstStyle/>
-          <a:p>
             <a:pPr marL="0" marR="0" indent="0" algn="l" defTabSz="966612" rtl="0" eaLnBrk="1" fontAlgn="auto" latinLnBrk="0" hangingPunct="1">
               <a:lnSpc>
                 <a:spcPct val="115000"/>
@@ -6638,7 +6058,7 @@
           <a:p>
             <a:fld id="{40B1AD7A-8DF3-4DCE-960D-1DF5B9856ADB}" type="slidenum">
               <a:rPr lang="en-US" smtClean="0"/>
-              <a:t>27</a:t>
+              <a:t>25</a:t>
             </a:fld>
             <a:endParaRPr lang="en-US"/>
           </a:p>
@@ -6648,402 +6068,6 @@
     <p:extLst>
       <p:ext uri="{BB962C8B-B14F-4D97-AF65-F5344CB8AC3E}">
         <p14:creationId xmlns:p14="http://schemas.microsoft.com/office/powerpoint/2010/main" val="3541310209"/>
-      </p:ext>
-    </p:extLst>
-  </p:cSld>
-  <p:clrMapOvr>
-    <a:masterClrMapping/>
-  </p:clrMapOvr>
-</p:notes>
-</file>
-
-<file path=ppt/notesSlides/notesSlide26.xml><?xml version="1.0" encoding="utf-8"?>
-<p:notes xmlns:a="http://schemas.openxmlformats.org/drawingml/2006/main" xmlns:r="http://schemas.openxmlformats.org/officeDocument/2006/relationships" xmlns:p="http://schemas.openxmlformats.org/presentationml/2006/main">
-  <p:cSld>
-    <p:spTree>
-      <p:nvGrpSpPr>
-        <p:cNvPr id="1" name=""/>
-        <p:cNvGrpSpPr/>
-        <p:nvPr/>
-      </p:nvGrpSpPr>
-      <p:grpSpPr>
-        <a:xfrm>
-          <a:off x="0" y="0"/>
-          <a:ext cx="0" cy="0"/>
-          <a:chOff x="0" y="0"/>
-          <a:chExt cx="0" cy="0"/>
-        </a:xfrm>
-      </p:grpSpPr>
-      <p:sp>
-        <p:nvSpPr>
-          <p:cNvPr id="2" name="Slide Image Placeholder 1"/>
-          <p:cNvSpPr>
-            <a:spLocks noGrp="1" noRot="1" noChangeAspect="1"/>
-          </p:cNvSpPr>
-          <p:nvPr>
-            <p:ph type="sldImg"/>
-          </p:nvPr>
-        </p:nvSpPr>
-        <p:spPr/>
-      </p:sp>
-      <p:sp>
-        <p:nvSpPr>
-          <p:cNvPr id="3" name="Notes Placeholder 2"/>
-          <p:cNvSpPr>
-            <a:spLocks noGrp="1"/>
-          </p:cNvSpPr>
-          <p:nvPr>
-            <p:ph type="body" idx="1"/>
-          </p:nvPr>
-        </p:nvSpPr>
-        <p:spPr/>
-        <p:txBody>
-          <a:bodyPr/>
-          <a:lstStyle/>
-          <a:p>
-            <a:pPr>
-              <a:lnSpc>
-                <a:spcPct val="115000"/>
-              </a:lnSpc>
-              <a:spcAft>
-                <a:spcPts val="1057"/>
-              </a:spcAft>
-            </a:pPr>
-            <a:r>
-              <a:rPr lang="en-US" sz="1200" b="0" dirty="0">
-                <a:latin typeface="Segoe UI" panose="020B0502040204020203" pitchFamily="34" charset="0"/>
-                <a:ea typeface="Segoe UI" panose="020B0502040204020203" pitchFamily="34" charset="0"/>
-                <a:cs typeface="Segoe UI" panose="020B0502040204020203" pitchFamily="34" charset="0"/>
-              </a:rPr>
-              <a:t>Slide title: Compliance</a:t>
-            </a:r>
-          </a:p>
-          <a:p>
-            <a:pPr>
-              <a:lnSpc>
-                <a:spcPct val="115000"/>
-              </a:lnSpc>
-              <a:spcAft>
-                <a:spcPts val="1057"/>
-              </a:spcAft>
-            </a:pPr>
-            <a:r>
-              <a:rPr lang="en-US" sz="1200" b="0" dirty="0">
-                <a:latin typeface="Segoe UI" panose="020B0502040204020203" pitchFamily="34" charset="0"/>
-                <a:ea typeface="Segoe UI" panose="020B0502040204020203" pitchFamily="34" charset="0"/>
-                <a:cs typeface="Segoe UI" panose="020B0502040204020203" pitchFamily="34" charset="0"/>
-              </a:rPr>
-              <a:t>Slide objectives: Introduce the following section on compliance.</a:t>
-            </a:r>
-          </a:p>
-          <a:p>
-            <a:pPr>
-              <a:lnSpc>
-                <a:spcPct val="115000"/>
-              </a:lnSpc>
-              <a:spcAft>
-                <a:spcPts val="1057"/>
-              </a:spcAft>
-            </a:pPr>
-            <a:endParaRPr lang="en-US" sz="1200" b="0" dirty="0">
-              <a:latin typeface="Segoe UI" panose="020B0502040204020203" pitchFamily="34" charset="0"/>
-              <a:ea typeface="Segoe UI" panose="020B0502040204020203" pitchFamily="34" charset="0"/>
-              <a:cs typeface="Segoe UI" panose="020B0502040204020203" pitchFamily="34" charset="0"/>
-            </a:endParaRPr>
-          </a:p>
-          <a:p>
-            <a:pPr>
-              <a:lnSpc>
-                <a:spcPct val="115000"/>
-              </a:lnSpc>
-              <a:spcAft>
-                <a:spcPts val="1057"/>
-              </a:spcAft>
-            </a:pPr>
-            <a:r>
-              <a:rPr lang="en-US" sz="1200" b="0" dirty="0">
-                <a:latin typeface="Segoe UI" panose="020B0502040204020203" pitchFamily="34" charset="0"/>
-                <a:ea typeface="Segoe UI" panose="020B0502040204020203" pitchFamily="34" charset="0"/>
-                <a:cs typeface="Segoe UI" panose="020B0502040204020203" pitchFamily="34" charset="0"/>
-              </a:rPr>
-              <a:t>By providing customers with compliant, independently verified cloud services, Microsoft makes it easier for customers to achieve compliance for the infrastructure and applications they run in Azure. Microsoft provides Azure customers with detailed information about our security and compliance programs, including audit reports and compliance packages, to help customers assess our services against their own legal and regulatory requirements.</a:t>
-            </a:r>
-          </a:p>
-          <a:p>
-            <a:pPr>
-              <a:lnSpc>
-                <a:spcPct val="115000"/>
-              </a:lnSpc>
-              <a:spcAft>
-                <a:spcPts val="1057"/>
-              </a:spcAft>
-            </a:pPr>
-            <a:r>
-              <a:rPr lang="en-US" sz="1200" b="0" dirty="0">
-                <a:latin typeface="Segoe UI" panose="020B0502040204020203" pitchFamily="34" charset="0"/>
-                <a:ea typeface="Segoe UI" panose="020B0502040204020203" pitchFamily="34" charset="0"/>
-                <a:cs typeface="Segoe UI" panose="020B0502040204020203" pitchFamily="34" charset="0"/>
-              </a:rPr>
-              <a:t>In addition, Microsoft has developed an extensible compliance framework that enables it to design and build services using a single set of controls to speed up and simplify compliance across a diverse set of regulations and rapidly adapt to changes in the regulatory landscape.</a:t>
-            </a:r>
-            <a:endParaRPr lang="en-US" b="0" dirty="0"/>
-          </a:p>
-        </p:txBody>
-      </p:sp>
-      <p:sp>
-        <p:nvSpPr>
-          <p:cNvPr id="4" name="Slide Number Placeholder 3"/>
-          <p:cNvSpPr>
-            <a:spLocks noGrp="1"/>
-          </p:cNvSpPr>
-          <p:nvPr>
-            <p:ph type="sldNum" sz="quarter" idx="10"/>
-          </p:nvPr>
-        </p:nvSpPr>
-        <p:spPr/>
-        <p:txBody>
-          <a:bodyPr/>
-          <a:lstStyle/>
-          <a:p>
-            <a:fld id="{40B1AD7A-8DF3-4DCE-960D-1DF5B9856ADB}" type="slidenum">
-              <a:rPr lang="en-US" smtClean="0"/>
-              <a:t>28</a:t>
-            </a:fld>
-            <a:endParaRPr lang="en-US"/>
-          </a:p>
-        </p:txBody>
-      </p:sp>
-    </p:spTree>
-    <p:extLst>
-      <p:ext uri="{BB962C8B-B14F-4D97-AF65-F5344CB8AC3E}">
-        <p14:creationId xmlns:p14="http://schemas.microsoft.com/office/powerpoint/2010/main" val="16799971"/>
-      </p:ext>
-    </p:extLst>
-  </p:cSld>
-  <p:clrMapOvr>
-    <a:masterClrMapping/>
-  </p:clrMapOvr>
-</p:notes>
-</file>
-
-<file path=ppt/notesSlides/notesSlide27.xml><?xml version="1.0" encoding="utf-8"?>
-<p:notes xmlns:a="http://schemas.openxmlformats.org/drawingml/2006/main" xmlns:r="http://schemas.openxmlformats.org/officeDocument/2006/relationships" xmlns:p="http://schemas.openxmlformats.org/presentationml/2006/main">
-  <p:cSld>
-    <p:spTree>
-      <p:nvGrpSpPr>
-        <p:cNvPr id="1" name=""/>
-        <p:cNvGrpSpPr/>
-        <p:nvPr/>
-      </p:nvGrpSpPr>
-      <p:grpSpPr>
-        <a:xfrm>
-          <a:off x="0" y="0"/>
-          <a:ext cx="0" cy="0"/>
-          <a:chOff x="0" y="0"/>
-          <a:chExt cx="0" cy="0"/>
-        </a:xfrm>
-      </p:grpSpPr>
-      <p:sp>
-        <p:nvSpPr>
-          <p:cNvPr id="2" name="Slide Image Placeholder 1"/>
-          <p:cNvSpPr>
-            <a:spLocks noGrp="1" noRot="1" noChangeAspect="1"/>
-          </p:cNvSpPr>
-          <p:nvPr>
-            <p:ph type="sldImg"/>
-          </p:nvPr>
-        </p:nvSpPr>
-        <p:spPr/>
-      </p:sp>
-      <p:sp>
-        <p:nvSpPr>
-          <p:cNvPr id="3" name="Notes Placeholder 2"/>
-          <p:cNvSpPr>
-            <a:spLocks noGrp="1"/>
-          </p:cNvSpPr>
-          <p:nvPr>
-            <p:ph type="body" idx="1"/>
-          </p:nvPr>
-        </p:nvSpPr>
-        <p:spPr/>
-        <p:txBody>
-          <a:bodyPr/>
-          <a:lstStyle/>
-          <a:p>
-            <a:pPr>
-              <a:lnSpc>
-                <a:spcPct val="115000"/>
-              </a:lnSpc>
-              <a:spcAft>
-                <a:spcPts val="1057"/>
-              </a:spcAft>
-            </a:pPr>
-            <a:r>
-              <a:rPr lang="en-US" sz="1200" b="1" dirty="0">
-                <a:latin typeface="Segoe UI" panose="020B0502040204020203" pitchFamily="34" charset="0"/>
-                <a:ea typeface="Segoe UI" panose="020B0502040204020203" pitchFamily="34" charset="0"/>
-                <a:cs typeface="Segoe UI" panose="020B0502040204020203" pitchFamily="34" charset="0"/>
-              </a:rPr>
-              <a:t>Slide title: </a:t>
-            </a:r>
-            <a:r>
-              <a:rPr lang="en-US" sz="1200" dirty="0">
-                <a:latin typeface="Segoe UI" panose="020B0502040204020203" pitchFamily="34" charset="0"/>
-                <a:ea typeface="Segoe UI" panose="020B0502040204020203" pitchFamily="34" charset="0"/>
-                <a:cs typeface="Segoe UI" panose="020B0502040204020203" pitchFamily="34" charset="0"/>
-              </a:rPr>
-              <a:t>Trusted globally by leading companies</a:t>
-            </a:r>
-          </a:p>
-          <a:p>
-            <a:pPr>
-              <a:lnSpc>
-                <a:spcPct val="115000"/>
-              </a:lnSpc>
-              <a:spcAft>
-                <a:spcPts val="1057"/>
-              </a:spcAft>
-            </a:pPr>
-            <a:r>
-              <a:rPr lang="en-US" sz="1200" b="1" dirty="0">
-                <a:latin typeface="Segoe UI" panose="020B0502040204020203" pitchFamily="34" charset="0"/>
-                <a:ea typeface="Segoe UI" panose="020B0502040204020203" pitchFamily="34" charset="0"/>
-                <a:cs typeface="Segoe UI" panose="020B0502040204020203" pitchFamily="34" charset="0"/>
-              </a:rPr>
-              <a:t>Slide objectives: </a:t>
-            </a:r>
-            <a:r>
-              <a:rPr lang="en-US" sz="1200" dirty="0">
-                <a:latin typeface="Segoe UI" panose="020B0502040204020203" pitchFamily="34" charset="0"/>
-                <a:ea typeface="Segoe UI" panose="020B0502040204020203" pitchFamily="34" charset="0"/>
-                <a:cs typeface="Segoe UI" panose="020B0502040204020203" pitchFamily="34" charset="0"/>
-              </a:rPr>
-              <a:t>Demonstrate customer adoption momentum.</a:t>
-            </a:r>
-          </a:p>
-          <a:p>
-            <a:pPr>
-              <a:lnSpc>
-                <a:spcPct val="115000"/>
-              </a:lnSpc>
-              <a:spcAft>
-                <a:spcPts val="1057"/>
-              </a:spcAft>
-            </a:pPr>
-            <a:r>
-              <a:rPr lang="en-US" sz="1200" b="1" dirty="0">
-                <a:latin typeface="Segoe UI" panose="020B0502040204020203" pitchFamily="34" charset="0"/>
-                <a:ea typeface="Segoe UI" panose="020B0502040204020203" pitchFamily="34" charset="0"/>
-                <a:cs typeface="Segoe UI" panose="020B0502040204020203" pitchFamily="34" charset="0"/>
-              </a:rPr>
-              <a:t> </a:t>
-            </a:r>
-            <a:endParaRPr lang="en-US" sz="1200" dirty="0">
-              <a:latin typeface="Segoe UI" panose="020B0502040204020203" pitchFamily="34" charset="0"/>
-              <a:ea typeface="Segoe UI" panose="020B0502040204020203" pitchFamily="34" charset="0"/>
-              <a:cs typeface="Segoe UI" panose="020B0502040204020203" pitchFamily="34" charset="0"/>
-            </a:endParaRPr>
-          </a:p>
-          <a:p>
-            <a:pPr>
-              <a:lnSpc>
-                <a:spcPct val="115000"/>
-              </a:lnSpc>
-              <a:spcAft>
-                <a:spcPts val="1057"/>
-              </a:spcAft>
-            </a:pPr>
-            <a:r>
-              <a:rPr lang="en-US" sz="1200" b="1" dirty="0">
-                <a:latin typeface="Segoe UI" panose="020B0502040204020203" pitchFamily="34" charset="0"/>
-                <a:ea typeface="Segoe UI" panose="020B0502040204020203" pitchFamily="34" charset="0"/>
-                <a:cs typeface="Segoe UI" panose="020B0502040204020203" pitchFamily="34" charset="0"/>
-              </a:rPr>
-              <a:t>Slide script:</a:t>
-            </a:r>
-            <a:endParaRPr lang="en-US" sz="1200" dirty="0">
-              <a:latin typeface="Segoe UI" panose="020B0502040204020203" pitchFamily="34" charset="0"/>
-              <a:ea typeface="Segoe UI" panose="020B0502040204020203" pitchFamily="34" charset="0"/>
-              <a:cs typeface="Segoe UI" panose="020B0502040204020203" pitchFamily="34" charset="0"/>
-            </a:endParaRPr>
-          </a:p>
-          <a:p>
-            <a:pPr marL="181240" indent="-181240">
-              <a:lnSpc>
-                <a:spcPct val="115000"/>
-              </a:lnSpc>
-              <a:spcAft>
-                <a:spcPts val="1057"/>
-              </a:spcAft>
-              <a:buFont typeface="Arial" panose="020B0604020202020204" pitchFamily="34" charset="0"/>
-              <a:buChar char="•"/>
-            </a:pPr>
-            <a:r>
-              <a:rPr lang="en-US" sz="1200" dirty="0">
-                <a:latin typeface="Segoe UI" panose="020B0502040204020203" pitchFamily="34" charset="0"/>
-                <a:ea typeface="Segoe UI" panose="020B0502040204020203" pitchFamily="34" charset="0"/>
-                <a:cs typeface="Segoe UI" panose="020B0502040204020203" pitchFamily="34" charset="0"/>
-              </a:rPr>
-              <a:t>In fact – you saw a number of examples today of enterprises and organizations already benefiting from Azure. There are many, many more – this is a look at a small sampling.</a:t>
-            </a:r>
-          </a:p>
-          <a:p>
-            <a:pPr marL="181240" indent="-181240">
-              <a:lnSpc>
-                <a:spcPct val="115000"/>
-              </a:lnSpc>
-              <a:spcAft>
-                <a:spcPts val="1057"/>
-              </a:spcAft>
-              <a:buFont typeface="Arial" panose="020B0604020202020204" pitchFamily="34" charset="0"/>
-              <a:buChar char="•"/>
-            </a:pPr>
-            <a:r>
-              <a:rPr lang="en-US" sz="1200" dirty="0">
-                <a:latin typeface="Segoe UI" panose="020B0502040204020203" pitchFamily="34" charset="0"/>
-                <a:ea typeface="Segoe UI" panose="020B0502040204020203" pitchFamily="34" charset="0"/>
-                <a:cs typeface="Segoe UI" panose="020B0502040204020203" pitchFamily="34" charset="0"/>
-              </a:rPr>
-              <a:t>We’re excited to see how each of you will transform IT and your businesses by taking advantage of our investments and solutions that are bringing the Trusted Cloud to life.</a:t>
-            </a:r>
-            <a:endParaRPr lang="en-US" sz="1200" b="1" u="sng" dirty="0">
-              <a:latin typeface="Segoe UI" panose="020B0502040204020203" pitchFamily="34" charset="0"/>
-              <a:ea typeface="Segoe UI" panose="020B0502040204020203" pitchFamily="34" charset="0"/>
-              <a:cs typeface="Segoe UI" panose="020B0502040204020203" pitchFamily="34" charset="0"/>
-            </a:endParaRPr>
-          </a:p>
-          <a:p>
-            <a:endParaRPr lang="en-US" dirty="0"/>
-          </a:p>
-        </p:txBody>
-      </p:sp>
-      <p:sp>
-        <p:nvSpPr>
-          <p:cNvPr id="4" name="Slide Number Placeholder 3"/>
-          <p:cNvSpPr>
-            <a:spLocks noGrp="1"/>
-          </p:cNvSpPr>
-          <p:nvPr>
-            <p:ph type="sldNum" sz="quarter" idx="10"/>
-          </p:nvPr>
-        </p:nvSpPr>
-        <p:spPr/>
-        <p:txBody>
-          <a:bodyPr/>
-          <a:lstStyle/>
-          <a:p>
-            <a:fld id="{40B1AD7A-8DF3-4DCE-960D-1DF5B9856ADB}" type="slidenum">
-              <a:rPr lang="en-US" smtClean="0"/>
-              <a:t>29</a:t>
-            </a:fld>
-            <a:endParaRPr lang="en-US"/>
-          </a:p>
-        </p:txBody>
-      </p:sp>
-    </p:spTree>
-    <p:extLst>
-      <p:ext uri="{BB962C8B-B14F-4D97-AF65-F5344CB8AC3E}">
-        <p14:creationId xmlns:p14="http://schemas.microsoft.com/office/powerpoint/2010/main" val="1541728156"/>
       </p:ext>
     </p:extLst>
   </p:cSld>
@@ -9397,7 +8421,7 @@
           <a:p>
             <a:fld id="{C231919E-2B8B-4FFE-9C8D-70D5E78AA1C3}" type="datetimeFigureOut">
               <a:rPr lang="en-US" smtClean="0"/>
-              <a:t>6/17/2016</a:t>
+              <a:t>06/28/2016</a:t>
             </a:fld>
             <a:endParaRPr lang="en-US"/>
           </a:p>
@@ -12482,7 +11506,7 @@
 </file>
 
 <file path=ppt/slides/slide14.xml><?xml version="1.0" encoding="utf-8"?>
-<p:sld xmlns:a="http://schemas.openxmlformats.org/drawingml/2006/main" xmlns:r="http://schemas.openxmlformats.org/officeDocument/2006/relationships" xmlns:p="http://schemas.openxmlformats.org/presentationml/2006/main" show="0">
+<p:sld xmlns:a="http://schemas.openxmlformats.org/drawingml/2006/main" xmlns:r="http://schemas.openxmlformats.org/officeDocument/2006/relationships" xmlns:p="http://schemas.openxmlformats.org/presentationml/2006/main">
   <p:cSld>
     <p:spTree>
       <p:nvGrpSpPr>
@@ -12842,542 +11866,6 @@
       </p:grpSpPr>
       <p:sp>
         <p:nvSpPr>
-          <p:cNvPr id="3" name="Text Placeholder 2"/>
-          <p:cNvSpPr>
-            <a:spLocks noGrp="1"/>
-          </p:cNvSpPr>
-          <p:nvPr>
-            <p:ph type="body" sz="quarter" idx="10"/>
-          </p:nvPr>
-        </p:nvSpPr>
-        <p:spPr/>
-        <p:txBody>
-          <a:bodyPr/>
-          <a:lstStyle/>
-          <a:p>
-            <a:r>
-              <a:rPr lang="en-IN" spc="-100" dirty="0">
-                <a:gradFill>
-                  <a:gsLst>
-                    <a:gs pos="75912">
-                      <a:schemeClr val="tx1"/>
-                    </a:gs>
-                    <a:gs pos="34307">
-                      <a:schemeClr val="tx1"/>
-                    </a:gs>
-                    <a:gs pos="43000">
-                      <a:schemeClr val="tx1"/>
-                    </a:gs>
-                  </a:gsLst>
-                  <a:lin ang="5400000" scaled="0"/>
-                </a:gradFill>
-              </a:rPr>
-              <a:t>SQL Database V12 Security Enhancements</a:t>
-            </a:r>
-            <a:endParaRPr lang="en-US" dirty="0"/>
-          </a:p>
-        </p:txBody>
-      </p:sp>
-    </p:spTree>
-    <p:extLst>
-      <p:ext uri="{BB962C8B-B14F-4D97-AF65-F5344CB8AC3E}">
-        <p14:creationId xmlns:p14="http://schemas.microsoft.com/office/powerpoint/2010/main" val="2763531794"/>
-      </p:ext>
-    </p:extLst>
-  </p:cSld>
-  <p:clrMapOvr>
-    <a:masterClrMapping/>
-  </p:clrMapOvr>
-  <p:transition>
-    <p:fade/>
-  </p:transition>
-</p:sld>
-</file>
-
-<file path=ppt/slides/slide16.xml><?xml version="1.0" encoding="utf-8"?>
-<p:sld xmlns:a="http://schemas.openxmlformats.org/drawingml/2006/main" xmlns:r="http://schemas.openxmlformats.org/officeDocument/2006/relationships" xmlns:p="http://schemas.openxmlformats.org/presentationml/2006/main">
-  <p:cSld>
-    <p:spTree>
-      <p:nvGrpSpPr>
-        <p:cNvPr id="1" name=""/>
-        <p:cNvGrpSpPr/>
-        <p:nvPr/>
-      </p:nvGrpSpPr>
-      <p:grpSpPr>
-        <a:xfrm>
-          <a:off x="0" y="0"/>
-          <a:ext cx="0" cy="0"/>
-          <a:chOff x="0" y="0"/>
-          <a:chExt cx="0" cy="0"/>
-        </a:xfrm>
-      </p:grpSpPr>
-      <p:sp>
-        <p:nvSpPr>
-          <p:cNvPr id="4" name="Title 3"/>
-          <p:cNvSpPr>
-            <a:spLocks noGrp="1"/>
-          </p:cNvSpPr>
-          <p:nvPr>
-            <p:ph type="title"/>
-          </p:nvPr>
-        </p:nvSpPr>
-        <p:spPr/>
-        <p:txBody>
-          <a:bodyPr/>
-          <a:lstStyle/>
-          <a:p>
-            <a:r>
-              <a:rPr lang="en-US" dirty="0"/>
-              <a:t>Identity and Access</a:t>
-            </a:r>
-          </a:p>
-        </p:txBody>
-      </p:sp>
-    </p:spTree>
-    <p:extLst>
-      <p:ext uri="{BB962C8B-B14F-4D97-AF65-F5344CB8AC3E}">
-        <p14:creationId xmlns:p14="http://schemas.microsoft.com/office/powerpoint/2010/main" val="1097990072"/>
-      </p:ext>
-    </p:extLst>
-  </p:cSld>
-  <p:clrMapOvr>
-    <a:masterClrMapping/>
-  </p:clrMapOvr>
-  <p:transition>
-    <p:fade/>
-  </p:transition>
-</p:sld>
-</file>
-
-<file path=ppt/slides/slide17.xml><?xml version="1.0" encoding="utf-8"?>
-<p:sld xmlns:a="http://schemas.openxmlformats.org/drawingml/2006/main" xmlns:r="http://schemas.openxmlformats.org/officeDocument/2006/relationships" xmlns:p="http://schemas.openxmlformats.org/presentationml/2006/main">
-  <p:cSld>
-    <p:spTree>
-      <p:nvGrpSpPr>
-        <p:cNvPr id="1" name=""/>
-        <p:cNvGrpSpPr/>
-        <p:nvPr/>
-      </p:nvGrpSpPr>
-      <p:grpSpPr>
-        <a:xfrm>
-          <a:off x="0" y="0"/>
-          <a:ext cx="0" cy="0"/>
-          <a:chOff x="0" y="0"/>
-          <a:chExt cx="0" cy="0"/>
-        </a:xfrm>
-      </p:grpSpPr>
-      <p:sp>
-        <p:nvSpPr>
-          <p:cNvPr id="2" name="Title 1"/>
-          <p:cNvSpPr>
-            <a:spLocks noGrp="1"/>
-          </p:cNvSpPr>
-          <p:nvPr>
-            <p:ph type="title"/>
-          </p:nvPr>
-        </p:nvSpPr>
-        <p:spPr/>
-        <p:txBody>
-          <a:bodyPr/>
-          <a:lstStyle/>
-          <a:p>
-            <a:r>
-              <a:rPr lang="en-US" dirty="0"/>
-              <a:t>Identity and access control</a:t>
-            </a:r>
-          </a:p>
-        </p:txBody>
-      </p:sp>
-      <p:sp>
-        <p:nvSpPr>
-          <p:cNvPr id="3" name="Content Placeholder 2"/>
-          <p:cNvSpPr>
-            <a:spLocks noGrp="1"/>
-          </p:cNvSpPr>
-          <p:nvPr>
-            <p:ph sz="quarter" idx="10"/>
-          </p:nvPr>
-        </p:nvSpPr>
-        <p:spPr>
-          <a:xfrm>
-            <a:off x="268288" y="1398398"/>
-            <a:ext cx="5619893" cy="4836148"/>
-          </a:xfrm>
-        </p:spPr>
-        <p:txBody>
-          <a:bodyPr>
-            <a:normAutofit fontScale="77500" lnSpcReduction="20000"/>
-          </a:bodyPr>
-          <a:lstStyle/>
-          <a:p>
-            <a:pPr>
-              <a:lnSpc>
-                <a:spcPct val="100000"/>
-              </a:lnSpc>
-              <a:spcBef>
-                <a:spcPts val="0"/>
-              </a:spcBef>
-              <a:defRPr/>
-            </a:pPr>
-            <a:r>
-              <a:rPr lang="en-IN" dirty="0">
-                <a:solidFill>
-                  <a:srgbClr val="FFFFFF"/>
-                </a:solidFill>
-              </a:rPr>
-              <a:t>Enterprise cloud directory </a:t>
-            </a:r>
-          </a:p>
-          <a:p>
-            <a:pPr>
-              <a:lnSpc>
-                <a:spcPct val="100000"/>
-              </a:lnSpc>
-              <a:spcBef>
-                <a:spcPts val="0"/>
-              </a:spcBef>
-              <a:defRPr/>
-            </a:pPr>
-            <a:endParaRPr lang="en-US" dirty="0">
-              <a:solidFill>
-                <a:srgbClr val="FFFFFF"/>
-              </a:solidFill>
-            </a:endParaRPr>
-          </a:p>
-          <a:p>
-            <a:pPr>
-              <a:lnSpc>
-                <a:spcPct val="100000"/>
-              </a:lnSpc>
-              <a:spcBef>
-                <a:spcPts val="0"/>
-              </a:spcBef>
-              <a:defRPr/>
-            </a:pPr>
-            <a:r>
-              <a:rPr lang="en-US" dirty="0">
-                <a:solidFill>
-                  <a:srgbClr val="FFFFFF"/>
-                </a:solidFill>
-              </a:rPr>
-              <a:t>Multi-Factor Authentication (MFA)</a:t>
-            </a:r>
-          </a:p>
-          <a:p>
-            <a:pPr lvl="0">
-              <a:lnSpc>
-                <a:spcPct val="100000"/>
-              </a:lnSpc>
-              <a:spcBef>
-                <a:spcPts val="0"/>
-              </a:spcBef>
-              <a:defRPr/>
-            </a:pPr>
-            <a:endParaRPr lang="en-US" dirty="0">
-              <a:solidFill>
-                <a:srgbClr val="FFFFFF"/>
-              </a:solidFill>
-            </a:endParaRPr>
-          </a:p>
-          <a:p>
-            <a:pPr lvl="0">
-              <a:lnSpc>
-                <a:spcPct val="100000"/>
-              </a:lnSpc>
-              <a:spcBef>
-                <a:spcPts val="0"/>
-              </a:spcBef>
-              <a:defRPr/>
-            </a:pPr>
-            <a:r>
-              <a:rPr lang="en-US" dirty="0">
-                <a:solidFill>
-                  <a:srgbClr val="FFFFFF"/>
-                </a:solidFill>
-              </a:rPr>
-              <a:t>Access monitoring and logging</a:t>
-            </a:r>
-          </a:p>
-          <a:p>
-            <a:pPr lvl="0">
-              <a:lnSpc>
-                <a:spcPct val="100000"/>
-              </a:lnSpc>
-              <a:spcBef>
-                <a:spcPts val="0"/>
-              </a:spcBef>
-              <a:defRPr/>
-            </a:pPr>
-            <a:endParaRPr lang="en-US" dirty="0">
-              <a:solidFill>
-                <a:srgbClr val="FFFFFF"/>
-              </a:solidFill>
-            </a:endParaRPr>
-          </a:p>
-          <a:p>
-            <a:pPr>
-              <a:lnSpc>
-                <a:spcPct val="100000"/>
-              </a:lnSpc>
-              <a:spcBef>
-                <a:spcPts val="0"/>
-              </a:spcBef>
-              <a:defRPr/>
-            </a:pPr>
-            <a:r>
-              <a:rPr lang="en-US" dirty="0">
-                <a:solidFill>
-                  <a:srgbClr val="FFFFFF"/>
-                </a:solidFill>
-              </a:rPr>
-              <a:t>Single sign-on</a:t>
-            </a:r>
-          </a:p>
-          <a:p>
-            <a:pPr>
-              <a:lnSpc>
-                <a:spcPct val="100000"/>
-              </a:lnSpc>
-              <a:spcBef>
-                <a:spcPts val="0"/>
-              </a:spcBef>
-              <a:defRPr/>
-            </a:pPr>
-            <a:endParaRPr lang="en-US" dirty="0">
-              <a:solidFill>
-                <a:srgbClr val="FFFFFF"/>
-              </a:solidFill>
-            </a:endParaRPr>
-          </a:p>
-          <a:p>
-            <a:pPr>
-              <a:lnSpc>
-                <a:spcPct val="100000"/>
-              </a:lnSpc>
-              <a:spcBef>
-                <a:spcPts val="0"/>
-              </a:spcBef>
-              <a:defRPr/>
-            </a:pPr>
-            <a:r>
-              <a:rPr lang="en-US" dirty="0">
-                <a:solidFill>
-                  <a:srgbClr val="FFFFFF"/>
-                </a:solidFill>
-              </a:rPr>
-              <a:t>Integration with customer applications</a:t>
-            </a:r>
-            <a:endParaRPr lang="en-IN" sz="3600" dirty="0">
-              <a:solidFill>
-                <a:srgbClr val="FFFFFF"/>
-              </a:solidFill>
-            </a:endParaRPr>
-          </a:p>
-          <a:p>
-            <a:endParaRPr lang="en-US" dirty="0"/>
-          </a:p>
-        </p:txBody>
-      </p:sp>
-      <p:pic>
-        <p:nvPicPr>
-          <p:cNvPr id="1026" name="Picture 2" descr="Azure AD Connect Stack"/>
-          <p:cNvPicPr>
-            <a:picLocks noChangeAspect="1" noChangeArrowheads="1"/>
-          </p:cNvPicPr>
-          <p:nvPr/>
-        </p:nvPicPr>
-        <p:blipFill>
-          <a:blip r:embed="rId3">
-            <a:extLst>
-              <a:ext uri="{28A0092B-C50C-407E-A947-70E740481C1C}">
-                <a14:useLocalDpi xmlns:a14="http://schemas.microsoft.com/office/drawing/2010/main" val="0"/>
-              </a:ext>
-            </a:extLst>
-          </a:blip>
-          <a:srcRect/>
-          <a:stretch>
-            <a:fillRect/>
-          </a:stretch>
-        </p:blipFill>
-        <p:spPr bwMode="auto">
-          <a:xfrm>
-            <a:off x="5735782" y="1855644"/>
-            <a:ext cx="6289968" cy="3406745"/>
-          </a:xfrm>
-          <a:prstGeom prst="rect">
-            <a:avLst/>
-          </a:prstGeom>
-          <a:noFill/>
-          <a:extLst>
-            <a:ext uri="{909E8E84-426E-40DD-AFC4-6F175D3DCCD1}">
-              <a14:hiddenFill xmlns:a14="http://schemas.microsoft.com/office/drawing/2010/main">
-                <a:solidFill>
-                  <a:srgbClr val="FFFFFF"/>
-                </a:solidFill>
-              </a14:hiddenFill>
-            </a:ext>
-          </a:extLst>
-        </p:spPr>
-      </p:pic>
-    </p:spTree>
-    <p:extLst>
-      <p:ext uri="{BB962C8B-B14F-4D97-AF65-F5344CB8AC3E}">
-        <p14:creationId xmlns:p14="http://schemas.microsoft.com/office/powerpoint/2010/main" val="1477164021"/>
-      </p:ext>
-    </p:extLst>
-  </p:cSld>
-  <p:clrMapOvr>
-    <a:masterClrMapping/>
-  </p:clrMapOvr>
-  <p:transition>
-    <p:fade/>
-  </p:transition>
-  <p:timing>
-    <p:tnLst>
-      <p:par>
-        <p:cTn id="1" dur="indefinite" restart="never" nodeType="tmRoot">
-          <p:childTnLst>
-            <p:seq concurrent="1" nextAc="seek">
-              <p:cTn id="2" dur="indefinite" nodeType="mainSeq">
-                <p:childTnLst>
-                  <p:par>
-                    <p:cTn id="3" fill="hold">
-                      <p:stCondLst>
-                        <p:cond delay="indefinite"/>
-                        <p:cond evt="onBegin" delay="0">
-                          <p:tn val="2"/>
-                        </p:cond>
-                      </p:stCondLst>
-                      <p:childTnLst>
-                        <p:par>
-                          <p:cTn id="4" fill="hold">
-                            <p:stCondLst>
-                              <p:cond delay="0"/>
-                            </p:stCondLst>
-                            <p:childTnLst>
-                              <p:par>
-                                <p:cTn id="5" presetID="2" presetClass="entr" presetSubtype="2" fill="hold" nodeType="withEffect">
-                                  <p:stCondLst>
-                                    <p:cond delay="0"/>
-                                  </p:stCondLst>
-                                  <p:childTnLst>
-                                    <p:set>
-                                      <p:cBhvr>
-                                        <p:cTn id="6" dur="1" fill="hold">
-                                          <p:stCondLst>
-                                            <p:cond delay="0"/>
-                                          </p:stCondLst>
-                                        </p:cTn>
-                                        <p:tgtEl>
-                                          <p:spTgt spid="1026"/>
-                                        </p:tgtEl>
-                                        <p:attrNameLst>
-                                          <p:attrName>style.visibility</p:attrName>
-                                        </p:attrNameLst>
-                                      </p:cBhvr>
-                                      <p:to>
-                                        <p:strVal val="visible"/>
-                                      </p:to>
-                                    </p:set>
-                                    <p:anim calcmode="lin" valueType="num">
-                                      <p:cBhvr additive="base">
-                                        <p:cTn id="7" dur="500" fill="hold"/>
-                                        <p:tgtEl>
-                                          <p:spTgt spid="1026"/>
-                                        </p:tgtEl>
-                                        <p:attrNameLst>
-                                          <p:attrName>ppt_x</p:attrName>
-                                        </p:attrNameLst>
-                                      </p:cBhvr>
-                                      <p:tavLst>
-                                        <p:tav tm="0">
-                                          <p:val>
-                                            <p:strVal val="1+#ppt_w/2"/>
-                                          </p:val>
-                                        </p:tav>
-                                        <p:tav tm="100000">
-                                          <p:val>
-                                            <p:strVal val="#ppt_x"/>
-                                          </p:val>
-                                        </p:tav>
-                                      </p:tavLst>
-                                    </p:anim>
-                                    <p:anim calcmode="lin" valueType="num">
-                                      <p:cBhvr additive="base">
-                                        <p:cTn id="8" dur="500" fill="hold"/>
-                                        <p:tgtEl>
-                                          <p:spTgt spid="1026"/>
-                                        </p:tgtEl>
-                                        <p:attrNameLst>
-                                          <p:attrName>ppt_y</p:attrName>
-                                        </p:attrNameLst>
-                                      </p:cBhvr>
-                                      <p:tavLst>
-                                        <p:tav tm="0">
-                                          <p:val>
-                                            <p:strVal val="#ppt_y"/>
-                                          </p:val>
-                                        </p:tav>
-                                        <p:tav tm="100000">
-                                          <p:val>
-                                            <p:strVal val="#ppt_y"/>
-                                          </p:val>
-                                        </p:tav>
-                                      </p:tavLst>
-                                    </p:anim>
-                                  </p:childTnLst>
-                                </p:cTn>
-                              </p:par>
-                            </p:childTnLst>
-                          </p:cTn>
-                        </p:par>
-                      </p:childTnLst>
-                    </p:cTn>
-                  </p:par>
-                </p:childTnLst>
-              </p:cTn>
-              <p:prevCondLst>
-                <p:cond evt="onPrev" delay="0">
-                  <p:tgtEl>
-                    <p:sldTgt/>
-                  </p:tgtEl>
-                </p:cond>
-              </p:prevCondLst>
-              <p:nextCondLst>
-                <p:cond evt="onNext" delay="0">
-                  <p:tgtEl>
-                    <p:sldTgt/>
-                  </p:tgtEl>
-                </p:cond>
-              </p:nextCondLst>
-            </p:seq>
-          </p:childTnLst>
-        </p:cTn>
-      </p:par>
-    </p:tnLst>
-  </p:timing>
-</p:sld>
-</file>
-
-<file path=ppt/slides/slide18.xml><?xml version="1.0" encoding="utf-8"?>
-<p:sld xmlns:a="http://schemas.openxmlformats.org/drawingml/2006/main" xmlns:r="http://schemas.openxmlformats.org/officeDocument/2006/relationships" xmlns:p="http://schemas.openxmlformats.org/presentationml/2006/main">
-  <p:cSld>
-    <p:spTree>
-      <p:nvGrpSpPr>
-        <p:cNvPr id="1" name=""/>
-        <p:cNvGrpSpPr/>
-        <p:nvPr/>
-      </p:nvGrpSpPr>
-      <p:grpSpPr>
-        <a:xfrm>
-          <a:off x="0" y="0"/>
-          <a:ext cx="0" cy="0"/>
-          <a:chOff x="0" y="0"/>
-          <a:chExt cx="0" cy="0"/>
-        </a:xfrm>
-      </p:grpSpPr>
-      <p:sp>
-        <p:nvSpPr>
           <p:cNvPr id="3" name="Title 2"/>
           <p:cNvSpPr>
             <a:spLocks noGrp="1"/>
@@ -13590,7 +12078,7 @@
 </p:sld>
 </file>
 
-<file path=ppt/slides/slide19.xml><?xml version="1.0" encoding="utf-8"?>
+<file path=ppt/slides/slide16.xml><?xml version="1.0" encoding="utf-8"?>
 <p:sld xmlns:a="http://schemas.openxmlformats.org/drawingml/2006/main" xmlns:r="http://schemas.openxmlformats.org/officeDocument/2006/relationships" xmlns:p="http://schemas.openxmlformats.org/presentationml/2006/main">
   <p:cSld>
     <p:spTree>
@@ -13617,22 +12105,81 @@
             <p:ph type="body" sz="quarter" idx="10"/>
           </p:nvPr>
         </p:nvSpPr>
-        <p:spPr/>
+        <p:spPr>
+          <a:xfrm>
+            <a:off x="475025" y="4533945"/>
+            <a:ext cx="11240393" cy="683264"/>
+          </a:xfrm>
+        </p:spPr>
         <p:txBody>
           <a:bodyPr/>
           <a:lstStyle/>
           <a:p>
             <a:r>
-              <a:rPr lang="en-US" dirty="0"/>
-              <a:t>Azure Security Center</a:t>
-            </a:r>
+              <a:rPr lang="en-IN" spc="-100" dirty="0">
+                <a:gradFill>
+                  <a:gsLst>
+                    <a:gs pos="75912">
+                      <a:schemeClr val="tx1"/>
+                    </a:gs>
+                    <a:gs pos="34307">
+                      <a:schemeClr val="tx1"/>
+                    </a:gs>
+                    <a:gs pos="43000">
+                      <a:schemeClr val="tx1"/>
+                    </a:gs>
+                  </a:gsLst>
+                  <a:lin ang="5400000" scaled="0"/>
+                </a:gradFill>
+              </a:rPr>
+              <a:t>Security Center and </a:t>
+            </a:r>
+            <a:r>
+              <a:rPr lang="en-IN" spc="-100">
+                <a:gradFill>
+                  <a:gsLst>
+                    <a:gs pos="75912">
+                      <a:schemeClr val="tx1"/>
+                    </a:gs>
+                    <a:gs pos="34307">
+                      <a:schemeClr val="tx1"/>
+                    </a:gs>
+                    <a:gs pos="43000">
+                      <a:schemeClr val="tx1"/>
+                    </a:gs>
+                  </a:gsLst>
+                  <a:lin ang="5400000" scaled="0"/>
+                </a:gradFill>
+              </a:rPr>
+              <a:t>SQL DB V12 </a:t>
+            </a:r>
+            <a:r>
+              <a:rPr lang="en-IN" spc="-100" dirty="0">
+                <a:gradFill>
+                  <a:gsLst>
+                    <a:gs pos="75912">
+                      <a:schemeClr val="tx1"/>
+                    </a:gs>
+                    <a:gs pos="34307">
+                      <a:schemeClr val="tx1"/>
+                    </a:gs>
+                    <a:gs pos="43000">
+                      <a:schemeClr val="tx1"/>
+                    </a:gs>
+                  </a:gsLst>
+                  <a:lin ang="5400000" scaled="0"/>
+                </a:gradFill>
+              </a:rPr>
+              <a:t>Security Enhancements</a:t>
+            </a:r>
+            <a:endParaRPr lang="en-US" dirty="0"/>
           </a:p>
         </p:txBody>
       </p:sp>
     </p:spTree>
     <p:extLst>
       <p:ext uri="{BB962C8B-B14F-4D97-AF65-F5344CB8AC3E}">
-        <p14:creationId xmlns:p14="http://schemas.microsoft.com/office/powerpoint/2010/main" val="757297231"/>
+        <p14:creationId xmlns:p14="http://schemas.microsoft.com/office/powerpoint/2010/main" val="2257027606"/>
       </p:ext>
     </p:extLst>
   </p:cSld>
@@ -13645,143 +12192,7 @@
 </p:sld>
 </file>
 
-<file path=ppt/slides/slide2.xml><?xml version="1.0" encoding="utf-8"?>
-<p:sld xmlns:a="http://schemas.openxmlformats.org/drawingml/2006/main" xmlns:r="http://schemas.openxmlformats.org/officeDocument/2006/relationships" xmlns:p="http://schemas.openxmlformats.org/presentationml/2006/main">
-  <p:cSld>
-    <p:spTree>
-      <p:nvGrpSpPr>
-        <p:cNvPr id="1" name=""/>
-        <p:cNvGrpSpPr/>
-        <p:nvPr/>
-      </p:nvGrpSpPr>
-      <p:grpSpPr>
-        <a:xfrm>
-          <a:off x="0" y="0"/>
-          <a:ext cx="0" cy="0"/>
-          <a:chOff x="0" y="0"/>
-          <a:chExt cx="0" cy="0"/>
-        </a:xfrm>
-      </p:grpSpPr>
-      <p:sp>
-        <p:nvSpPr>
-          <p:cNvPr id="3" name="Title 2"/>
-          <p:cNvSpPr>
-            <a:spLocks noGrp="1"/>
-          </p:cNvSpPr>
-          <p:nvPr>
-            <p:ph type="title"/>
-          </p:nvPr>
-        </p:nvSpPr>
-        <p:spPr/>
-        <p:txBody>
-          <a:bodyPr/>
-          <a:lstStyle/>
-          <a:p>
-            <a:r>
-              <a:rPr lang="en-US" dirty="0"/>
-              <a:t>Common questions customers ask</a:t>
-            </a:r>
-          </a:p>
-        </p:txBody>
-      </p:sp>
-      <p:sp>
-        <p:nvSpPr>
-          <p:cNvPr id="4" name="Content Placeholder 3"/>
-          <p:cNvSpPr>
-            <a:spLocks noGrp="1"/>
-          </p:cNvSpPr>
-          <p:nvPr>
-            <p:ph sz="quarter" idx="10"/>
-          </p:nvPr>
-        </p:nvSpPr>
-        <p:spPr/>
-        <p:txBody>
-          <a:bodyPr>
-            <a:normAutofit fontScale="77500" lnSpcReduction="20000"/>
-          </a:bodyPr>
-          <a:lstStyle/>
-          <a:p>
-            <a:pPr lvl="0"/>
-            <a:r>
-              <a:rPr lang="en-IN" dirty="0"/>
-              <a:t>Can the cloud be more secure than on premises?</a:t>
-            </a:r>
-          </a:p>
-          <a:p>
-            <a:pPr lvl="0"/>
-            <a:endParaRPr lang="en-IN" kern="0" dirty="0">
-              <a:solidFill>
-                <a:srgbClr val="FFFFFF"/>
-              </a:solidFill>
-            </a:endParaRPr>
-          </a:p>
-          <a:p>
-            <a:r>
-              <a:rPr lang="en-IN" dirty="0"/>
-              <a:t>What technical and operation safeguards are in place?</a:t>
-            </a:r>
-          </a:p>
-          <a:p>
-            <a:endParaRPr lang="en-IN" dirty="0"/>
-          </a:p>
-          <a:p>
-            <a:r>
-              <a:rPr lang="en-IN" dirty="0"/>
-              <a:t>Where is my data and who can access it?</a:t>
-            </a:r>
-          </a:p>
-          <a:p>
-            <a:endParaRPr lang="en-IN" dirty="0"/>
-          </a:p>
-          <a:p>
-            <a:r>
-              <a:rPr lang="en-US" dirty="0"/>
-              <a:t>What can I do to ensure the security of my cloud deployments?</a:t>
-            </a:r>
-          </a:p>
-          <a:p>
-            <a:endParaRPr lang="en-US" dirty="0"/>
-          </a:p>
-          <a:p>
-            <a:r>
-              <a:rPr lang="en-IN" dirty="0"/>
-              <a:t>How do I meet my compliance obligations?</a:t>
-            </a:r>
-            <a:endParaRPr lang="en-US" dirty="0"/>
-          </a:p>
-          <a:p>
-            <a:endParaRPr lang="en-US" dirty="0"/>
-          </a:p>
-          <a:p>
-            <a:pPr lvl="0"/>
-            <a:endParaRPr lang="en-US" kern="0" dirty="0">
-              <a:solidFill>
-                <a:srgbClr val="FFFFFF"/>
-              </a:solidFill>
-            </a:endParaRPr>
-          </a:p>
-          <a:p>
-            <a:endParaRPr lang="en-US" dirty="0"/>
-          </a:p>
-        </p:txBody>
-      </p:sp>
-    </p:spTree>
-    <p:extLst>
-      <p:ext uri="{BB962C8B-B14F-4D97-AF65-F5344CB8AC3E}">
-        <p14:creationId xmlns:p14="http://schemas.microsoft.com/office/powerpoint/2010/main" val="4216191268"/>
-      </p:ext>
-    </p:extLst>
-  </p:cSld>
-  <p:clrMapOvr>
-    <a:masterClrMapping/>
-  </p:clrMapOvr>
-  <p:transition>
-    <p:fade/>
-  </p:transition>
-</p:sld>
-</file>
-
-<file path=ppt/slides/slide20.xml><?xml version="1.0" encoding="utf-8"?>
+<file path=ppt/slides/slide17.xml><?xml version="1.0" encoding="utf-8"?>
 <p:sld xmlns:a="http://schemas.openxmlformats.org/drawingml/2006/main" xmlns:r="http://schemas.openxmlformats.org/officeDocument/2006/relationships" xmlns:p="http://schemas.openxmlformats.org/presentationml/2006/main">
   <p:cSld>
     <p:spTree>
@@ -13838,7 +12249,7 @@
 </p:sld>
 </file>
 
-<file path=ppt/slides/slide21.xml><?xml version="1.0" encoding="utf-8"?>
+<file path=ppt/slides/slide18.xml><?xml version="1.0" encoding="utf-8"?>
 <p:sld xmlns:a="http://schemas.openxmlformats.org/drawingml/2006/main" xmlns:r="http://schemas.openxmlformats.org/officeDocument/2006/relationships" xmlns:p="http://schemas.openxmlformats.org/presentationml/2006/main">
   <p:cSld>
     <p:spTree>
@@ -25958,7 +24369,63 @@
 </p:sld>
 </file>
 
-<file path=ppt/slides/slide22.xml><?xml version="1.0" encoding="utf-8"?>
+<file path=ppt/slides/slide19.xml><?xml version="1.0" encoding="utf-8"?>
+<p:sld xmlns:a="http://schemas.openxmlformats.org/drawingml/2006/main" xmlns:r="http://schemas.openxmlformats.org/officeDocument/2006/relationships" xmlns:p="http://schemas.openxmlformats.org/presentationml/2006/main">
+  <p:cSld>
+    <p:spTree>
+      <p:nvGrpSpPr>
+        <p:cNvPr id="1" name=""/>
+        <p:cNvGrpSpPr/>
+        <p:nvPr/>
+      </p:nvGrpSpPr>
+      <p:grpSpPr>
+        <a:xfrm>
+          <a:off x="0" y="0"/>
+          <a:ext cx="0" cy="0"/>
+          <a:chOff x="0" y="0"/>
+          <a:chExt cx="0" cy="0"/>
+        </a:xfrm>
+      </p:grpSpPr>
+      <p:sp>
+        <p:nvSpPr>
+          <p:cNvPr id="3" name="Text Placeholder 2"/>
+          <p:cNvSpPr>
+            <a:spLocks noGrp="1"/>
+          </p:cNvSpPr>
+          <p:nvPr>
+            <p:ph type="body" sz="quarter" idx="10"/>
+          </p:nvPr>
+        </p:nvSpPr>
+        <p:spPr/>
+        <p:txBody>
+          <a:bodyPr/>
+          <a:lstStyle/>
+          <a:p>
+            <a:r>
+              <a:rPr lang="en-US"/>
+              <a:t>Trust Center</a:t>
+            </a:r>
+            <a:endParaRPr lang="en-US" dirty="0"/>
+          </a:p>
+        </p:txBody>
+      </p:sp>
+    </p:spTree>
+    <p:extLst>
+      <p:ext uri="{BB962C8B-B14F-4D97-AF65-F5344CB8AC3E}">
+        <p14:creationId xmlns:p14="http://schemas.microsoft.com/office/powerpoint/2010/main" val="2805054138"/>
+      </p:ext>
+    </p:extLst>
+  </p:cSld>
+  <p:clrMapOvr>
+    <a:masterClrMapping/>
+  </p:clrMapOvr>
+  <p:transition>
+    <p:fade/>
+  </p:transition>
+</p:sld>
+</file>
+
+<file path=ppt/slides/slide2.xml><?xml version="1.0" encoding="utf-8"?>
 <p:sld xmlns:a="http://schemas.openxmlformats.org/drawingml/2006/main" xmlns:r="http://schemas.openxmlformats.org/officeDocument/2006/relationships" xmlns:p="http://schemas.openxmlformats.org/presentationml/2006/main">
   <p:cSld>
     <p:spTree>
@@ -25992,6 +24459,142 @@
           <a:p>
             <a:r>
               <a:rPr lang="en-US" dirty="0"/>
+              <a:t>Common questions customers ask</a:t>
+            </a:r>
+          </a:p>
+        </p:txBody>
+      </p:sp>
+      <p:sp>
+        <p:nvSpPr>
+          <p:cNvPr id="4" name="Content Placeholder 3"/>
+          <p:cNvSpPr>
+            <a:spLocks noGrp="1"/>
+          </p:cNvSpPr>
+          <p:nvPr>
+            <p:ph sz="quarter" idx="10"/>
+          </p:nvPr>
+        </p:nvSpPr>
+        <p:spPr/>
+        <p:txBody>
+          <a:bodyPr>
+            <a:normAutofit fontScale="77500" lnSpcReduction="20000"/>
+          </a:bodyPr>
+          <a:lstStyle/>
+          <a:p>
+            <a:pPr lvl="0"/>
+            <a:r>
+              <a:rPr lang="en-IN" dirty="0"/>
+              <a:t>Can the cloud be more secure than on premises?</a:t>
+            </a:r>
+          </a:p>
+          <a:p>
+            <a:pPr lvl="0"/>
+            <a:endParaRPr lang="en-IN" kern="0" dirty="0">
+              <a:solidFill>
+                <a:srgbClr val="FFFFFF"/>
+              </a:solidFill>
+            </a:endParaRPr>
+          </a:p>
+          <a:p>
+            <a:r>
+              <a:rPr lang="en-IN" dirty="0"/>
+              <a:t>What technical and operation safeguards are in place?</a:t>
+            </a:r>
+          </a:p>
+          <a:p>
+            <a:endParaRPr lang="en-IN" dirty="0"/>
+          </a:p>
+          <a:p>
+            <a:r>
+              <a:rPr lang="en-IN" dirty="0"/>
+              <a:t>Where is my data and who can access it?</a:t>
+            </a:r>
+          </a:p>
+          <a:p>
+            <a:endParaRPr lang="en-IN" dirty="0"/>
+          </a:p>
+          <a:p>
+            <a:r>
+              <a:rPr lang="en-US" dirty="0"/>
+              <a:t>What can I do to ensure the security of my cloud deployments?</a:t>
+            </a:r>
+          </a:p>
+          <a:p>
+            <a:endParaRPr lang="en-US" dirty="0"/>
+          </a:p>
+          <a:p>
+            <a:r>
+              <a:rPr lang="en-IN" dirty="0"/>
+              <a:t>How do I meet my compliance obligations?</a:t>
+            </a:r>
+            <a:endParaRPr lang="en-US" dirty="0"/>
+          </a:p>
+          <a:p>
+            <a:endParaRPr lang="en-US" dirty="0"/>
+          </a:p>
+          <a:p>
+            <a:pPr lvl="0"/>
+            <a:endParaRPr lang="en-US" kern="0" dirty="0">
+              <a:solidFill>
+                <a:srgbClr val="FFFFFF"/>
+              </a:solidFill>
+            </a:endParaRPr>
+          </a:p>
+          <a:p>
+            <a:endParaRPr lang="en-US" dirty="0"/>
+          </a:p>
+        </p:txBody>
+      </p:sp>
+    </p:spTree>
+    <p:extLst>
+      <p:ext uri="{BB962C8B-B14F-4D97-AF65-F5344CB8AC3E}">
+        <p14:creationId xmlns:p14="http://schemas.microsoft.com/office/powerpoint/2010/main" val="4216191268"/>
+      </p:ext>
+    </p:extLst>
+  </p:cSld>
+  <p:clrMapOvr>
+    <a:masterClrMapping/>
+  </p:clrMapOvr>
+  <p:transition>
+    <p:fade/>
+  </p:transition>
+</p:sld>
+</file>
+
+<file path=ppt/slides/slide20.xml><?xml version="1.0" encoding="utf-8"?>
+<p:sld xmlns:a="http://schemas.openxmlformats.org/drawingml/2006/main" xmlns:r="http://schemas.openxmlformats.org/officeDocument/2006/relationships" xmlns:p="http://schemas.openxmlformats.org/presentationml/2006/main">
+  <p:cSld>
+    <p:spTree>
+      <p:nvGrpSpPr>
+        <p:cNvPr id="1" name=""/>
+        <p:cNvGrpSpPr/>
+        <p:nvPr/>
+      </p:nvGrpSpPr>
+      <p:grpSpPr>
+        <a:xfrm>
+          <a:off x="0" y="0"/>
+          <a:ext cx="0" cy="0"/>
+          <a:chOff x="0" y="0"/>
+          <a:chExt cx="0" cy="0"/>
+        </a:xfrm>
+      </p:grpSpPr>
+      <p:sp>
+        <p:nvSpPr>
+          <p:cNvPr id="3" name="Title 2"/>
+          <p:cNvSpPr>
+            <a:spLocks noGrp="1"/>
+          </p:cNvSpPr>
+          <p:nvPr>
+            <p:ph type="title"/>
+          </p:nvPr>
+        </p:nvSpPr>
+        <p:spPr/>
+        <p:txBody>
+          <a:bodyPr/>
+          <a:lstStyle/>
+          <a:p>
+            <a:r>
+              <a:rPr lang="en-US" dirty="0"/>
               <a:t>Contractual commitments</a:t>
             </a:r>
           </a:p>
@@ -26067,6 +24670,280 @@
     <p:extLst>
       <p:ext uri="{BB962C8B-B14F-4D97-AF65-F5344CB8AC3E}">
         <p14:creationId xmlns:p14="http://schemas.microsoft.com/office/powerpoint/2010/main" val="2011960305"/>
+      </p:ext>
+    </p:extLst>
+  </p:cSld>
+  <p:clrMapOvr>
+    <a:masterClrMapping/>
+  </p:clrMapOvr>
+  <p:transition>
+    <p:fade/>
+  </p:transition>
+</p:sld>
+</file>
+
+<file path=ppt/slides/slide21.xml><?xml version="1.0" encoding="utf-8"?>
+<p:sld xmlns:a="http://schemas.openxmlformats.org/drawingml/2006/main" xmlns:r="http://schemas.openxmlformats.org/officeDocument/2006/relationships" xmlns:p="http://schemas.openxmlformats.org/presentationml/2006/main">
+  <p:cSld>
+    <p:spTree>
+      <p:nvGrpSpPr>
+        <p:cNvPr id="1" name=""/>
+        <p:cNvGrpSpPr/>
+        <p:nvPr/>
+      </p:nvGrpSpPr>
+      <p:grpSpPr>
+        <a:xfrm>
+          <a:off x="0" y="0"/>
+          <a:ext cx="0" cy="0"/>
+          <a:chOff x="0" y="0"/>
+          <a:chExt cx="0" cy="0"/>
+        </a:xfrm>
+      </p:grpSpPr>
+      <p:sp>
+        <p:nvSpPr>
+          <p:cNvPr id="3" name="Title 2"/>
+          <p:cNvSpPr>
+            <a:spLocks noGrp="1"/>
+          </p:cNvSpPr>
+          <p:nvPr>
+            <p:ph type="title"/>
+          </p:nvPr>
+        </p:nvSpPr>
+        <p:spPr/>
+        <p:txBody>
+          <a:bodyPr/>
+          <a:lstStyle/>
+          <a:p>
+            <a:r>
+              <a:rPr lang="en-US" dirty="0"/>
+              <a:t>Data storage and use</a:t>
+            </a:r>
+          </a:p>
+        </p:txBody>
+      </p:sp>
+      <p:sp>
+        <p:nvSpPr>
+          <p:cNvPr id="4" name="Content Placeholder 3"/>
+          <p:cNvSpPr>
+            <a:spLocks noGrp="1"/>
+          </p:cNvSpPr>
+          <p:nvPr>
+            <p:ph sz="quarter" idx="10"/>
+          </p:nvPr>
+        </p:nvSpPr>
+        <p:spPr/>
+        <p:txBody>
+          <a:bodyPr>
+            <a:normAutofit fontScale="85000" lnSpcReduction="20000"/>
+          </a:bodyPr>
+          <a:lstStyle/>
+          <a:p>
+            <a:pPr marL="342900" indent="-342900">
+              <a:spcAft>
+                <a:spcPts val="600"/>
+              </a:spcAft>
+            </a:pPr>
+            <a:r>
+              <a:rPr lang="en-IN" kern="0" dirty="0">
+                <a:solidFill>
+                  <a:srgbClr val="FFFFFF"/>
+                </a:solidFill>
+                <a:ea typeface="Segoe UI" pitchFamily="34" charset="0"/>
+              </a:rPr>
+              <a:t>Customers control where Customer Data is stored</a:t>
+            </a:r>
+          </a:p>
+          <a:p>
+            <a:pPr marL="342900" indent="-342900">
+              <a:spcAft>
+                <a:spcPts val="600"/>
+              </a:spcAft>
+            </a:pPr>
+            <a:endParaRPr lang="en-IN" kern="0" dirty="0">
+              <a:solidFill>
+                <a:srgbClr val="FFFFFF"/>
+              </a:solidFill>
+              <a:ea typeface="Segoe UI" pitchFamily="34" charset="0"/>
+            </a:endParaRPr>
+          </a:p>
+          <a:p>
+            <a:pPr marL="342900" lvl="0" indent="-342900">
+              <a:spcAft>
+                <a:spcPts val="600"/>
+              </a:spcAft>
+            </a:pPr>
+            <a:r>
+              <a:rPr lang="en-IN" kern="0" dirty="0">
+                <a:solidFill>
+                  <a:srgbClr val="FFFFFF"/>
+                </a:solidFill>
+                <a:ea typeface="Segoe UI" pitchFamily="34" charset="0"/>
+              </a:rPr>
+              <a:t>Microsoft doesn’t use Customer Data for advertising or mine it for marketing</a:t>
+            </a:r>
+          </a:p>
+          <a:p>
+            <a:pPr marL="342900" lvl="0" indent="-342900">
+              <a:spcAft>
+                <a:spcPts val="600"/>
+              </a:spcAft>
+            </a:pPr>
+            <a:endParaRPr lang="en-IN" sz="3200" kern="0" dirty="0">
+              <a:solidFill>
+                <a:srgbClr val="FFFFFF"/>
+              </a:solidFill>
+              <a:ea typeface="Segoe UI" pitchFamily="34" charset="0"/>
+            </a:endParaRPr>
+          </a:p>
+          <a:p>
+            <a:pPr marL="342900" lvl="0" indent="-342900">
+              <a:spcAft>
+                <a:spcPts val="600"/>
+              </a:spcAft>
+            </a:pPr>
+            <a:r>
+              <a:rPr lang="en-IN" kern="0" dirty="0">
+                <a:solidFill>
+                  <a:srgbClr val="FFFFFF"/>
+                </a:solidFill>
+                <a:ea typeface="Segoe UI" pitchFamily="34" charset="0"/>
+              </a:rPr>
+              <a:t>Microsoft uses Customer Data only to provide the services</a:t>
+            </a:r>
+          </a:p>
+          <a:p>
+            <a:pPr marL="342900" lvl="0" indent="-342900">
+              <a:spcAft>
+                <a:spcPts val="600"/>
+              </a:spcAft>
+            </a:pPr>
+            <a:endParaRPr lang="en-IN" sz="3200" kern="0" dirty="0">
+              <a:solidFill>
+                <a:srgbClr val="FFFFFF"/>
+              </a:solidFill>
+              <a:ea typeface="Segoe UI" pitchFamily="34" charset="0"/>
+            </a:endParaRPr>
+          </a:p>
+          <a:p>
+            <a:pPr marL="342900" lvl="0" indent="-342900">
+              <a:spcAft>
+                <a:spcPts val="600"/>
+              </a:spcAft>
+            </a:pPr>
+            <a:r>
+              <a:rPr lang="en-IN" kern="0" dirty="0">
+                <a:solidFill>
+                  <a:srgbClr val="FFFFFF"/>
+                </a:solidFill>
+                <a:ea typeface="Segoe UI" pitchFamily="34" charset="0"/>
+              </a:rPr>
+              <a:t>Customers may delete Customer Data or leave the service at any time</a:t>
+            </a:r>
+          </a:p>
+          <a:p>
+            <a:endParaRPr lang="en-US" dirty="0"/>
+          </a:p>
+        </p:txBody>
+      </p:sp>
+    </p:spTree>
+    <p:extLst>
+      <p:ext uri="{BB962C8B-B14F-4D97-AF65-F5344CB8AC3E}">
+        <p14:creationId xmlns:p14="http://schemas.microsoft.com/office/powerpoint/2010/main" val="3464381918"/>
+      </p:ext>
+    </p:extLst>
+  </p:cSld>
+  <p:clrMapOvr>
+    <a:masterClrMapping/>
+  </p:clrMapOvr>
+  <p:transition>
+    <p:fade/>
+  </p:transition>
+</p:sld>
+</file>
+
+<file path=ppt/slides/slide22.xml><?xml version="1.0" encoding="utf-8"?>
+<p:sld xmlns:a="http://schemas.openxmlformats.org/drawingml/2006/main" xmlns:r="http://schemas.openxmlformats.org/officeDocument/2006/relationships" xmlns:p="http://schemas.openxmlformats.org/presentationml/2006/main">
+  <p:cSld>
+    <p:spTree>
+      <p:nvGrpSpPr>
+        <p:cNvPr id="1" name=""/>
+        <p:cNvGrpSpPr/>
+        <p:nvPr/>
+      </p:nvGrpSpPr>
+      <p:grpSpPr>
+        <a:xfrm>
+          <a:off x="0" y="0"/>
+          <a:ext cx="0" cy="0"/>
+          <a:chOff x="0" y="0"/>
+          <a:chExt cx="0" cy="0"/>
+        </a:xfrm>
+      </p:grpSpPr>
+      <p:sp>
+        <p:nvSpPr>
+          <p:cNvPr id="2" name="Title 1"/>
+          <p:cNvSpPr>
+            <a:spLocks noGrp="1"/>
+          </p:cNvSpPr>
+          <p:nvPr>
+            <p:ph type="title"/>
+          </p:nvPr>
+        </p:nvSpPr>
+        <p:spPr/>
+        <p:txBody>
+          <a:bodyPr/>
+          <a:lstStyle/>
+          <a:p>
+            <a:r>
+              <a:rPr lang="en-US" dirty="0"/>
+              <a:t>Summary</a:t>
+            </a:r>
+          </a:p>
+        </p:txBody>
+      </p:sp>
+      <p:sp>
+        <p:nvSpPr>
+          <p:cNvPr id="7" name="Text Placeholder 6"/>
+          <p:cNvSpPr>
+            <a:spLocks noGrp="1"/>
+          </p:cNvSpPr>
+          <p:nvPr>
+            <p:ph sz="quarter" idx="10"/>
+          </p:nvPr>
+        </p:nvSpPr>
+        <p:spPr/>
+        <p:txBody>
+          <a:bodyPr/>
+          <a:lstStyle/>
+          <a:p>
+            <a:r>
+              <a:rPr lang="en-US" dirty="0"/>
+              <a:t>Microsoft’s Azure Platform security features</a:t>
+            </a:r>
+          </a:p>
+          <a:p>
+            <a:endParaRPr lang="en-US" dirty="0"/>
+          </a:p>
+          <a:p>
+            <a:r>
+              <a:rPr lang="en-US" dirty="0"/>
+              <a:t>Data Security, Control and Access</a:t>
+            </a:r>
+          </a:p>
+          <a:p>
+            <a:endParaRPr lang="en-US" dirty="0"/>
+          </a:p>
+          <a:p>
+            <a:r>
+              <a:rPr lang="en-US" dirty="0"/>
+              <a:t>Understand Microsoft Azure Privacy, Control, Transparency and Compliance</a:t>
+            </a:r>
+          </a:p>
+        </p:txBody>
+      </p:sp>
+    </p:spTree>
+    <p:extLst>
+      <p:ext uri="{BB962C8B-B14F-4D97-AF65-F5344CB8AC3E}">
+        <p14:creationId xmlns:p14="http://schemas.microsoft.com/office/powerpoint/2010/main" val="365016929"/>
       </p:ext>
     </p:extLst>
   </p:cSld>
@@ -26098,280 +24975,6 @@
       </p:grpSpPr>
       <p:sp>
         <p:nvSpPr>
-          <p:cNvPr id="3" name="Title 2"/>
-          <p:cNvSpPr>
-            <a:spLocks noGrp="1"/>
-          </p:cNvSpPr>
-          <p:nvPr>
-            <p:ph type="title"/>
-          </p:nvPr>
-        </p:nvSpPr>
-        <p:spPr/>
-        <p:txBody>
-          <a:bodyPr/>
-          <a:lstStyle/>
-          <a:p>
-            <a:r>
-              <a:rPr lang="en-US" dirty="0"/>
-              <a:t>Data storage and use</a:t>
-            </a:r>
-          </a:p>
-        </p:txBody>
-      </p:sp>
-      <p:sp>
-        <p:nvSpPr>
-          <p:cNvPr id="4" name="Content Placeholder 3"/>
-          <p:cNvSpPr>
-            <a:spLocks noGrp="1"/>
-          </p:cNvSpPr>
-          <p:nvPr>
-            <p:ph sz="quarter" idx="10"/>
-          </p:nvPr>
-        </p:nvSpPr>
-        <p:spPr/>
-        <p:txBody>
-          <a:bodyPr>
-            <a:normAutofit fontScale="85000" lnSpcReduction="20000"/>
-          </a:bodyPr>
-          <a:lstStyle/>
-          <a:p>
-            <a:pPr marL="342900" indent="-342900">
-              <a:spcAft>
-                <a:spcPts val="600"/>
-              </a:spcAft>
-            </a:pPr>
-            <a:r>
-              <a:rPr lang="en-IN" kern="0" dirty="0">
-                <a:solidFill>
-                  <a:srgbClr val="FFFFFF"/>
-                </a:solidFill>
-                <a:ea typeface="Segoe UI" pitchFamily="34" charset="0"/>
-              </a:rPr>
-              <a:t>Customers control where Customer Data is stored</a:t>
-            </a:r>
-          </a:p>
-          <a:p>
-            <a:pPr marL="342900" indent="-342900">
-              <a:spcAft>
-                <a:spcPts val="600"/>
-              </a:spcAft>
-            </a:pPr>
-            <a:endParaRPr lang="en-IN" kern="0" dirty="0">
-              <a:solidFill>
-                <a:srgbClr val="FFFFFF"/>
-              </a:solidFill>
-              <a:ea typeface="Segoe UI" pitchFamily="34" charset="0"/>
-            </a:endParaRPr>
-          </a:p>
-          <a:p>
-            <a:pPr marL="342900" lvl="0" indent="-342900">
-              <a:spcAft>
-                <a:spcPts val="600"/>
-              </a:spcAft>
-            </a:pPr>
-            <a:r>
-              <a:rPr lang="en-IN" kern="0" dirty="0">
-                <a:solidFill>
-                  <a:srgbClr val="FFFFFF"/>
-                </a:solidFill>
-                <a:ea typeface="Segoe UI" pitchFamily="34" charset="0"/>
-              </a:rPr>
-              <a:t>Microsoft doesn’t use Customer Data for advertising or mine it for marketing</a:t>
-            </a:r>
-          </a:p>
-          <a:p>
-            <a:pPr marL="342900" lvl="0" indent="-342900">
-              <a:spcAft>
-                <a:spcPts val="600"/>
-              </a:spcAft>
-            </a:pPr>
-            <a:endParaRPr lang="en-IN" sz="3200" kern="0" dirty="0">
-              <a:solidFill>
-                <a:srgbClr val="FFFFFF"/>
-              </a:solidFill>
-              <a:ea typeface="Segoe UI" pitchFamily="34" charset="0"/>
-            </a:endParaRPr>
-          </a:p>
-          <a:p>
-            <a:pPr marL="342900" lvl="0" indent="-342900">
-              <a:spcAft>
-                <a:spcPts val="600"/>
-              </a:spcAft>
-            </a:pPr>
-            <a:r>
-              <a:rPr lang="en-IN" kern="0" dirty="0">
-                <a:solidFill>
-                  <a:srgbClr val="FFFFFF"/>
-                </a:solidFill>
-                <a:ea typeface="Segoe UI" pitchFamily="34" charset="0"/>
-              </a:rPr>
-              <a:t>Microsoft uses Customer Data only to provide the services</a:t>
-            </a:r>
-          </a:p>
-          <a:p>
-            <a:pPr marL="342900" lvl="0" indent="-342900">
-              <a:spcAft>
-                <a:spcPts val="600"/>
-              </a:spcAft>
-            </a:pPr>
-            <a:endParaRPr lang="en-IN" sz="3200" kern="0" dirty="0">
-              <a:solidFill>
-                <a:srgbClr val="FFFFFF"/>
-              </a:solidFill>
-              <a:ea typeface="Segoe UI" pitchFamily="34" charset="0"/>
-            </a:endParaRPr>
-          </a:p>
-          <a:p>
-            <a:pPr marL="342900" lvl="0" indent="-342900">
-              <a:spcAft>
-                <a:spcPts val="600"/>
-              </a:spcAft>
-            </a:pPr>
-            <a:r>
-              <a:rPr lang="en-IN" kern="0" dirty="0">
-                <a:solidFill>
-                  <a:srgbClr val="FFFFFF"/>
-                </a:solidFill>
-                <a:ea typeface="Segoe UI" pitchFamily="34" charset="0"/>
-              </a:rPr>
-              <a:t>Customers may delete Customer Data or leave the service at any time</a:t>
-            </a:r>
-          </a:p>
-          <a:p>
-            <a:endParaRPr lang="en-US" dirty="0"/>
-          </a:p>
-        </p:txBody>
-      </p:sp>
-    </p:spTree>
-    <p:extLst>
-      <p:ext uri="{BB962C8B-B14F-4D97-AF65-F5344CB8AC3E}">
-        <p14:creationId xmlns:p14="http://schemas.microsoft.com/office/powerpoint/2010/main" val="3464381918"/>
-      </p:ext>
-    </p:extLst>
-  </p:cSld>
-  <p:clrMapOvr>
-    <a:masterClrMapping/>
-  </p:clrMapOvr>
-  <p:transition>
-    <p:fade/>
-  </p:transition>
-</p:sld>
-</file>
-
-<file path=ppt/slides/slide24.xml><?xml version="1.0" encoding="utf-8"?>
-<p:sld xmlns:a="http://schemas.openxmlformats.org/drawingml/2006/main" xmlns:r="http://schemas.openxmlformats.org/officeDocument/2006/relationships" xmlns:p="http://schemas.openxmlformats.org/presentationml/2006/main">
-  <p:cSld>
-    <p:spTree>
-      <p:nvGrpSpPr>
-        <p:cNvPr id="1" name=""/>
-        <p:cNvGrpSpPr/>
-        <p:nvPr/>
-      </p:nvGrpSpPr>
-      <p:grpSpPr>
-        <a:xfrm>
-          <a:off x="0" y="0"/>
-          <a:ext cx="0" cy="0"/>
-          <a:chOff x="0" y="0"/>
-          <a:chExt cx="0" cy="0"/>
-        </a:xfrm>
-      </p:grpSpPr>
-      <p:sp>
-        <p:nvSpPr>
-          <p:cNvPr id="2" name="Title 1"/>
-          <p:cNvSpPr>
-            <a:spLocks noGrp="1"/>
-          </p:cNvSpPr>
-          <p:nvPr>
-            <p:ph type="title"/>
-          </p:nvPr>
-        </p:nvSpPr>
-        <p:spPr/>
-        <p:txBody>
-          <a:bodyPr/>
-          <a:lstStyle/>
-          <a:p>
-            <a:r>
-              <a:rPr lang="en-US" dirty="0"/>
-              <a:t>Summary</a:t>
-            </a:r>
-          </a:p>
-        </p:txBody>
-      </p:sp>
-      <p:sp>
-        <p:nvSpPr>
-          <p:cNvPr id="7" name="Text Placeholder 6"/>
-          <p:cNvSpPr>
-            <a:spLocks noGrp="1"/>
-          </p:cNvSpPr>
-          <p:nvPr>
-            <p:ph sz="quarter" idx="10"/>
-          </p:nvPr>
-        </p:nvSpPr>
-        <p:spPr/>
-        <p:txBody>
-          <a:bodyPr/>
-          <a:lstStyle/>
-          <a:p>
-            <a:r>
-              <a:rPr lang="en-US" dirty="0"/>
-              <a:t>Microsoft’s Azure Platform security features</a:t>
-            </a:r>
-          </a:p>
-          <a:p>
-            <a:endParaRPr lang="en-US" dirty="0"/>
-          </a:p>
-          <a:p>
-            <a:r>
-              <a:rPr lang="en-US" dirty="0"/>
-              <a:t>Data Security, Control and Access</a:t>
-            </a:r>
-          </a:p>
-          <a:p>
-            <a:endParaRPr lang="en-US" dirty="0"/>
-          </a:p>
-          <a:p>
-            <a:r>
-              <a:rPr lang="en-US" dirty="0"/>
-              <a:t>Understand Microsoft Azure Privacy, Control, Transparency and Compliance</a:t>
-            </a:r>
-          </a:p>
-        </p:txBody>
-      </p:sp>
-    </p:spTree>
-    <p:extLst>
-      <p:ext uri="{BB962C8B-B14F-4D97-AF65-F5344CB8AC3E}">
-        <p14:creationId xmlns:p14="http://schemas.microsoft.com/office/powerpoint/2010/main" val="365016929"/>
-      </p:ext>
-    </p:extLst>
-  </p:cSld>
-  <p:clrMapOvr>
-    <a:masterClrMapping/>
-  </p:clrMapOvr>
-  <p:transition>
-    <p:fade/>
-  </p:transition>
-</p:sld>
-</file>
-
-<file path=ppt/slides/slide25.xml><?xml version="1.0" encoding="utf-8"?>
-<p:sld xmlns:a="http://schemas.openxmlformats.org/drawingml/2006/main" xmlns:r="http://schemas.openxmlformats.org/officeDocument/2006/relationships" xmlns:p="http://schemas.openxmlformats.org/presentationml/2006/main">
-  <p:cSld>
-    <p:spTree>
-      <p:nvGrpSpPr>
-        <p:cNvPr id="1" name=""/>
-        <p:cNvGrpSpPr/>
-        <p:nvPr/>
-      </p:nvGrpSpPr>
-      <p:grpSpPr>
-        <a:xfrm>
-          <a:off x="0" y="0"/>
-          <a:ext cx="0" cy="0"/>
-          <a:chOff x="0" y="0"/>
-          <a:chExt cx="0" cy="0"/>
-        </a:xfrm>
-      </p:grpSpPr>
-      <p:sp>
-        <p:nvSpPr>
           <p:cNvPr id="2" name="Text Placeholder 1"/>
           <p:cNvSpPr>
             <a:spLocks noGrp="1"/>
@@ -26385,7 +24988,7 @@
           <a:bodyPr/>
           <a:lstStyle/>
           <a:p>
-            <a:endParaRPr lang="en-US"/>
+            <a:endParaRPr lang="en-US" dirty="0"/>
           </a:p>
         </p:txBody>
       </p:sp>
@@ -26405,7 +25008,7 @@
 </p:sld>
 </file>
 
-<file path=ppt/slides/slide26.xml><?xml version="1.0" encoding="utf-8"?>
+<file path=ppt/slides/slide24.xml><?xml version="1.0" encoding="utf-8"?>
 <p:sld xmlns:a="http://schemas.openxmlformats.org/drawingml/2006/main" xmlns:r="http://schemas.openxmlformats.org/officeDocument/2006/relationships" xmlns:p="http://schemas.openxmlformats.org/presentationml/2006/main">
   <p:cSld>
     <p:spTree>
@@ -26438,7 +25041,7 @@
 </p:sld>
 </file>
 
-<file path=ppt/slides/slide27.xml><?xml version="1.0" encoding="utf-8"?>
+<file path=ppt/slides/slide25.xml><?xml version="1.0" encoding="utf-8"?>
 <p:sld xmlns:a="http://schemas.openxmlformats.org/drawingml/2006/main" xmlns:r="http://schemas.openxmlformats.org/officeDocument/2006/relationships" xmlns:p="http://schemas.openxmlformats.org/presentationml/2006/main" show="0">
   <p:cSld>
     <p:spTree>
@@ -26941,253 +25544,6 @@
       <p:bldP spid="33" grpId="0"/>
       <p:bldP spid="34" grpId="0"/>
     </p:bldLst>
-  </p:timing>
-</p:sld>
-</file>
-
-<file path=ppt/slides/slide28.xml><?xml version="1.0" encoding="utf-8"?>
-<p:sld xmlns:a="http://schemas.openxmlformats.org/drawingml/2006/main" xmlns:r="http://schemas.openxmlformats.org/officeDocument/2006/relationships" xmlns:p="http://schemas.openxmlformats.org/presentationml/2006/main" show="0">
-  <p:cSld>
-    <p:spTree>
-      <p:nvGrpSpPr>
-        <p:cNvPr id="1" name=""/>
-        <p:cNvGrpSpPr/>
-        <p:nvPr/>
-      </p:nvGrpSpPr>
-      <p:grpSpPr>
-        <a:xfrm>
-          <a:off x="0" y="0"/>
-          <a:ext cx="0" cy="0"/>
-          <a:chOff x="0" y="0"/>
-          <a:chExt cx="0" cy="0"/>
-        </a:xfrm>
-      </p:grpSpPr>
-      <p:sp>
-        <p:nvSpPr>
-          <p:cNvPr id="3" name="Title 2"/>
-          <p:cNvSpPr>
-            <a:spLocks noGrp="1"/>
-          </p:cNvSpPr>
-          <p:nvPr>
-            <p:ph type="title"/>
-          </p:nvPr>
-        </p:nvSpPr>
-        <p:spPr/>
-        <p:txBody>
-          <a:bodyPr/>
-          <a:lstStyle/>
-          <a:p>
-            <a:r>
-              <a:rPr lang="en-US" dirty="0"/>
-              <a:t>Compliance</a:t>
-            </a:r>
-          </a:p>
-        </p:txBody>
-      </p:sp>
-      <p:pic>
-        <p:nvPicPr>
-          <p:cNvPr id="4" name="Picture 3"/>
-          <p:cNvPicPr>
-            <a:picLocks noChangeAspect="1"/>
-          </p:cNvPicPr>
-          <p:nvPr/>
-        </p:nvPicPr>
-        <p:blipFill>
-          <a:blip r:embed="rId3"/>
-          <a:stretch>
-            <a:fillRect/>
-          </a:stretch>
-        </p:blipFill>
-        <p:spPr>
-          <a:xfrm>
-            <a:off x="3790628" y="580627"/>
-            <a:ext cx="4610743" cy="5696745"/>
-          </a:xfrm>
-          <a:prstGeom prst="rect">
-            <a:avLst/>
-          </a:prstGeom>
-        </p:spPr>
-      </p:pic>
-    </p:spTree>
-    <p:extLst>
-      <p:ext uri="{BB962C8B-B14F-4D97-AF65-F5344CB8AC3E}">
-        <p14:creationId xmlns:p14="http://schemas.microsoft.com/office/powerpoint/2010/main" val="185101482"/>
-      </p:ext>
-    </p:extLst>
-  </p:cSld>
-  <p:clrMapOvr>
-    <a:masterClrMapping/>
-  </p:clrMapOvr>
-  <p:transition>
-    <p:fade/>
-  </p:transition>
-</p:sld>
-</file>
-
-<file path=ppt/slides/slide29.xml><?xml version="1.0" encoding="utf-8"?>
-<p:sld xmlns:a="http://schemas.openxmlformats.org/drawingml/2006/main" xmlns:r="http://schemas.openxmlformats.org/officeDocument/2006/relationships" xmlns:p="http://schemas.openxmlformats.org/presentationml/2006/main" show="0">
-  <p:cSld>
-    <p:spTree>
-      <p:nvGrpSpPr>
-        <p:cNvPr id="1" name=""/>
-        <p:cNvGrpSpPr/>
-        <p:nvPr/>
-      </p:nvGrpSpPr>
-      <p:grpSpPr>
-        <a:xfrm>
-          <a:off x="0" y="0"/>
-          <a:ext cx="0" cy="0"/>
-          <a:chOff x="0" y="0"/>
-          <a:chExt cx="0" cy="0"/>
-        </a:xfrm>
-      </p:grpSpPr>
-      <p:sp>
-        <p:nvSpPr>
-          <p:cNvPr id="3" name="Title 2"/>
-          <p:cNvSpPr>
-            <a:spLocks noGrp="1"/>
-          </p:cNvSpPr>
-          <p:nvPr>
-            <p:ph type="title"/>
-          </p:nvPr>
-        </p:nvSpPr>
-        <p:spPr/>
-        <p:txBody>
-          <a:bodyPr/>
-          <a:lstStyle/>
-          <a:p>
-            <a:r>
-              <a:rPr lang="en-US" dirty="0"/>
-              <a:t>Trusted globally by leading companies</a:t>
-            </a:r>
-          </a:p>
-        </p:txBody>
-      </p:sp>
-      <p:pic>
-        <p:nvPicPr>
-          <p:cNvPr id="5" name="Picture 4"/>
-          <p:cNvPicPr>
-            <a:picLocks noChangeAspect="1"/>
-          </p:cNvPicPr>
-          <p:nvPr/>
-        </p:nvPicPr>
-        <p:blipFill>
-          <a:blip r:embed="rId3"/>
-          <a:stretch>
-            <a:fillRect/>
-          </a:stretch>
-        </p:blipFill>
-        <p:spPr>
-          <a:xfrm>
-            <a:off x="545138" y="1458265"/>
-            <a:ext cx="11117596" cy="4507973"/>
-          </a:xfrm>
-          <a:prstGeom prst="rect">
-            <a:avLst/>
-          </a:prstGeom>
-          <a:solidFill>
-            <a:srgbClr val="FFFFFF"/>
-          </a:solidFill>
-        </p:spPr>
-      </p:pic>
-    </p:spTree>
-    <p:extLst>
-      <p:ext uri="{BB962C8B-B14F-4D97-AF65-F5344CB8AC3E}">
-        <p14:creationId xmlns:p14="http://schemas.microsoft.com/office/powerpoint/2010/main" val="3949080403"/>
-      </p:ext>
-    </p:extLst>
-  </p:cSld>
-  <p:clrMapOvr>
-    <a:masterClrMapping/>
-  </p:clrMapOvr>
-  <p:transition>
-    <p:fade/>
-  </p:transition>
-  <p:timing>
-    <p:tnLst>
-      <p:par>
-        <p:cTn id="1" dur="indefinite" restart="never" nodeType="tmRoot">
-          <p:childTnLst>
-            <p:seq concurrent="1" nextAc="seek">
-              <p:cTn id="2" dur="indefinite" nodeType="mainSeq">
-                <p:childTnLst>
-                  <p:par>
-                    <p:cTn id="3" fill="hold">
-                      <p:stCondLst>
-                        <p:cond delay="indefinite"/>
-                        <p:cond evt="onBegin" delay="0">
-                          <p:tn val="2"/>
-                        </p:cond>
-                      </p:stCondLst>
-                      <p:childTnLst>
-                        <p:par>
-                          <p:cTn id="4" fill="hold">
-                            <p:stCondLst>
-                              <p:cond delay="0"/>
-                            </p:stCondLst>
-                            <p:childTnLst>
-                              <p:par>
-                                <p:cTn id="5" presetID="10" presetClass="entr" presetSubtype="0" fill="hold" nodeType="afterEffect">
-                                  <p:stCondLst>
-                                    <p:cond delay="0"/>
-                                  </p:stCondLst>
-                                  <p:childTnLst>
-                                    <p:set>
-                                      <p:cBhvr>
-                                        <p:cTn id="6" dur="1" fill="hold">
-                                          <p:stCondLst>
-                                            <p:cond delay="0"/>
-                                          </p:stCondLst>
-                                        </p:cTn>
-                                        <p:tgtEl>
-                                          <p:spTgt spid="5"/>
-                                        </p:tgtEl>
-                                        <p:attrNameLst>
-                                          <p:attrName>style.visibility</p:attrName>
-                                        </p:attrNameLst>
-                                      </p:cBhvr>
-                                      <p:to>
-                                        <p:strVal val="visible"/>
-                                      </p:to>
-                                    </p:set>
-                                    <p:animEffect transition="in" filter="fade">
-                                      <p:cBhvr>
-                                        <p:cTn id="7" dur="1250"/>
-                                        <p:tgtEl>
-                                          <p:spTgt spid="5"/>
-                                        </p:tgtEl>
-                                      </p:cBhvr>
-                                    </p:animEffect>
-                                  </p:childTnLst>
-                                </p:cTn>
-                              </p:par>
-                            </p:childTnLst>
-                          </p:cTn>
-                        </p:par>
-                      </p:childTnLst>
-                    </p:cTn>
-                  </p:par>
-                </p:childTnLst>
-              </p:cTn>
-              <p:prevCondLst>
-                <p:cond evt="onPrev" delay="0">
-                  <p:tgtEl>
-                    <p:sldTgt/>
-                  </p:tgtEl>
-                </p:cond>
-              </p:prevCondLst>
-              <p:nextCondLst>
-                <p:cond evt="onNext" delay="0">
-                  <p:tgtEl>
-                    <p:sldTgt/>
-                  </p:tgtEl>
-                </p:cond>
-              </p:nextCondLst>
-            </p:seq>
-          </p:childTnLst>
-        </p:cTn>
-      </p:par>
-    </p:tnLst>
   </p:timing>
 </p:sld>
 </file>
@@ -32372,21 +30728,6 @@
 </file>
 
 <file path=customXml/item1.xml><?xml version="1.0" encoding="utf-8"?>
-<?mso-contentType ?>
-<FormTemplates xmlns="http://schemas.microsoft.com/sharepoint/v3/contenttype/forms">
-  <Display>DocumentLibraryForm</Display>
-  <Edit>DocumentLibraryForm</Edit>
-  <New>DocumentLibraryForm</New>
-</FormTemplates>
-</file>
-
-<file path=customXml/item2.xml><?xml version="1.0" encoding="utf-8"?>
-<p:properties xmlns:p="http://schemas.microsoft.com/office/2006/metadata/properties" xmlns:xsi="http://www.w3.org/2001/XMLSchema-instance" xmlns:pc="http://schemas.microsoft.com/office/infopath/2007/PartnerControls">
-  <documentManagement/>
-</p:properties>
-</file>
-
-<file path=customXml/item3.xml><?xml version="1.0" encoding="utf-8"?>
 <ct:contentTypeSchema xmlns:ct="http://schemas.microsoft.com/office/2006/metadata/contentType" xmlns:ma="http://schemas.microsoft.com/office/2006/metadata/properties/metaAttributes" ct:_="" ma:_="" ma:contentTypeName="Document" ma:contentTypeID="0x010100C08F381963C77D44A6A91469D5845EE5" ma:contentTypeVersion="2" ma:contentTypeDescription="Create a new document." ma:contentTypeScope="" ma:versionID="66290b1f7725e443aa19cdb7b89371b7">
   <xsd:schema xmlns:xsd="http://www.w3.org/2001/XMLSchema" xmlns:xs="http://www.w3.org/2001/XMLSchema" xmlns:p="http://schemas.microsoft.com/office/2006/metadata/properties" xmlns:ns2="c58f79d2-8dd2-43f0-9a03-e1b9f874d667" targetNamespace="http://schemas.microsoft.com/office/2006/metadata/properties" ma:root="true" ma:fieldsID="27a8e9c299bda407fa38b12f0db042eb" ns2:_="">
     <xsd:import namespace="c58f79d2-8dd2-43f0-9a03-e1b9f874d667"/>
@@ -32534,10 +30875,35 @@
 </ct:contentTypeSchema>
 </file>
 
+<file path=customXml/item2.xml><?xml version="1.0" encoding="utf-8"?>
+<p:properties xmlns:p="http://schemas.microsoft.com/office/2006/metadata/properties" xmlns:xsi="http://www.w3.org/2001/XMLSchema-instance" xmlns:pc="http://schemas.microsoft.com/office/infopath/2007/PartnerControls">
+  <documentManagement/>
+</p:properties>
+</file>
+
+<file path=customXml/item3.xml><?xml version="1.0" encoding="utf-8"?>
+<?mso-contentType ?>
+<FormTemplates xmlns="http://schemas.microsoft.com/sharepoint/v3/contenttype/forms">
+  <Display>DocumentLibraryForm</Display>
+  <Edit>DocumentLibraryForm</Edit>
+  <New>DocumentLibraryForm</New>
+</FormTemplates>
+</file>
+
 <file path=customXml/itemProps1.xml><?xml version="1.0" encoding="utf-8"?>
-<ds:datastoreItem xmlns:ds="http://schemas.openxmlformats.org/officeDocument/2006/customXml" ds:itemID="{D98B8685-CAA3-4A1A-8397-DF9971695697}">
+<ds:datastoreItem xmlns:ds="http://schemas.openxmlformats.org/officeDocument/2006/customXml" ds:itemID="{AE30008B-22D1-4C3E-A0BE-5BCAFBE11F82}">
   <ds:schemaRefs>
-    <ds:schemaRef ds:uri="http://schemas.microsoft.com/sharepoint/v3/contenttype/forms"/>
+    <ds:schemaRef ds:uri="http://schemas.microsoft.com/office/2006/metadata/contentType"/>
+    <ds:schemaRef ds:uri="http://schemas.microsoft.com/office/2006/metadata/properties/metaAttributes"/>
+    <ds:schemaRef ds:uri="http://www.w3.org/2001/XMLSchema"/>
+    <ds:schemaRef ds:uri="http://schemas.microsoft.com/office/2006/metadata/properties"/>
+    <ds:schemaRef ds:uri="c58f79d2-8dd2-43f0-9a03-e1b9f874d667"/>
+    <ds:schemaRef ds:uri="http://schemas.microsoft.com/office/2006/documentManagement/types"/>
+    <ds:schemaRef ds:uri="http://schemas.microsoft.com/office/infopath/2007/PartnerControls"/>
+    <ds:schemaRef ds:uri="http://schemas.openxmlformats.org/package/2006/metadata/core-properties"/>
+    <ds:schemaRef ds:uri="http://purl.org/dc/elements/1.1/"/>
+    <ds:schemaRef ds:uri="http://purl.org/dc/terms/"/>
+    <ds:schemaRef ds:uri="http://schemas.microsoft.com/internal/obd"/>
   </ds:schemaRefs>
 </ds:datastoreItem>
 </file>
@@ -32559,19 +30925,9 @@
 </file>
 
 <file path=customXml/itemProps3.xml><?xml version="1.0" encoding="utf-8"?>
-<ds:datastoreItem xmlns:ds="http://schemas.openxmlformats.org/officeDocument/2006/customXml" ds:itemID="{AE30008B-22D1-4C3E-A0BE-5BCAFBE11F82}">
+<ds:datastoreItem xmlns:ds="http://schemas.openxmlformats.org/officeDocument/2006/customXml" ds:itemID="{D98B8685-CAA3-4A1A-8397-DF9971695697}">
   <ds:schemaRefs>
-    <ds:schemaRef ds:uri="http://schemas.microsoft.com/office/2006/metadata/contentType"/>
-    <ds:schemaRef ds:uri="http://schemas.microsoft.com/office/2006/metadata/properties/metaAttributes"/>
-    <ds:schemaRef ds:uri="http://www.w3.org/2001/XMLSchema"/>
-    <ds:schemaRef ds:uri="http://schemas.microsoft.com/office/2006/metadata/properties"/>
-    <ds:schemaRef ds:uri="c58f79d2-8dd2-43f0-9a03-e1b9f874d667"/>
-    <ds:schemaRef ds:uri="http://schemas.microsoft.com/office/2006/documentManagement/types"/>
-    <ds:schemaRef ds:uri="http://schemas.microsoft.com/office/infopath/2007/PartnerControls"/>
-    <ds:schemaRef ds:uri="http://schemas.openxmlformats.org/package/2006/metadata/core-properties"/>
-    <ds:schemaRef ds:uri="http://purl.org/dc/elements/1.1/"/>
-    <ds:schemaRef ds:uri="http://purl.org/dc/terms/"/>
-    <ds:schemaRef ds:uri="http://schemas.microsoft.com/internal/obd"/>
+    <ds:schemaRef ds:uri="http://schemas.microsoft.com/sharepoint/v3/contenttype/forms"/>
   </ds:schemaRefs>
 </ds:datastoreItem>
 </file>